--- a/HandsOn/Group03/Presentacion.pptx
+++ b/HandsOn/Group03/Presentacion.pptx
@@ -1,40 +1,42 @@
 
 <file path=ppt/presentation.xml><?xml version="1.0" encoding="utf-8"?>
-<p:presentation xmlns:a="http://schemas.openxmlformats.org/drawingml/2006/main" xmlns:r="http://schemas.openxmlformats.org/officeDocument/2006/relationships" xmlns:mc="http://schemas.openxmlformats.org/markup-compatibility/2006" xmlns:mv="urn:schemas-microsoft-com:mac:vml" xmlns:p="http://schemas.openxmlformats.org/presentationml/2006/main" xmlns:c="http://schemas.openxmlformats.org/drawingml/2006/chart" xmlns:dgm="http://schemas.openxmlformats.org/drawingml/2006/diagram" xmlns:o="urn:schemas-microsoft-com:office:office" xmlns:v="urn:schemas-microsoft-com:vml" xmlns:pvml="urn:schemas-microsoft-com:office:powerpoint" xmlns:com="http://schemas.openxmlformats.org/drawingml/2006/compatibility" xmlns:p14="http://schemas.microsoft.com/office/powerpoint/2010/main" xmlns:p15="http://schemas.microsoft.com/office/powerpoint/2012/main" autoCompressPictures="0" embedTrueTypeFonts="1" strictFirstAndLastChars="0" saveSubsetFonts="1">
+<p:presentation xmlns:a="http://schemas.openxmlformats.org/drawingml/2006/main" xmlns:r="http://schemas.openxmlformats.org/officeDocument/2006/relationships" xmlns:p="http://schemas.openxmlformats.org/presentationml/2006/main" strictFirstAndLastChars="0" embedTrueTypeFonts="1" saveSubsetFonts="1" autoCompressPictures="0">
   <p:sldMasterIdLst>
-    <p:sldMasterId id="2147483659" r:id="rId4"/>
+    <p:sldMasterId id="2147483659" r:id="rId1"/>
   </p:sldMasterIdLst>
   <p:notesMasterIdLst>
-    <p:notesMasterId r:id="rId5"/>
+    <p:notesMasterId r:id="rId10"/>
   </p:notesMasterIdLst>
   <p:sldIdLst>
-    <p:sldId id="256" r:id="rId6"/>
-    <p:sldId id="257" r:id="rId7"/>
-    <p:sldId id="258" r:id="rId8"/>
-    <p:sldId id="259" r:id="rId9"/>
-    <p:sldId id="260" r:id="rId10"/>
-    <p:sldId id="261" r:id="rId11"/>
+    <p:sldId id="256" r:id="rId2"/>
+    <p:sldId id="257" r:id="rId3"/>
+    <p:sldId id="258" r:id="rId4"/>
+    <p:sldId id="259" r:id="rId5"/>
+    <p:sldId id="260" r:id="rId6"/>
+    <p:sldId id="261" r:id="rId7"/>
+    <p:sldId id="262" r:id="rId8"/>
+    <p:sldId id="263" r:id="rId9"/>
   </p:sldIdLst>
-  <p:sldSz cy="5143500" cx="9144000"/>
+  <p:sldSz cx="9144000" cy="5143500" type="screen16x9"/>
   <p:notesSz cx="6858000" cy="9144000"/>
   <p:embeddedFontLst>
     <p:embeddedFont>
-      <p:font typeface="Raleway"/>
-      <p:regular r:id="rId12"/>
-      <p:bold r:id="rId13"/>
-      <p:italic r:id="rId14"/>
-      <p:boldItalic r:id="rId15"/>
+      <p:font typeface="Raleway" panose="020B0604020202020204" charset="0"/>
+      <p:regular r:id="rId11"/>
+      <p:bold r:id="rId12"/>
+      <p:italic r:id="rId13"/>
+      <p:boldItalic r:id="rId14"/>
     </p:embeddedFont>
     <p:embeddedFont>
-      <p:font typeface="Source Sans Pro"/>
-      <p:regular r:id="rId16"/>
-      <p:bold r:id="rId17"/>
-      <p:italic r:id="rId18"/>
-      <p:boldItalic r:id="rId19"/>
+      <p:font typeface="Source Sans Pro" panose="020B0503030403020204" pitchFamily="34" charset="0"/>
+      <p:regular r:id="rId15"/>
+      <p:bold r:id="rId16"/>
+      <p:italic r:id="rId17"/>
+      <p:boldItalic r:id="rId18"/>
     </p:embeddedFont>
   </p:embeddedFontLst>
   <p:defaultTextStyle>
-    <a:defPPr lvl="0" marR="0" rtl="0" algn="l">
+    <a:defPPr marR="0" lvl="0" algn="l" rtl="0">
       <a:lnSpc>
         <a:spcPct val="100000"/>
       </a:lnSpc>
@@ -45,7 +47,7 @@
         <a:spcPts val="0"/>
       </a:spcAft>
     </a:defPPr>
-    <a:lvl1pPr lvl="0" marR="0" rtl="0" algn="l">
+    <a:lvl1pPr marR="0" lvl="0" algn="l" rtl="0">
       <a:lnSpc>
         <a:spcPct val="100000"/>
       </a:lnSpc>
@@ -59,7 +61,7 @@
         <a:srgbClr val="000000"/>
       </a:buClr>
       <a:buFont typeface="Arial"/>
-      <a:defRPr b="0" i="0" sz="1400" u="none" cap="none" strike="noStrike">
+      <a:defRPr sz="1400" b="0" i="0" u="none" strike="noStrike" cap="none">
         <a:solidFill>
           <a:srgbClr val="000000"/>
         </a:solidFill>
@@ -69,7 +71,7 @@
         <a:sym typeface="Arial"/>
       </a:defRPr>
     </a:lvl1pPr>
-    <a:lvl2pPr lvl="1" marR="0" rtl="0" algn="l">
+    <a:lvl2pPr marR="0" lvl="1" algn="l" rtl="0">
       <a:lnSpc>
         <a:spcPct val="100000"/>
       </a:lnSpc>
@@ -83,7 +85,7 @@
         <a:srgbClr val="000000"/>
       </a:buClr>
       <a:buFont typeface="Arial"/>
-      <a:defRPr b="0" i="0" sz="1400" u="none" cap="none" strike="noStrike">
+      <a:defRPr sz="1400" b="0" i="0" u="none" strike="noStrike" cap="none">
         <a:solidFill>
           <a:srgbClr val="000000"/>
         </a:solidFill>
@@ -93,7 +95,7 @@
         <a:sym typeface="Arial"/>
       </a:defRPr>
     </a:lvl2pPr>
-    <a:lvl3pPr lvl="2" marR="0" rtl="0" algn="l">
+    <a:lvl3pPr marR="0" lvl="2" algn="l" rtl="0">
       <a:lnSpc>
         <a:spcPct val="100000"/>
       </a:lnSpc>
@@ -107,7 +109,7 @@
         <a:srgbClr val="000000"/>
       </a:buClr>
       <a:buFont typeface="Arial"/>
-      <a:defRPr b="0" i="0" sz="1400" u="none" cap="none" strike="noStrike">
+      <a:defRPr sz="1400" b="0" i="0" u="none" strike="noStrike" cap="none">
         <a:solidFill>
           <a:srgbClr val="000000"/>
         </a:solidFill>
@@ -117,7 +119,7 @@
         <a:sym typeface="Arial"/>
       </a:defRPr>
     </a:lvl3pPr>
-    <a:lvl4pPr lvl="3" marR="0" rtl="0" algn="l">
+    <a:lvl4pPr marR="0" lvl="3" algn="l" rtl="0">
       <a:lnSpc>
         <a:spcPct val="100000"/>
       </a:lnSpc>
@@ -131,7 +133,7 @@
         <a:srgbClr val="000000"/>
       </a:buClr>
       <a:buFont typeface="Arial"/>
-      <a:defRPr b="0" i="0" sz="1400" u="none" cap="none" strike="noStrike">
+      <a:defRPr sz="1400" b="0" i="0" u="none" strike="noStrike" cap="none">
         <a:solidFill>
           <a:srgbClr val="000000"/>
         </a:solidFill>
@@ -141,7 +143,7 @@
         <a:sym typeface="Arial"/>
       </a:defRPr>
     </a:lvl4pPr>
-    <a:lvl5pPr lvl="4" marR="0" rtl="0" algn="l">
+    <a:lvl5pPr marR="0" lvl="4" algn="l" rtl="0">
       <a:lnSpc>
         <a:spcPct val="100000"/>
       </a:lnSpc>
@@ -155,7 +157,7 @@
         <a:srgbClr val="000000"/>
       </a:buClr>
       <a:buFont typeface="Arial"/>
-      <a:defRPr b="0" i="0" sz="1400" u="none" cap="none" strike="noStrike">
+      <a:defRPr sz="1400" b="0" i="0" u="none" strike="noStrike" cap="none">
         <a:solidFill>
           <a:srgbClr val="000000"/>
         </a:solidFill>
@@ -165,7 +167,7 @@
         <a:sym typeface="Arial"/>
       </a:defRPr>
     </a:lvl5pPr>
-    <a:lvl6pPr lvl="5" marR="0" rtl="0" algn="l">
+    <a:lvl6pPr marR="0" lvl="5" algn="l" rtl="0">
       <a:lnSpc>
         <a:spcPct val="100000"/>
       </a:lnSpc>
@@ -179,7 +181,7 @@
         <a:srgbClr val="000000"/>
       </a:buClr>
       <a:buFont typeface="Arial"/>
-      <a:defRPr b="0" i="0" sz="1400" u="none" cap="none" strike="noStrike">
+      <a:defRPr sz="1400" b="0" i="0" u="none" strike="noStrike" cap="none">
         <a:solidFill>
           <a:srgbClr val="000000"/>
         </a:solidFill>
@@ -189,7 +191,7 @@
         <a:sym typeface="Arial"/>
       </a:defRPr>
     </a:lvl6pPr>
-    <a:lvl7pPr lvl="6" marR="0" rtl="0" algn="l">
+    <a:lvl7pPr marR="0" lvl="6" algn="l" rtl="0">
       <a:lnSpc>
         <a:spcPct val="100000"/>
       </a:lnSpc>
@@ -203,7 +205,7 @@
         <a:srgbClr val="000000"/>
       </a:buClr>
       <a:buFont typeface="Arial"/>
-      <a:defRPr b="0" i="0" sz="1400" u="none" cap="none" strike="noStrike">
+      <a:defRPr sz="1400" b="0" i="0" u="none" strike="noStrike" cap="none">
         <a:solidFill>
           <a:srgbClr val="000000"/>
         </a:solidFill>
@@ -213,7 +215,7 @@
         <a:sym typeface="Arial"/>
       </a:defRPr>
     </a:lvl7pPr>
-    <a:lvl8pPr lvl="7" marR="0" rtl="0" algn="l">
+    <a:lvl8pPr marR="0" lvl="7" algn="l" rtl="0">
       <a:lnSpc>
         <a:spcPct val="100000"/>
       </a:lnSpc>
@@ -227,7 +229,7 @@
         <a:srgbClr val="000000"/>
       </a:buClr>
       <a:buFont typeface="Arial"/>
-      <a:defRPr b="0" i="0" sz="1400" u="none" cap="none" strike="noStrike">
+      <a:defRPr sz="1400" b="0" i="0" u="none" strike="noStrike" cap="none">
         <a:solidFill>
           <a:srgbClr val="000000"/>
         </a:solidFill>
@@ -237,7 +239,7 @@
         <a:sym typeface="Arial"/>
       </a:defRPr>
     </a:lvl8pPr>
-    <a:lvl9pPr lvl="8" marR="0" rtl="0" algn="l">
+    <a:lvl9pPr marR="0" lvl="8" algn="l" rtl="0">
       <a:lnSpc>
         <a:spcPct val="100000"/>
       </a:lnSpc>
@@ -251,7 +253,7 @@
         <a:srgbClr val="000000"/>
       </a:buClr>
       <a:buFont typeface="Arial"/>
-      <a:defRPr b="0" i="0" sz="1400" u="none" cap="none" strike="noStrike">
+      <a:defRPr sz="1400" b="0" i="0" u="none" strike="noStrike" cap="none">
         <a:solidFill>
           <a:srgbClr val="000000"/>
         </a:solidFill>
@@ -264,7 +266,7 @@
   </p:defaultTextStyle>
   <p:extLst>
     <p:ext uri="{EFAFB233-063F-42B5-8137-9DF3F51BA10A}">
-      <p15:sldGuideLst>
+      <p15:sldGuideLst xmlns:p15="http://schemas.microsoft.com/office/powerpoint/2012/main">
         <p15:guide id="1" orient="horz" pos="1620">
           <p15:clr>
             <a:srgbClr val="A4A3A4"/>
@@ -282,11 +284,16 @@
 </file>
 
 <file path=ppt/notesMasters/notesMaster1.xml><?xml version="1.0" encoding="utf-8"?>
-<p:notesMaster xmlns:a="http://schemas.openxmlformats.org/drawingml/2006/main" xmlns:r="http://schemas.openxmlformats.org/officeDocument/2006/relationships" xmlns:mc="http://schemas.openxmlformats.org/markup-compatibility/2006" xmlns:mv="urn:schemas-microsoft-com:mac:vml" xmlns:p="http://schemas.openxmlformats.org/presentationml/2006/main" xmlns:c="http://schemas.openxmlformats.org/drawingml/2006/chart" xmlns:dgm="http://schemas.openxmlformats.org/drawingml/2006/diagram" xmlns:o="urn:schemas-microsoft-com:office:office" xmlns:v="urn:schemas-microsoft-com:vml" xmlns:pvml="urn:schemas-microsoft-com:office:powerpoint" xmlns:com="http://schemas.openxmlformats.org/drawingml/2006/compatibility" xmlns:p14="http://schemas.microsoft.com/office/powerpoint/2010/main" xmlns:p15="http://schemas.microsoft.com/office/powerpoint/2012/main">
+<p:notesMaster xmlns:a="http://schemas.openxmlformats.org/drawingml/2006/main" xmlns:r="http://schemas.openxmlformats.org/officeDocument/2006/relationships" xmlns:p="http://schemas.openxmlformats.org/presentationml/2006/main">
   <p:cSld>
+    <p:bg>
+      <p:bgRef idx="1001">
+        <a:schemeClr val="bg1"/>
+      </p:bgRef>
+    </p:bg>
     <p:spTree>
       <p:nvGrpSpPr>
-        <p:cNvPr id="2" name="Shape 2"/>
+        <p:cNvPr id="1" name="Shape 2"/>
         <p:cNvGrpSpPr/>
         <p:nvPr/>
       </p:nvGrpSpPr>
@@ -301,9 +308,11 @@
       <p:sp>
         <p:nvSpPr>
           <p:cNvPr id="3" name="Google Shape;3;n"/>
-          <p:cNvSpPr/>
+          <p:cNvSpPr>
+            <a:spLocks noGrp="1" noRot="1" noChangeAspect="1"/>
+          </p:cNvSpPr>
           <p:nvPr>
-            <p:ph idx="2" type="sldImg"/>
+            <p:ph type="sldImg" idx="2"/>
           </p:nvPr>
         </p:nvSpPr>
         <p:spPr>
@@ -312,9 +321,13 @@
             <a:ext cx="6096075" cy="3429000"/>
           </a:xfrm>
           <a:custGeom>
-            <a:rect b="b" l="l" r="r" t="t"/>
+            <a:avLst/>
+            <a:gdLst/>
+            <a:ahLst/>
+            <a:cxnLst/>
+            <a:rect l="l" t="t" r="r" b="b"/>
             <a:pathLst>
-              <a:path extrusionOk="0" h="120000" w="120000">
+              <a:path w="120000" h="120000" extrusionOk="0">
                 <a:moveTo>
                   <a:pt x="0" y="0"/>
                 </a:moveTo>
@@ -332,23 +345,25 @@
             </a:pathLst>
           </a:custGeom>
           <a:noFill/>
-          <a:ln cap="flat" cmpd="sng" w="9525">
+          <a:ln w="9525" cap="flat" cmpd="sng">
             <a:solidFill>
               <a:srgbClr val="000000"/>
             </a:solidFill>
             <a:prstDash val="solid"/>
             <a:round/>
-            <a:headEnd len="sm" w="sm" type="none"/>
-            <a:tailEnd len="sm" w="sm" type="none"/>
+            <a:headEnd type="none" w="sm" len="sm"/>
+            <a:tailEnd type="none" w="sm" len="sm"/>
           </a:ln>
         </p:spPr>
       </p:sp>
       <p:sp>
         <p:nvSpPr>
           <p:cNvPr id="4" name="Google Shape;4;n"/>
-          <p:cNvSpPr txBox="1"/>
+          <p:cNvSpPr txBox="1">
+            <a:spLocks noGrp="1"/>
+          </p:cNvSpPr>
           <p:nvPr>
-            <p:ph idx="1" type="body"/>
+            <p:ph type="body" idx="1"/>
           </p:nvPr>
         </p:nvSpPr>
         <p:spPr>
@@ -365,11 +380,11 @@
           </a:ln>
         </p:spPr>
         <p:txBody>
-          <a:bodyPr anchorCtr="0" anchor="t" bIns="91425" lIns="91425" spcFirstLastPara="1" rIns="91425" wrap="square" tIns="91425">
+          <a:bodyPr spcFirstLastPara="1" wrap="square" lIns="91425" tIns="91425" rIns="91425" bIns="91425" anchor="t" anchorCtr="0">
             <a:noAutofit/>
           </a:bodyPr>
           <a:lstStyle>
-            <a:lvl1pPr indent="-298450" lvl="0" marL="457200">
+            <a:lvl1pPr marL="457200" lvl="0" indent="-298450">
               <a:spcBef>
                 <a:spcPts val="0"/>
               </a:spcBef>
@@ -380,7 +395,7 @@
               <a:buChar char="●"/>
               <a:defRPr sz="1100"/>
             </a:lvl1pPr>
-            <a:lvl2pPr indent="-298450" lvl="1" marL="914400">
+            <a:lvl2pPr marL="914400" lvl="1" indent="-298450">
               <a:spcBef>
                 <a:spcPts val="0"/>
               </a:spcBef>
@@ -391,7 +406,7 @@
               <a:buChar char="○"/>
               <a:defRPr sz="1100"/>
             </a:lvl2pPr>
-            <a:lvl3pPr indent="-298450" lvl="2" marL="1371600">
+            <a:lvl3pPr marL="1371600" lvl="2" indent="-298450">
               <a:spcBef>
                 <a:spcPts val="0"/>
               </a:spcBef>
@@ -402,7 +417,7 @@
               <a:buChar char="■"/>
               <a:defRPr sz="1100"/>
             </a:lvl3pPr>
-            <a:lvl4pPr indent="-298450" lvl="3" marL="1828800">
+            <a:lvl4pPr marL="1828800" lvl="3" indent="-298450">
               <a:spcBef>
                 <a:spcPts val="0"/>
               </a:spcBef>
@@ -413,7 +428,7 @@
               <a:buChar char="●"/>
               <a:defRPr sz="1100"/>
             </a:lvl4pPr>
-            <a:lvl5pPr indent="-298450" lvl="4" marL="2286000">
+            <a:lvl5pPr marL="2286000" lvl="4" indent="-298450">
               <a:spcBef>
                 <a:spcPts val="0"/>
               </a:spcBef>
@@ -424,7 +439,7 @@
               <a:buChar char="○"/>
               <a:defRPr sz="1100"/>
             </a:lvl5pPr>
-            <a:lvl6pPr indent="-298450" lvl="5" marL="2743200">
+            <a:lvl6pPr marL="2743200" lvl="5" indent="-298450">
               <a:spcBef>
                 <a:spcPts val="0"/>
               </a:spcBef>
@@ -435,7 +450,7 @@
               <a:buChar char="■"/>
               <a:defRPr sz="1100"/>
             </a:lvl6pPr>
-            <a:lvl7pPr indent="-298450" lvl="6" marL="3200400">
+            <a:lvl7pPr marL="3200400" lvl="6" indent="-298450">
               <a:spcBef>
                 <a:spcPts val="0"/>
               </a:spcBef>
@@ -446,7 +461,7 @@
               <a:buChar char="●"/>
               <a:defRPr sz="1100"/>
             </a:lvl7pPr>
-            <a:lvl8pPr indent="-298450" lvl="7" marL="3657600">
+            <a:lvl8pPr marL="3657600" lvl="7" indent="-298450">
               <a:spcBef>
                 <a:spcPts val="0"/>
               </a:spcBef>
@@ -457,7 +472,7 @@
               <a:buChar char="○"/>
               <a:defRPr sz="1100"/>
             </a:lvl8pPr>
-            <a:lvl9pPr indent="-298450" lvl="8" marL="4114800">
+            <a:lvl9pPr marL="4114800" lvl="8" indent="-298450">
               <a:spcBef>
                 <a:spcPts val="0"/>
               </a:spcBef>
@@ -469,14 +484,16 @@
               <a:defRPr sz="1100"/>
             </a:lvl9pPr>
           </a:lstStyle>
-          <a:p/>
+          <a:p>
+            <a:endParaRPr/>
+          </a:p>
         </p:txBody>
       </p:sp>
     </p:spTree>
   </p:cSld>
-  <p:clrMap accent1="accent1" accent2="accent2" accent3="accent3" accent4="accent4" accent5="accent5" accent6="accent6" bg1="lt1" bg2="dk2" tx1="dk1" tx2="lt2" folHlink="folHlink" hlink="hlink"/>
+  <p:clrMap bg1="lt1" tx1="dk1" bg2="dk2" tx2="lt2" accent1="accent1" accent2="accent2" accent3="accent3" accent4="accent4" accent5="accent5" accent6="accent6" hlink="hlink" folHlink="folHlink"/>
   <p:notesStyle>
-    <a:defPPr lvl="0" marR="0" rtl="0" algn="l">
+    <a:defPPr marR="0" lvl="0" algn="l" rtl="0">
       <a:lnSpc>
         <a:spcPct val="100000"/>
       </a:lnSpc>
@@ -487,7 +504,7 @@
         <a:spcPts val="0"/>
       </a:spcAft>
     </a:defPPr>
-    <a:lvl1pPr lvl="0" marR="0" rtl="0" algn="l">
+    <a:lvl1pPr marR="0" lvl="0" algn="l" rtl="0">
       <a:lnSpc>
         <a:spcPct val="100000"/>
       </a:lnSpc>
@@ -501,7 +518,7 @@
         <a:srgbClr val="000000"/>
       </a:buClr>
       <a:buFont typeface="Arial"/>
-      <a:defRPr b="0" i="0" sz="1400" u="none" cap="none" strike="noStrike">
+      <a:defRPr sz="1400" b="0" i="0" u="none" strike="noStrike" cap="none">
         <a:solidFill>
           <a:srgbClr val="000000"/>
         </a:solidFill>
@@ -511,7 +528,7 @@
         <a:sym typeface="Arial"/>
       </a:defRPr>
     </a:lvl1pPr>
-    <a:lvl2pPr lvl="1" marR="0" rtl="0" algn="l">
+    <a:lvl2pPr marR="0" lvl="1" algn="l" rtl="0">
       <a:lnSpc>
         <a:spcPct val="100000"/>
       </a:lnSpc>
@@ -525,7 +542,7 @@
         <a:srgbClr val="000000"/>
       </a:buClr>
       <a:buFont typeface="Arial"/>
-      <a:defRPr b="0" i="0" sz="1400" u="none" cap="none" strike="noStrike">
+      <a:defRPr sz="1400" b="0" i="0" u="none" strike="noStrike" cap="none">
         <a:solidFill>
           <a:srgbClr val="000000"/>
         </a:solidFill>
@@ -535,7 +552,7 @@
         <a:sym typeface="Arial"/>
       </a:defRPr>
     </a:lvl2pPr>
-    <a:lvl3pPr lvl="2" marR="0" rtl="0" algn="l">
+    <a:lvl3pPr marR="0" lvl="2" algn="l" rtl="0">
       <a:lnSpc>
         <a:spcPct val="100000"/>
       </a:lnSpc>
@@ -549,7 +566,7 @@
         <a:srgbClr val="000000"/>
       </a:buClr>
       <a:buFont typeface="Arial"/>
-      <a:defRPr b="0" i="0" sz="1400" u="none" cap="none" strike="noStrike">
+      <a:defRPr sz="1400" b="0" i="0" u="none" strike="noStrike" cap="none">
         <a:solidFill>
           <a:srgbClr val="000000"/>
         </a:solidFill>
@@ -559,7 +576,7 @@
         <a:sym typeface="Arial"/>
       </a:defRPr>
     </a:lvl3pPr>
-    <a:lvl4pPr lvl="3" marR="0" rtl="0" algn="l">
+    <a:lvl4pPr marR="0" lvl="3" algn="l" rtl="0">
       <a:lnSpc>
         <a:spcPct val="100000"/>
       </a:lnSpc>
@@ -573,7 +590,7 @@
         <a:srgbClr val="000000"/>
       </a:buClr>
       <a:buFont typeface="Arial"/>
-      <a:defRPr b="0" i="0" sz="1400" u="none" cap="none" strike="noStrike">
+      <a:defRPr sz="1400" b="0" i="0" u="none" strike="noStrike" cap="none">
         <a:solidFill>
           <a:srgbClr val="000000"/>
         </a:solidFill>
@@ -583,7 +600,7 @@
         <a:sym typeface="Arial"/>
       </a:defRPr>
     </a:lvl4pPr>
-    <a:lvl5pPr lvl="4" marR="0" rtl="0" algn="l">
+    <a:lvl5pPr marR="0" lvl="4" algn="l" rtl="0">
       <a:lnSpc>
         <a:spcPct val="100000"/>
       </a:lnSpc>
@@ -597,7 +614,7 @@
         <a:srgbClr val="000000"/>
       </a:buClr>
       <a:buFont typeface="Arial"/>
-      <a:defRPr b="0" i="0" sz="1400" u="none" cap="none" strike="noStrike">
+      <a:defRPr sz="1400" b="0" i="0" u="none" strike="noStrike" cap="none">
         <a:solidFill>
           <a:srgbClr val="000000"/>
         </a:solidFill>
@@ -607,7 +624,7 @@
         <a:sym typeface="Arial"/>
       </a:defRPr>
     </a:lvl5pPr>
-    <a:lvl6pPr lvl="5" marR="0" rtl="0" algn="l">
+    <a:lvl6pPr marR="0" lvl="5" algn="l" rtl="0">
       <a:lnSpc>
         <a:spcPct val="100000"/>
       </a:lnSpc>
@@ -621,7 +638,7 @@
         <a:srgbClr val="000000"/>
       </a:buClr>
       <a:buFont typeface="Arial"/>
-      <a:defRPr b="0" i="0" sz="1400" u="none" cap="none" strike="noStrike">
+      <a:defRPr sz="1400" b="0" i="0" u="none" strike="noStrike" cap="none">
         <a:solidFill>
           <a:srgbClr val="000000"/>
         </a:solidFill>
@@ -631,7 +648,7 @@
         <a:sym typeface="Arial"/>
       </a:defRPr>
     </a:lvl6pPr>
-    <a:lvl7pPr lvl="6" marR="0" rtl="0" algn="l">
+    <a:lvl7pPr marR="0" lvl="6" algn="l" rtl="0">
       <a:lnSpc>
         <a:spcPct val="100000"/>
       </a:lnSpc>
@@ -645,7 +662,7 @@
         <a:srgbClr val="000000"/>
       </a:buClr>
       <a:buFont typeface="Arial"/>
-      <a:defRPr b="0" i="0" sz="1400" u="none" cap="none" strike="noStrike">
+      <a:defRPr sz="1400" b="0" i="0" u="none" strike="noStrike" cap="none">
         <a:solidFill>
           <a:srgbClr val="000000"/>
         </a:solidFill>
@@ -655,7 +672,7 @@
         <a:sym typeface="Arial"/>
       </a:defRPr>
     </a:lvl7pPr>
-    <a:lvl8pPr lvl="7" marR="0" rtl="0" algn="l">
+    <a:lvl8pPr marR="0" lvl="7" algn="l" rtl="0">
       <a:lnSpc>
         <a:spcPct val="100000"/>
       </a:lnSpc>
@@ -669,7 +686,7 @@
         <a:srgbClr val="000000"/>
       </a:buClr>
       <a:buFont typeface="Arial"/>
-      <a:defRPr b="0" i="0" sz="1400" u="none" cap="none" strike="noStrike">
+      <a:defRPr sz="1400" b="0" i="0" u="none" strike="noStrike" cap="none">
         <a:solidFill>
           <a:srgbClr val="000000"/>
         </a:solidFill>
@@ -679,7 +696,7 @@
         <a:sym typeface="Arial"/>
       </a:defRPr>
     </a:lvl8pPr>
-    <a:lvl9pPr lvl="8" marR="0" rtl="0" algn="l">
+    <a:lvl9pPr marR="0" lvl="8" algn="l" rtl="0">
       <a:lnSpc>
         <a:spcPct val="100000"/>
       </a:lnSpc>
@@ -693,7 +710,7 @@
         <a:srgbClr val="000000"/>
       </a:buClr>
       <a:buFont typeface="Arial"/>
-      <a:defRPr b="0" i="0" sz="1400" u="none" cap="none" strike="noStrike">
+      <a:defRPr sz="1400" b="0" i="0" u="none" strike="noStrike" cap="none">
         <a:solidFill>
           <a:srgbClr val="000000"/>
         </a:solidFill>
@@ -708,11 +725,11 @@
 </file>
 
 <file path=ppt/notesSlides/notesSlide1.xml><?xml version="1.0" encoding="utf-8"?>
-<p:notes xmlns:a="http://schemas.openxmlformats.org/drawingml/2006/main" xmlns:r="http://schemas.openxmlformats.org/officeDocument/2006/relationships" xmlns:mc="http://schemas.openxmlformats.org/markup-compatibility/2006" xmlns:mv="urn:schemas-microsoft-com:mac:vml" xmlns:p="http://schemas.openxmlformats.org/presentationml/2006/main" xmlns:c="http://schemas.openxmlformats.org/drawingml/2006/chart" xmlns:dgm="http://schemas.openxmlformats.org/drawingml/2006/diagram" xmlns:o="urn:schemas-microsoft-com:office:office" xmlns:v="urn:schemas-microsoft-com:vml" xmlns:pvml="urn:schemas-microsoft-com:office:powerpoint" xmlns:com="http://schemas.openxmlformats.org/drawingml/2006/compatibility" xmlns:p14="http://schemas.microsoft.com/office/powerpoint/2010/main" xmlns:p15="http://schemas.microsoft.com/office/powerpoint/2012/main" showMasterPhAnim="0" showMasterSp="0">
+<p:notes xmlns:a="http://schemas.openxmlformats.org/drawingml/2006/main" xmlns:r="http://schemas.openxmlformats.org/officeDocument/2006/relationships" xmlns:p="http://schemas.openxmlformats.org/presentationml/2006/main" showMasterSp="0" showMasterPhAnim="0">
   <p:cSld>
     <p:spTree>
       <p:nvGrpSpPr>
-        <p:cNvPr id="54" name="Shape 54"/>
+        <p:cNvPr id="1" name="Shape 54"/>
         <p:cNvGrpSpPr/>
         <p:nvPr/>
       </p:nvGrpSpPr>
@@ -727,9 +744,11 @@
       <p:sp>
         <p:nvSpPr>
           <p:cNvPr id="55" name="Google Shape;55;p:notes"/>
-          <p:cNvSpPr/>
+          <p:cNvSpPr>
+            <a:spLocks noGrp="1" noRot="1" noChangeAspect="1"/>
+          </p:cNvSpPr>
           <p:nvPr>
-            <p:ph idx="2" type="sldImg"/>
+            <p:ph type="sldImg" idx="2"/>
           </p:nvPr>
         </p:nvSpPr>
         <p:spPr>
@@ -738,9 +757,13 @@
             <a:ext cx="6096075" cy="3429000"/>
           </a:xfrm>
           <a:custGeom>
-            <a:rect b="b" l="l" r="r" t="t"/>
+            <a:avLst/>
+            <a:gdLst/>
+            <a:ahLst/>
+            <a:cxnLst/>
+            <a:rect l="l" t="t" r="r" b="b"/>
             <a:pathLst>
-              <a:path extrusionOk="0" h="120000" w="120000">
+              <a:path w="120000" h="120000" extrusionOk="0">
                 <a:moveTo>
                   <a:pt x="0" y="0"/>
                 </a:moveTo>
@@ -762,9 +785,11 @@
       <p:sp>
         <p:nvSpPr>
           <p:cNvPr id="56" name="Google Shape;56;p:notes"/>
-          <p:cNvSpPr txBox="1"/>
+          <p:cNvSpPr txBox="1">
+            <a:spLocks noGrp="1"/>
+          </p:cNvSpPr>
           <p:nvPr>
-            <p:ph idx="1" type="body"/>
+            <p:ph type="body" idx="1"/>
           </p:nvPr>
         </p:nvSpPr>
         <p:spPr>
@@ -777,12 +802,12 @@
           </a:prstGeom>
         </p:spPr>
         <p:txBody>
-          <a:bodyPr anchorCtr="0" anchor="t" bIns="91425" lIns="91425" spcFirstLastPara="1" rIns="91425" wrap="square" tIns="91425">
+          <a:bodyPr spcFirstLastPara="1" wrap="square" lIns="91425" tIns="91425" rIns="91425" bIns="91425" anchor="t" anchorCtr="0">
             <a:noAutofit/>
           </a:bodyPr>
           <a:lstStyle/>
           <a:p>
-            <a:pPr indent="0" lvl="0" marL="0" rtl="0" algn="l">
+            <a:pPr marL="0" lvl="0" indent="0" algn="l" rtl="0">
               <a:spcBef>
                 <a:spcPts val="0"/>
               </a:spcBef>
@@ -791,9 +816,6 @@
               </a:spcAft>
               <a:buNone/>
             </a:pPr>
-            <a:r>
-              <a:t/>
-            </a:r>
             <a:endParaRPr/>
           </a:p>
         </p:txBody>
@@ -807,11 +829,11 @@
 </file>
 
 <file path=ppt/notesSlides/notesSlide2.xml><?xml version="1.0" encoding="utf-8"?>
-<p:notes xmlns:a="http://schemas.openxmlformats.org/drawingml/2006/main" xmlns:r="http://schemas.openxmlformats.org/officeDocument/2006/relationships" xmlns:mc="http://schemas.openxmlformats.org/markup-compatibility/2006" xmlns:mv="urn:schemas-microsoft-com:mac:vml" xmlns:p="http://schemas.openxmlformats.org/presentationml/2006/main" xmlns:c="http://schemas.openxmlformats.org/drawingml/2006/chart" xmlns:dgm="http://schemas.openxmlformats.org/drawingml/2006/diagram" xmlns:o="urn:schemas-microsoft-com:office:office" xmlns:v="urn:schemas-microsoft-com:vml" xmlns:pvml="urn:schemas-microsoft-com:office:powerpoint" xmlns:com="http://schemas.openxmlformats.org/drawingml/2006/compatibility" xmlns:p14="http://schemas.microsoft.com/office/powerpoint/2010/main" xmlns:p15="http://schemas.microsoft.com/office/powerpoint/2012/main" showMasterPhAnim="0" showMasterSp="0">
+<p:notes xmlns:a="http://schemas.openxmlformats.org/drawingml/2006/main" xmlns:r="http://schemas.openxmlformats.org/officeDocument/2006/relationships" xmlns:p="http://schemas.openxmlformats.org/presentationml/2006/main" showMasterSp="0" showMasterPhAnim="0">
   <p:cSld>
     <p:spTree>
       <p:nvGrpSpPr>
-        <p:cNvPr id="61" name="Shape 61"/>
+        <p:cNvPr id="1" name="Shape 61"/>
         <p:cNvGrpSpPr/>
         <p:nvPr/>
       </p:nvGrpSpPr>
@@ -826,9 +848,11 @@
       <p:sp>
         <p:nvSpPr>
           <p:cNvPr id="62" name="Google Shape;62;g65c38fbcd0_0_107:notes"/>
-          <p:cNvSpPr/>
+          <p:cNvSpPr>
+            <a:spLocks noGrp="1" noRot="1" noChangeAspect="1"/>
+          </p:cNvSpPr>
           <p:nvPr>
-            <p:ph idx="2" type="sldImg"/>
+            <p:ph type="sldImg" idx="2"/>
           </p:nvPr>
         </p:nvSpPr>
         <p:spPr>
@@ -837,9 +861,13 @@
             <a:ext cx="6096000" cy="3429000"/>
           </a:xfrm>
           <a:custGeom>
-            <a:rect b="b" l="l" r="r" t="t"/>
+            <a:avLst/>
+            <a:gdLst/>
+            <a:ahLst/>
+            <a:cxnLst/>
+            <a:rect l="l" t="t" r="r" b="b"/>
             <a:pathLst>
-              <a:path extrusionOk="0" h="120000" w="120000">
+              <a:path w="120000" h="120000" extrusionOk="0">
                 <a:moveTo>
                   <a:pt x="0" y="0"/>
                 </a:moveTo>
@@ -861,9 +889,11 @@
       <p:sp>
         <p:nvSpPr>
           <p:cNvPr id="63" name="Google Shape;63;g65c38fbcd0_0_107:notes"/>
-          <p:cNvSpPr txBox="1"/>
+          <p:cNvSpPr txBox="1">
+            <a:spLocks noGrp="1"/>
+          </p:cNvSpPr>
           <p:nvPr>
-            <p:ph idx="1" type="body"/>
+            <p:ph type="body" idx="1"/>
           </p:nvPr>
         </p:nvSpPr>
         <p:spPr>
@@ -876,12 +906,12 @@
           </a:prstGeom>
         </p:spPr>
         <p:txBody>
-          <a:bodyPr anchorCtr="0" anchor="t" bIns="91425" lIns="91425" spcFirstLastPara="1" rIns="91425" wrap="square" tIns="91425">
+          <a:bodyPr spcFirstLastPara="1" wrap="square" lIns="91425" tIns="91425" rIns="91425" bIns="91425" anchor="t" anchorCtr="0">
             <a:noAutofit/>
           </a:bodyPr>
           <a:lstStyle/>
           <a:p>
-            <a:pPr indent="0" lvl="0" marL="0" rtl="0" algn="l">
+            <a:pPr marL="0" lvl="0" indent="0" algn="l" rtl="0">
               <a:spcBef>
                 <a:spcPts val="0"/>
               </a:spcBef>
@@ -890,9 +920,6 @@
               </a:spcAft>
               <a:buNone/>
             </a:pPr>
-            <a:r>
-              <a:t/>
-            </a:r>
             <a:endParaRPr/>
           </a:p>
         </p:txBody>
@@ -906,11 +933,11 @@
 </file>
 
 <file path=ppt/notesSlides/notesSlide3.xml><?xml version="1.0" encoding="utf-8"?>
-<p:notes xmlns:a="http://schemas.openxmlformats.org/drawingml/2006/main" xmlns:r="http://schemas.openxmlformats.org/officeDocument/2006/relationships" xmlns:mc="http://schemas.openxmlformats.org/markup-compatibility/2006" xmlns:mv="urn:schemas-microsoft-com:mac:vml" xmlns:p="http://schemas.openxmlformats.org/presentationml/2006/main" xmlns:c="http://schemas.openxmlformats.org/drawingml/2006/chart" xmlns:dgm="http://schemas.openxmlformats.org/drawingml/2006/diagram" xmlns:o="urn:schemas-microsoft-com:office:office" xmlns:v="urn:schemas-microsoft-com:vml" xmlns:pvml="urn:schemas-microsoft-com:office:powerpoint" xmlns:com="http://schemas.openxmlformats.org/drawingml/2006/compatibility" xmlns:p14="http://schemas.microsoft.com/office/powerpoint/2010/main" xmlns:p15="http://schemas.microsoft.com/office/powerpoint/2012/main" showMasterPhAnim="0" showMasterSp="0">
+<p:notes xmlns:a="http://schemas.openxmlformats.org/drawingml/2006/main" xmlns:r="http://schemas.openxmlformats.org/officeDocument/2006/relationships" xmlns:p="http://schemas.openxmlformats.org/presentationml/2006/main" showMasterSp="0" showMasterPhAnim="0">
   <p:cSld>
     <p:spTree>
       <p:nvGrpSpPr>
-        <p:cNvPr id="67" name="Shape 67"/>
+        <p:cNvPr id="1" name="Shape 67"/>
         <p:cNvGrpSpPr/>
         <p:nvPr/>
       </p:nvGrpSpPr>
@@ -925,9 +952,11 @@
       <p:sp>
         <p:nvSpPr>
           <p:cNvPr id="68" name="Google Shape;68;g65c38fbcd0_0_113:notes"/>
-          <p:cNvSpPr/>
+          <p:cNvSpPr>
+            <a:spLocks noGrp="1" noRot="1" noChangeAspect="1"/>
+          </p:cNvSpPr>
           <p:nvPr>
-            <p:ph idx="2" type="sldImg"/>
+            <p:ph type="sldImg" idx="2"/>
           </p:nvPr>
         </p:nvSpPr>
         <p:spPr>
@@ -936,9 +965,13 @@
             <a:ext cx="6096000" cy="3429000"/>
           </a:xfrm>
           <a:custGeom>
-            <a:rect b="b" l="l" r="r" t="t"/>
+            <a:avLst/>
+            <a:gdLst/>
+            <a:ahLst/>
+            <a:cxnLst/>
+            <a:rect l="l" t="t" r="r" b="b"/>
             <a:pathLst>
-              <a:path extrusionOk="0" h="120000" w="120000">
+              <a:path w="120000" h="120000" extrusionOk="0">
                 <a:moveTo>
                   <a:pt x="0" y="0"/>
                 </a:moveTo>
@@ -960,9 +993,11 @@
       <p:sp>
         <p:nvSpPr>
           <p:cNvPr id="69" name="Google Shape;69;g65c38fbcd0_0_113:notes"/>
-          <p:cNvSpPr txBox="1"/>
+          <p:cNvSpPr txBox="1">
+            <a:spLocks noGrp="1"/>
+          </p:cNvSpPr>
           <p:nvPr>
-            <p:ph idx="1" type="body"/>
+            <p:ph type="body" idx="1"/>
           </p:nvPr>
         </p:nvSpPr>
         <p:spPr>
@@ -975,12 +1010,12 @@
           </a:prstGeom>
         </p:spPr>
         <p:txBody>
-          <a:bodyPr anchorCtr="0" anchor="t" bIns="91425" lIns="91425" spcFirstLastPara="1" rIns="91425" wrap="square" tIns="91425">
+          <a:bodyPr spcFirstLastPara="1" wrap="square" lIns="91425" tIns="91425" rIns="91425" bIns="91425" anchor="t" anchorCtr="0">
             <a:noAutofit/>
           </a:bodyPr>
           <a:lstStyle/>
           <a:p>
-            <a:pPr indent="0" lvl="0" marL="0" rtl="0" algn="l">
+            <a:pPr marL="0" lvl="0" indent="0" algn="l" rtl="0">
               <a:spcBef>
                 <a:spcPts val="0"/>
               </a:spcBef>
@@ -989,9 +1024,6 @@
               </a:spcAft>
               <a:buNone/>
             </a:pPr>
-            <a:r>
-              <a:t/>
-            </a:r>
             <a:endParaRPr/>
           </a:p>
         </p:txBody>
@@ -1005,11 +1037,11 @@
 </file>
 
 <file path=ppt/notesSlides/notesSlide4.xml><?xml version="1.0" encoding="utf-8"?>
-<p:notes xmlns:a="http://schemas.openxmlformats.org/drawingml/2006/main" xmlns:r="http://schemas.openxmlformats.org/officeDocument/2006/relationships" xmlns:mc="http://schemas.openxmlformats.org/markup-compatibility/2006" xmlns:mv="urn:schemas-microsoft-com:mac:vml" xmlns:p="http://schemas.openxmlformats.org/presentationml/2006/main" xmlns:c="http://schemas.openxmlformats.org/drawingml/2006/chart" xmlns:dgm="http://schemas.openxmlformats.org/drawingml/2006/diagram" xmlns:o="urn:schemas-microsoft-com:office:office" xmlns:v="urn:schemas-microsoft-com:vml" xmlns:pvml="urn:schemas-microsoft-com:office:powerpoint" xmlns:com="http://schemas.openxmlformats.org/drawingml/2006/compatibility" xmlns:p14="http://schemas.microsoft.com/office/powerpoint/2010/main" xmlns:p15="http://schemas.microsoft.com/office/powerpoint/2012/main" showMasterPhAnim="0" showMasterSp="0">
+<p:notes xmlns:a="http://schemas.openxmlformats.org/drawingml/2006/main" xmlns:r="http://schemas.openxmlformats.org/officeDocument/2006/relationships" xmlns:p="http://schemas.openxmlformats.org/presentationml/2006/main" showMasterSp="0" showMasterPhAnim="0">
   <p:cSld>
     <p:spTree>
       <p:nvGrpSpPr>
-        <p:cNvPr id="75" name="Shape 75"/>
+        <p:cNvPr id="1" name="Shape 75"/>
         <p:cNvGrpSpPr/>
         <p:nvPr/>
       </p:nvGrpSpPr>
@@ -1024,9 +1056,11 @@
       <p:sp>
         <p:nvSpPr>
           <p:cNvPr id="76" name="Google Shape;76;g65c38fbcd0_1_6:notes"/>
-          <p:cNvSpPr/>
+          <p:cNvSpPr>
+            <a:spLocks noGrp="1" noRot="1" noChangeAspect="1"/>
+          </p:cNvSpPr>
           <p:nvPr>
-            <p:ph idx="2" type="sldImg"/>
+            <p:ph type="sldImg" idx="2"/>
           </p:nvPr>
         </p:nvSpPr>
         <p:spPr>
@@ -1035,9 +1069,13 @@
             <a:ext cx="6096000" cy="3429000"/>
           </a:xfrm>
           <a:custGeom>
-            <a:rect b="b" l="l" r="r" t="t"/>
+            <a:avLst/>
+            <a:gdLst/>
+            <a:ahLst/>
+            <a:cxnLst/>
+            <a:rect l="l" t="t" r="r" b="b"/>
             <a:pathLst>
-              <a:path extrusionOk="0" h="120000" w="120000">
+              <a:path w="120000" h="120000" extrusionOk="0">
                 <a:moveTo>
                   <a:pt x="0" y="0"/>
                 </a:moveTo>
@@ -1059,9 +1097,11 @@
       <p:sp>
         <p:nvSpPr>
           <p:cNvPr id="77" name="Google Shape;77;g65c38fbcd0_1_6:notes"/>
-          <p:cNvSpPr txBox="1"/>
+          <p:cNvSpPr txBox="1">
+            <a:spLocks noGrp="1"/>
+          </p:cNvSpPr>
           <p:nvPr>
-            <p:ph idx="1" type="body"/>
+            <p:ph type="body" idx="1"/>
           </p:nvPr>
         </p:nvSpPr>
         <p:spPr>
@@ -1074,12 +1114,12 @@
           </a:prstGeom>
         </p:spPr>
         <p:txBody>
-          <a:bodyPr anchorCtr="0" anchor="t" bIns="91425" lIns="91425" spcFirstLastPara="1" rIns="91425" wrap="square" tIns="91425">
+          <a:bodyPr spcFirstLastPara="1" wrap="square" lIns="91425" tIns="91425" rIns="91425" bIns="91425" anchor="t" anchorCtr="0">
             <a:noAutofit/>
           </a:bodyPr>
           <a:lstStyle/>
           <a:p>
-            <a:pPr indent="0" lvl="0" marL="0" rtl="0" algn="l">
+            <a:pPr marL="0" lvl="0" indent="0" algn="l" rtl="0">
               <a:spcBef>
                 <a:spcPts val="0"/>
               </a:spcBef>
@@ -1088,9 +1128,6 @@
               </a:spcAft>
               <a:buNone/>
             </a:pPr>
-            <a:r>
-              <a:t/>
-            </a:r>
             <a:endParaRPr/>
           </a:p>
         </p:txBody>
@@ -1104,11 +1141,11 @@
 </file>
 
 <file path=ppt/notesSlides/notesSlide5.xml><?xml version="1.0" encoding="utf-8"?>
-<p:notes xmlns:a="http://schemas.openxmlformats.org/drawingml/2006/main" xmlns:r="http://schemas.openxmlformats.org/officeDocument/2006/relationships" xmlns:mc="http://schemas.openxmlformats.org/markup-compatibility/2006" xmlns:mv="urn:schemas-microsoft-com:mac:vml" xmlns:p="http://schemas.openxmlformats.org/presentationml/2006/main" xmlns:c="http://schemas.openxmlformats.org/drawingml/2006/chart" xmlns:dgm="http://schemas.openxmlformats.org/drawingml/2006/diagram" xmlns:o="urn:schemas-microsoft-com:office:office" xmlns:v="urn:schemas-microsoft-com:vml" xmlns:pvml="urn:schemas-microsoft-com:office:powerpoint" xmlns:com="http://schemas.openxmlformats.org/drawingml/2006/compatibility" xmlns:p14="http://schemas.microsoft.com/office/powerpoint/2010/main" xmlns:p15="http://schemas.microsoft.com/office/powerpoint/2012/main" showMasterPhAnim="0" showMasterSp="0">
+<p:notes xmlns:a="http://schemas.openxmlformats.org/drawingml/2006/main" xmlns:r="http://schemas.openxmlformats.org/officeDocument/2006/relationships" xmlns:p="http://schemas.openxmlformats.org/presentationml/2006/main" showMasterSp="0" showMasterPhAnim="0">
   <p:cSld>
     <p:spTree>
       <p:nvGrpSpPr>
-        <p:cNvPr id="81" name="Shape 81"/>
+        <p:cNvPr id="1" name="Shape 81"/>
         <p:cNvGrpSpPr/>
         <p:nvPr/>
       </p:nvGrpSpPr>
@@ -1123,9 +1160,11 @@
       <p:sp>
         <p:nvSpPr>
           <p:cNvPr id="82" name="Google Shape;82;g65c38fbcd0_1_14:notes"/>
-          <p:cNvSpPr/>
+          <p:cNvSpPr>
+            <a:spLocks noGrp="1" noRot="1" noChangeAspect="1"/>
+          </p:cNvSpPr>
           <p:nvPr>
-            <p:ph idx="2" type="sldImg"/>
+            <p:ph type="sldImg" idx="2"/>
           </p:nvPr>
         </p:nvSpPr>
         <p:spPr>
@@ -1134,9 +1173,13 @@
             <a:ext cx="6096000" cy="3429000"/>
           </a:xfrm>
           <a:custGeom>
-            <a:rect b="b" l="l" r="r" t="t"/>
+            <a:avLst/>
+            <a:gdLst/>
+            <a:ahLst/>
+            <a:cxnLst/>
+            <a:rect l="l" t="t" r="r" b="b"/>
             <a:pathLst>
-              <a:path extrusionOk="0" h="120000" w="120000">
+              <a:path w="120000" h="120000" extrusionOk="0">
                 <a:moveTo>
                   <a:pt x="0" y="0"/>
                 </a:moveTo>
@@ -1158,9 +1201,11 @@
       <p:sp>
         <p:nvSpPr>
           <p:cNvPr id="83" name="Google Shape;83;g65c38fbcd0_1_14:notes"/>
-          <p:cNvSpPr txBox="1"/>
+          <p:cNvSpPr txBox="1">
+            <a:spLocks noGrp="1"/>
+          </p:cNvSpPr>
           <p:nvPr>
-            <p:ph idx="1" type="body"/>
+            <p:ph type="body" idx="1"/>
           </p:nvPr>
         </p:nvSpPr>
         <p:spPr>
@@ -1173,12 +1218,12 @@
           </a:prstGeom>
         </p:spPr>
         <p:txBody>
-          <a:bodyPr anchorCtr="0" anchor="t" bIns="91425" lIns="91425" spcFirstLastPara="1" rIns="91425" wrap="square" tIns="91425">
+          <a:bodyPr spcFirstLastPara="1" wrap="square" lIns="91425" tIns="91425" rIns="91425" bIns="91425" anchor="t" anchorCtr="0">
             <a:noAutofit/>
           </a:bodyPr>
           <a:lstStyle/>
           <a:p>
-            <a:pPr indent="0" lvl="0" marL="0" rtl="0" algn="l">
+            <a:pPr marL="0" lvl="0" indent="0" algn="l" rtl="0">
               <a:spcBef>
                 <a:spcPts val="0"/>
               </a:spcBef>
@@ -1187,9 +1232,6 @@
               </a:spcAft>
               <a:buNone/>
             </a:pPr>
-            <a:r>
-              <a:t/>
-            </a:r>
             <a:endParaRPr/>
           </a:p>
         </p:txBody>
@@ -1203,11 +1245,11 @@
 </file>
 
 <file path=ppt/notesSlides/notesSlide6.xml><?xml version="1.0" encoding="utf-8"?>
-<p:notes xmlns:a="http://schemas.openxmlformats.org/drawingml/2006/main" xmlns:r="http://schemas.openxmlformats.org/officeDocument/2006/relationships" xmlns:mc="http://schemas.openxmlformats.org/markup-compatibility/2006" xmlns:mv="urn:schemas-microsoft-com:mac:vml" xmlns:p="http://schemas.openxmlformats.org/presentationml/2006/main" xmlns:c="http://schemas.openxmlformats.org/drawingml/2006/chart" xmlns:dgm="http://schemas.openxmlformats.org/drawingml/2006/diagram" xmlns:o="urn:schemas-microsoft-com:office:office" xmlns:v="urn:schemas-microsoft-com:vml" xmlns:pvml="urn:schemas-microsoft-com:office:powerpoint" xmlns:com="http://schemas.openxmlformats.org/drawingml/2006/compatibility" xmlns:p14="http://schemas.microsoft.com/office/powerpoint/2010/main" xmlns:p15="http://schemas.microsoft.com/office/powerpoint/2012/main" showMasterPhAnim="0" showMasterSp="0">
+<p:notes xmlns:a="http://schemas.openxmlformats.org/drawingml/2006/main" xmlns:r="http://schemas.openxmlformats.org/officeDocument/2006/relationships" xmlns:p="http://schemas.openxmlformats.org/presentationml/2006/main" showMasterSp="0" showMasterPhAnim="0">
   <p:cSld>
     <p:spTree>
       <p:nvGrpSpPr>
-        <p:cNvPr id="87" name="Shape 87"/>
+        <p:cNvPr id="1" name="Shape 87"/>
         <p:cNvGrpSpPr/>
         <p:nvPr/>
       </p:nvGrpSpPr>
@@ -1222,9 +1264,11 @@
       <p:sp>
         <p:nvSpPr>
           <p:cNvPr id="88" name="Google Shape;88;g65c38fbcd0_1_18:notes"/>
-          <p:cNvSpPr/>
+          <p:cNvSpPr>
+            <a:spLocks noGrp="1" noRot="1" noChangeAspect="1"/>
+          </p:cNvSpPr>
           <p:nvPr>
-            <p:ph idx="2" type="sldImg"/>
+            <p:ph type="sldImg" idx="2"/>
           </p:nvPr>
         </p:nvSpPr>
         <p:spPr>
@@ -1233,9 +1277,13 @@
             <a:ext cx="6096000" cy="3429000"/>
           </a:xfrm>
           <a:custGeom>
-            <a:rect b="b" l="l" r="r" t="t"/>
+            <a:avLst/>
+            <a:gdLst/>
+            <a:ahLst/>
+            <a:cxnLst/>
+            <a:rect l="l" t="t" r="r" b="b"/>
             <a:pathLst>
-              <a:path extrusionOk="0" h="120000" w="120000">
+              <a:path w="120000" h="120000" extrusionOk="0">
                 <a:moveTo>
                   <a:pt x="0" y="0"/>
                 </a:moveTo>
@@ -1257,9 +1305,11 @@
       <p:sp>
         <p:nvSpPr>
           <p:cNvPr id="89" name="Google Shape;89;g65c38fbcd0_1_18:notes"/>
-          <p:cNvSpPr txBox="1"/>
+          <p:cNvSpPr txBox="1">
+            <a:spLocks noGrp="1"/>
+          </p:cNvSpPr>
           <p:nvPr>
-            <p:ph idx="1" type="body"/>
+            <p:ph type="body" idx="1"/>
           </p:nvPr>
         </p:nvSpPr>
         <p:spPr>
@@ -1272,12 +1322,12 @@
           </a:prstGeom>
         </p:spPr>
         <p:txBody>
-          <a:bodyPr anchorCtr="0" anchor="t" bIns="91425" lIns="91425" spcFirstLastPara="1" rIns="91425" wrap="square" tIns="91425">
+          <a:bodyPr spcFirstLastPara="1" wrap="square" lIns="91425" tIns="91425" rIns="91425" bIns="91425" anchor="t" anchorCtr="0">
             <a:noAutofit/>
           </a:bodyPr>
           <a:lstStyle/>
           <a:p>
-            <a:pPr indent="0" lvl="0" marL="0" rtl="0" algn="l">
+            <a:pPr marL="0" lvl="0" indent="0" algn="l" rtl="0">
               <a:spcBef>
                 <a:spcPts val="0"/>
               </a:spcBef>
@@ -1286,9 +1336,214 @@
               </a:spcAft>
               <a:buNone/>
             </a:pPr>
-            <a:r>
-              <a:t/>
-            </a:r>
+            <a:endParaRPr/>
+          </a:p>
+        </p:txBody>
+      </p:sp>
+    </p:spTree>
+  </p:cSld>
+  <p:clrMapOvr>
+    <a:masterClrMapping/>
+  </p:clrMapOvr>
+</p:notes>
+</file>
+
+<file path=ppt/notesSlides/notesSlide7.xml><?xml version="1.0" encoding="utf-8"?>
+<p:notes xmlns:a="http://schemas.openxmlformats.org/drawingml/2006/main" xmlns:r="http://schemas.openxmlformats.org/officeDocument/2006/relationships" xmlns:p="http://schemas.openxmlformats.org/presentationml/2006/main" showMasterSp="0" showMasterPhAnim="0">
+  <p:cSld>
+    <p:spTree>
+      <p:nvGrpSpPr>
+        <p:cNvPr id="1" name="Shape 93"/>
+        <p:cNvGrpSpPr/>
+        <p:nvPr/>
+      </p:nvGrpSpPr>
+      <p:grpSpPr>
+        <a:xfrm>
+          <a:off x="0" y="0"/>
+          <a:ext cx="0" cy="0"/>
+          <a:chOff x="0" y="0"/>
+          <a:chExt cx="0" cy="0"/>
+        </a:xfrm>
+      </p:grpSpPr>
+      <p:sp>
+        <p:nvSpPr>
+          <p:cNvPr id="94" name="Google Shape;94;g70b0a6c68d_0_0:notes"/>
+          <p:cNvSpPr>
+            <a:spLocks noGrp="1" noRot="1" noChangeAspect="1"/>
+          </p:cNvSpPr>
+          <p:nvPr>
+            <p:ph type="sldImg" idx="2"/>
+          </p:nvPr>
+        </p:nvSpPr>
+        <p:spPr>
+          <a:xfrm>
+            <a:off x="381000" y="685800"/>
+            <a:ext cx="6096000" cy="3429000"/>
+          </a:xfrm>
+          <a:custGeom>
+            <a:avLst/>
+            <a:gdLst/>
+            <a:ahLst/>
+            <a:cxnLst/>
+            <a:rect l="l" t="t" r="r" b="b"/>
+            <a:pathLst>
+              <a:path w="120000" h="120000" extrusionOk="0">
+                <a:moveTo>
+                  <a:pt x="0" y="0"/>
+                </a:moveTo>
+                <a:lnTo>
+                  <a:pt x="120000" y="0"/>
+                </a:lnTo>
+                <a:lnTo>
+                  <a:pt x="120000" y="120000"/>
+                </a:lnTo>
+                <a:lnTo>
+                  <a:pt x="0" y="120000"/>
+                </a:lnTo>
+                <a:close/>
+              </a:path>
+            </a:pathLst>
+          </a:custGeom>
+        </p:spPr>
+      </p:sp>
+      <p:sp>
+        <p:nvSpPr>
+          <p:cNvPr id="95" name="Google Shape;95;g70b0a6c68d_0_0:notes"/>
+          <p:cNvSpPr txBox="1">
+            <a:spLocks noGrp="1"/>
+          </p:cNvSpPr>
+          <p:nvPr>
+            <p:ph type="body" idx="1"/>
+          </p:nvPr>
+        </p:nvSpPr>
+        <p:spPr>
+          <a:xfrm>
+            <a:off x="685800" y="4343400"/>
+            <a:ext cx="5486400" cy="4114800"/>
+          </a:xfrm>
+          <a:prstGeom prst="rect">
+            <a:avLst/>
+          </a:prstGeom>
+        </p:spPr>
+        <p:txBody>
+          <a:bodyPr spcFirstLastPara="1" wrap="square" lIns="91425" tIns="91425" rIns="91425" bIns="91425" anchor="t" anchorCtr="0">
+            <a:noAutofit/>
+          </a:bodyPr>
+          <a:lstStyle/>
+          <a:p>
+            <a:pPr marL="0" lvl="0" indent="0" algn="l" rtl="0">
+              <a:spcBef>
+                <a:spcPts val="0"/>
+              </a:spcBef>
+              <a:spcAft>
+                <a:spcPts val="0"/>
+              </a:spcAft>
+              <a:buNone/>
+            </a:pPr>
+            <a:endParaRPr/>
+          </a:p>
+        </p:txBody>
+      </p:sp>
+    </p:spTree>
+  </p:cSld>
+  <p:clrMapOvr>
+    <a:masterClrMapping/>
+  </p:clrMapOvr>
+</p:notes>
+</file>
+
+<file path=ppt/notesSlides/notesSlide8.xml><?xml version="1.0" encoding="utf-8"?>
+<p:notes xmlns:a="http://schemas.openxmlformats.org/drawingml/2006/main" xmlns:r="http://schemas.openxmlformats.org/officeDocument/2006/relationships" xmlns:p="http://schemas.openxmlformats.org/presentationml/2006/main" showMasterSp="0" showMasterPhAnim="0">
+  <p:cSld>
+    <p:spTree>
+      <p:nvGrpSpPr>
+        <p:cNvPr id="1" name="Shape 99"/>
+        <p:cNvGrpSpPr/>
+        <p:nvPr/>
+      </p:nvGrpSpPr>
+      <p:grpSpPr>
+        <a:xfrm>
+          <a:off x="0" y="0"/>
+          <a:ext cx="0" cy="0"/>
+          <a:chOff x="0" y="0"/>
+          <a:chExt cx="0" cy="0"/>
+        </a:xfrm>
+      </p:grpSpPr>
+      <p:sp>
+        <p:nvSpPr>
+          <p:cNvPr id="100" name="Google Shape;100;g70b0a6c68d_0_5:notes"/>
+          <p:cNvSpPr>
+            <a:spLocks noGrp="1" noRot="1" noChangeAspect="1"/>
+          </p:cNvSpPr>
+          <p:nvPr>
+            <p:ph type="sldImg" idx="2"/>
+          </p:nvPr>
+        </p:nvSpPr>
+        <p:spPr>
+          <a:xfrm>
+            <a:off x="381000" y="685800"/>
+            <a:ext cx="6096000" cy="3429000"/>
+          </a:xfrm>
+          <a:custGeom>
+            <a:avLst/>
+            <a:gdLst/>
+            <a:ahLst/>
+            <a:cxnLst/>
+            <a:rect l="l" t="t" r="r" b="b"/>
+            <a:pathLst>
+              <a:path w="120000" h="120000" extrusionOk="0">
+                <a:moveTo>
+                  <a:pt x="0" y="0"/>
+                </a:moveTo>
+                <a:lnTo>
+                  <a:pt x="120000" y="0"/>
+                </a:lnTo>
+                <a:lnTo>
+                  <a:pt x="120000" y="120000"/>
+                </a:lnTo>
+                <a:lnTo>
+                  <a:pt x="0" y="120000"/>
+                </a:lnTo>
+                <a:close/>
+              </a:path>
+            </a:pathLst>
+          </a:custGeom>
+        </p:spPr>
+      </p:sp>
+      <p:sp>
+        <p:nvSpPr>
+          <p:cNvPr id="101" name="Google Shape;101;g70b0a6c68d_0_5:notes"/>
+          <p:cNvSpPr txBox="1">
+            <a:spLocks noGrp="1"/>
+          </p:cNvSpPr>
+          <p:nvPr>
+            <p:ph type="body" idx="1"/>
+          </p:nvPr>
+        </p:nvSpPr>
+        <p:spPr>
+          <a:xfrm>
+            <a:off x="685800" y="4343400"/>
+            <a:ext cx="5486400" cy="4114800"/>
+          </a:xfrm>
+          <a:prstGeom prst="rect">
+            <a:avLst/>
+          </a:prstGeom>
+        </p:spPr>
+        <p:txBody>
+          <a:bodyPr spcFirstLastPara="1" wrap="square" lIns="91425" tIns="91425" rIns="91425" bIns="91425" anchor="t" anchorCtr="0">
+            <a:noAutofit/>
+          </a:bodyPr>
+          <a:lstStyle/>
+          <a:p>
+            <a:pPr marL="0" lvl="0" indent="0" algn="l" rtl="0">
+              <a:spcBef>
+                <a:spcPts val="0"/>
+              </a:spcBef>
+              <a:spcAft>
+                <a:spcPts val="0"/>
+              </a:spcAft>
+              <a:buNone/>
+            </a:pPr>
             <a:endParaRPr/>
           </a:p>
         </p:txBody>
@@ -1302,11 +1557,11 @@
 </file>
 
 <file path=ppt/slideLayouts/slideLayout1.xml><?xml version="1.0" encoding="utf-8"?>
-<p:sldLayout xmlns:a="http://schemas.openxmlformats.org/drawingml/2006/main" xmlns:r="http://schemas.openxmlformats.org/officeDocument/2006/relationships" xmlns:mc="http://schemas.openxmlformats.org/markup-compatibility/2006" xmlns:mv="urn:schemas-microsoft-com:mac:vml" xmlns:p="http://schemas.openxmlformats.org/presentationml/2006/main" xmlns:c="http://schemas.openxmlformats.org/drawingml/2006/chart" xmlns:dgm="http://schemas.openxmlformats.org/drawingml/2006/diagram" xmlns:o="urn:schemas-microsoft-com:office:office" xmlns:v="urn:schemas-microsoft-com:vml" xmlns:pvml="urn:schemas-microsoft-com:office:powerpoint" xmlns:com="http://schemas.openxmlformats.org/drawingml/2006/compatibility" xmlns:p14="http://schemas.microsoft.com/office/powerpoint/2010/main" xmlns:p15="http://schemas.microsoft.com/office/powerpoint/2012/main" matchingName="Title slide" type="title">
+<p:sldLayout xmlns:a="http://schemas.openxmlformats.org/drawingml/2006/main" xmlns:r="http://schemas.openxmlformats.org/officeDocument/2006/relationships" xmlns:p="http://schemas.openxmlformats.org/presentationml/2006/main" matchingName="Title slide" type="title">
   <p:cSld name="TITLE">
     <p:spTree>
       <p:nvGrpSpPr>
-        <p:cNvPr id="9" name="Shape 9"/>
+        <p:cNvPr id="1" name="Shape 9"/>
         <p:cNvGrpSpPr/>
         <p:nvPr/>
       </p:nvGrpSpPr>
@@ -1340,12 +1595,12 @@
           </a:ln>
         </p:spPr>
         <p:txBody>
-          <a:bodyPr anchorCtr="0" anchor="ctr" bIns="91425" lIns="91425" spcFirstLastPara="1" rIns="91425" wrap="square" tIns="91425">
+          <a:bodyPr spcFirstLastPara="1" wrap="square" lIns="91425" tIns="91425" rIns="91425" bIns="91425" anchor="ctr" anchorCtr="0">
             <a:noAutofit/>
           </a:bodyPr>
           <a:lstStyle/>
           <a:p>
-            <a:pPr indent="0" lvl="0" marL="0" rtl="0" algn="l">
+            <a:pPr marL="0" lvl="0" indent="0" algn="l" rtl="0">
               <a:spcBef>
                 <a:spcPts val="0"/>
               </a:spcBef>
@@ -1354,9 +1609,6 @@
               </a:spcAft>
               <a:buNone/>
             </a:pPr>
-            <a:r>
-              <a:t/>
-            </a:r>
             <a:endParaRPr/>
           </a:p>
         </p:txBody>
@@ -1364,7 +1616,9 @@
       <p:sp>
         <p:nvSpPr>
           <p:cNvPr id="11" name="Google Shape;11;p2"/>
-          <p:cNvSpPr txBox="1"/>
+          <p:cNvSpPr txBox="1">
+            <a:spLocks noGrp="1"/>
+          </p:cNvSpPr>
           <p:nvPr>
             <p:ph type="ctrTitle"/>
           </p:nvPr>
@@ -1379,7 +1633,7 @@
           </a:prstGeom>
         </p:spPr>
         <p:txBody>
-          <a:bodyPr anchorCtr="0" anchor="b" bIns="91425" lIns="91425" spcFirstLastPara="1" rIns="91425" wrap="square" tIns="91425">
+          <a:bodyPr spcFirstLastPara="1" wrap="square" lIns="91425" tIns="91425" rIns="91425" bIns="91425" anchor="b" anchorCtr="0">
             <a:noAutofit/>
           </a:bodyPr>
           <a:lstStyle>
@@ -1483,15 +1737,19 @@
               <a:defRPr sz="4200"/>
             </a:lvl9pPr>
           </a:lstStyle>
-          <a:p/>
+          <a:p>
+            <a:endParaRPr/>
+          </a:p>
         </p:txBody>
       </p:sp>
       <p:sp>
         <p:nvSpPr>
           <p:cNvPr id="12" name="Google Shape;12;p2"/>
-          <p:cNvSpPr txBox="1"/>
+          <p:cNvSpPr txBox="1">
+            <a:spLocks noGrp="1"/>
+          </p:cNvSpPr>
           <p:nvPr>
-            <p:ph idx="1" type="subTitle"/>
+            <p:ph type="subTitle" idx="1"/>
           </p:nvPr>
         </p:nvSpPr>
         <p:spPr>
@@ -1504,7 +1762,7 @@
           </a:prstGeom>
         </p:spPr>
         <p:txBody>
-          <a:bodyPr anchorCtr="0" anchor="t" bIns="91425" lIns="91425" spcFirstLastPara="1" rIns="91425" wrap="square" tIns="91425">
+          <a:bodyPr spcFirstLastPara="1" wrap="square" lIns="91425" tIns="91425" rIns="91425" bIns="91425" anchor="t" anchorCtr="0">
             <a:noAutofit/>
           </a:bodyPr>
           <a:lstStyle>
@@ -1635,15 +1893,19 @@
               <a:defRPr sz="2400"/>
             </a:lvl9pPr>
           </a:lstStyle>
-          <a:p/>
+          <a:p>
+            <a:endParaRPr/>
+          </a:p>
         </p:txBody>
       </p:sp>
       <p:sp>
         <p:nvSpPr>
           <p:cNvPr id="13" name="Google Shape;13;p2"/>
-          <p:cNvSpPr txBox="1"/>
+          <p:cNvSpPr txBox="1">
+            <a:spLocks noGrp="1"/>
+          </p:cNvSpPr>
           <p:nvPr>
-            <p:ph idx="12" type="sldNum"/>
+            <p:ph type="sldNum" idx="12"/>
           </p:nvPr>
         </p:nvSpPr>
         <p:spPr>
@@ -1656,7 +1918,7 @@
           </a:prstGeom>
         </p:spPr>
         <p:txBody>
-          <a:bodyPr anchorCtr="0" anchor="ctr" bIns="91425" lIns="91425" spcFirstLastPara="1" rIns="91425" wrap="square" tIns="91425">
+          <a:bodyPr spcFirstLastPara="1" wrap="square" lIns="91425" tIns="91425" rIns="91425" bIns="91425" anchor="ctr" anchorCtr="0">
             <a:noAutofit/>
           </a:bodyPr>
           <a:lstStyle>
@@ -1734,7 +1996,7 @@
             </a:lvl9pPr>
           </a:lstStyle>
           <a:p>
-            <a:pPr indent="0" lvl="0" marL="0" rtl="0" algn="r">
+            <a:pPr marL="0" lvl="0" indent="0" algn="r" rtl="0">
               <a:spcBef>
                 <a:spcPts val="0"/>
               </a:spcBef>
@@ -1745,7 +2007,7 @@
             </a:pPr>
             <a:fld id="{00000000-1234-1234-1234-123412341234}" type="slidenum">
               <a:rPr lang="es"/>
-              <a:t>‹#›</a:t>
+              <a:t>‹Nº›</a:t>
             </a:fld>
             <a:endParaRPr/>
           </a:p>
@@ -1760,11 +2022,11 @@
 </file>
 
 <file path=ppt/slideLayouts/slideLayout10.xml><?xml version="1.0" encoding="utf-8"?>
-<p:sldLayout xmlns:a="http://schemas.openxmlformats.org/drawingml/2006/main" xmlns:r="http://schemas.openxmlformats.org/officeDocument/2006/relationships" xmlns:mc="http://schemas.openxmlformats.org/markup-compatibility/2006" xmlns:mv="urn:schemas-microsoft-com:mac:vml" xmlns:p="http://schemas.openxmlformats.org/presentationml/2006/main" xmlns:c="http://schemas.openxmlformats.org/drawingml/2006/chart" xmlns:dgm="http://schemas.openxmlformats.org/drawingml/2006/diagram" xmlns:o="urn:schemas-microsoft-com:office:office" xmlns:v="urn:schemas-microsoft-com:vml" xmlns:pvml="urn:schemas-microsoft-com:office:powerpoint" xmlns:com="http://schemas.openxmlformats.org/drawingml/2006/compatibility" xmlns:p14="http://schemas.microsoft.com/office/powerpoint/2010/main" xmlns:p15="http://schemas.microsoft.com/office/powerpoint/2012/main" matchingName="Big number">
+<p:sldLayout xmlns:a="http://schemas.openxmlformats.org/drawingml/2006/main" xmlns:r="http://schemas.openxmlformats.org/officeDocument/2006/relationships" xmlns:p="http://schemas.openxmlformats.org/presentationml/2006/main" matchingName="Big number">
   <p:cSld name="BIG_NUMBER">
     <p:spTree>
       <p:nvGrpSpPr>
-        <p:cNvPr id="47" name="Shape 47"/>
+        <p:cNvPr id="1" name="Shape 47"/>
         <p:cNvGrpSpPr/>
         <p:nvPr/>
       </p:nvGrpSpPr>
@@ -1798,12 +2060,12 @@
           </a:ln>
         </p:spPr>
         <p:txBody>
-          <a:bodyPr anchorCtr="0" anchor="ctr" bIns="91425" lIns="91425" spcFirstLastPara="1" rIns="91425" wrap="square" tIns="91425">
+          <a:bodyPr spcFirstLastPara="1" wrap="square" lIns="91425" tIns="91425" rIns="91425" bIns="91425" anchor="ctr" anchorCtr="0">
             <a:noAutofit/>
           </a:bodyPr>
           <a:lstStyle/>
           <a:p>
-            <a:pPr indent="0" lvl="0" marL="0" rtl="0" algn="l">
+            <a:pPr marL="0" lvl="0" indent="0" algn="l" rtl="0">
               <a:spcBef>
                 <a:spcPts val="0"/>
               </a:spcBef>
@@ -1812,9 +2074,6 @@
               </a:spcAft>
               <a:buNone/>
             </a:pPr>
-            <a:r>
-              <a:t/>
-            </a:r>
             <a:endParaRPr/>
           </a:p>
         </p:txBody>
@@ -1822,9 +2081,11 @@
       <p:sp>
         <p:nvSpPr>
           <p:cNvPr id="49" name="Google Shape;49;p11"/>
-          <p:cNvSpPr txBox="1"/>
+          <p:cNvSpPr txBox="1">
+            <a:spLocks noGrp="1"/>
+          </p:cNvSpPr>
           <p:nvPr>
-            <p:ph hasCustomPrompt="1" type="title"/>
+            <p:ph type="title" hasCustomPrompt="1"/>
           </p:nvPr>
         </p:nvSpPr>
         <p:spPr>
@@ -1837,7 +2098,7 @@
           </a:prstGeom>
         </p:spPr>
         <p:txBody>
-          <a:bodyPr anchorCtr="0" anchor="b" bIns="91425" lIns="91425" spcFirstLastPara="1" rIns="91425" wrap="square" tIns="91425">
+          <a:bodyPr spcFirstLastPara="1" wrap="square" lIns="91425" tIns="91425" rIns="91425" bIns="91425" anchor="b" anchorCtr="0">
             <a:noAutofit/>
           </a:bodyPr>
           <a:lstStyle>
@@ -2005,9 +2266,11 @@
       <p:sp>
         <p:nvSpPr>
           <p:cNvPr id="50" name="Google Shape;50;p11"/>
-          <p:cNvSpPr txBox="1"/>
+          <p:cNvSpPr txBox="1">
+            <a:spLocks noGrp="1"/>
+          </p:cNvSpPr>
           <p:nvPr>
-            <p:ph idx="1" type="body"/>
+            <p:ph type="body" idx="1"/>
           </p:nvPr>
         </p:nvSpPr>
         <p:spPr>
@@ -2020,11 +2283,11 @@
           </a:prstGeom>
         </p:spPr>
         <p:txBody>
-          <a:bodyPr anchorCtr="0" anchor="t" bIns="91425" lIns="91425" spcFirstLastPara="1" rIns="91425" wrap="square" tIns="91425">
+          <a:bodyPr spcFirstLastPara="1" wrap="square" lIns="91425" tIns="91425" rIns="91425" bIns="91425" anchor="t" anchorCtr="0">
             <a:noAutofit/>
           </a:bodyPr>
           <a:lstStyle>
-            <a:lvl1pPr indent="-342900" lvl="0" marL="457200" algn="ctr">
+            <a:lvl1pPr marL="457200" lvl="0" indent="-342900" algn="ctr">
               <a:spcBef>
                 <a:spcPts val="0"/>
               </a:spcBef>
@@ -2042,7 +2305,7 @@
                 </a:solidFill>
               </a:defRPr>
             </a:lvl1pPr>
-            <a:lvl2pPr indent="-317500" lvl="1" marL="914400" algn="ctr">
+            <a:lvl2pPr marL="914400" lvl="1" indent="-317500" algn="ctr">
               <a:spcBef>
                 <a:spcPts val="1600"/>
               </a:spcBef>
@@ -2060,7 +2323,7 @@
                 </a:solidFill>
               </a:defRPr>
             </a:lvl2pPr>
-            <a:lvl3pPr indent="-317500" lvl="2" marL="1371600" algn="ctr">
+            <a:lvl3pPr marL="1371600" lvl="2" indent="-317500" algn="ctr">
               <a:spcBef>
                 <a:spcPts val="1600"/>
               </a:spcBef>
@@ -2078,7 +2341,7 @@
                 </a:solidFill>
               </a:defRPr>
             </a:lvl3pPr>
-            <a:lvl4pPr indent="-317500" lvl="3" marL="1828800" algn="ctr">
+            <a:lvl4pPr marL="1828800" lvl="3" indent="-317500" algn="ctr">
               <a:spcBef>
                 <a:spcPts val="1600"/>
               </a:spcBef>
@@ -2096,7 +2359,7 @@
                 </a:solidFill>
               </a:defRPr>
             </a:lvl4pPr>
-            <a:lvl5pPr indent="-317500" lvl="4" marL="2286000" algn="ctr">
+            <a:lvl5pPr marL="2286000" lvl="4" indent="-317500" algn="ctr">
               <a:spcBef>
                 <a:spcPts val="1600"/>
               </a:spcBef>
@@ -2114,7 +2377,7 @@
                 </a:solidFill>
               </a:defRPr>
             </a:lvl5pPr>
-            <a:lvl6pPr indent="-317500" lvl="5" marL="2743200" algn="ctr">
+            <a:lvl6pPr marL="2743200" lvl="5" indent="-317500" algn="ctr">
               <a:spcBef>
                 <a:spcPts val="1600"/>
               </a:spcBef>
@@ -2132,7 +2395,7 @@
                 </a:solidFill>
               </a:defRPr>
             </a:lvl6pPr>
-            <a:lvl7pPr indent="-317500" lvl="6" marL="3200400" algn="ctr">
+            <a:lvl7pPr marL="3200400" lvl="6" indent="-317500" algn="ctr">
               <a:spcBef>
                 <a:spcPts val="1600"/>
               </a:spcBef>
@@ -2150,7 +2413,7 @@
                 </a:solidFill>
               </a:defRPr>
             </a:lvl7pPr>
-            <a:lvl8pPr indent="-317500" lvl="7" marL="3657600" algn="ctr">
+            <a:lvl8pPr marL="3657600" lvl="7" indent="-317500" algn="ctr">
               <a:spcBef>
                 <a:spcPts val="1600"/>
               </a:spcBef>
@@ -2168,7 +2431,7 @@
                 </a:solidFill>
               </a:defRPr>
             </a:lvl8pPr>
-            <a:lvl9pPr indent="-317500" lvl="8" marL="4114800" algn="ctr">
+            <a:lvl9pPr marL="4114800" lvl="8" indent="-317500" algn="ctr">
               <a:spcBef>
                 <a:spcPts val="1600"/>
               </a:spcBef>
@@ -2187,15 +2450,19 @@
               </a:defRPr>
             </a:lvl9pPr>
           </a:lstStyle>
-          <a:p/>
+          <a:p>
+            <a:endParaRPr/>
+          </a:p>
         </p:txBody>
       </p:sp>
       <p:sp>
         <p:nvSpPr>
           <p:cNvPr id="51" name="Google Shape;51;p11"/>
-          <p:cNvSpPr txBox="1"/>
+          <p:cNvSpPr txBox="1">
+            <a:spLocks noGrp="1"/>
+          </p:cNvSpPr>
           <p:nvPr>
-            <p:ph idx="12" type="sldNum"/>
+            <p:ph type="sldNum" idx="12"/>
           </p:nvPr>
         </p:nvSpPr>
         <p:spPr>
@@ -2208,7 +2475,7 @@
           </a:prstGeom>
         </p:spPr>
         <p:txBody>
-          <a:bodyPr anchorCtr="0" anchor="ctr" bIns="91425" lIns="91425" spcFirstLastPara="1" rIns="91425" wrap="square" tIns="91425">
+          <a:bodyPr spcFirstLastPara="1" wrap="square" lIns="91425" tIns="91425" rIns="91425" bIns="91425" anchor="ctr" anchorCtr="0">
             <a:noAutofit/>
           </a:bodyPr>
           <a:lstStyle>
@@ -2286,7 +2553,7 @@
             </a:lvl9pPr>
           </a:lstStyle>
           <a:p>
-            <a:pPr indent="0" lvl="0" marL="0" rtl="0" algn="r">
+            <a:pPr marL="0" lvl="0" indent="0" algn="r" rtl="0">
               <a:spcBef>
                 <a:spcPts val="0"/>
               </a:spcBef>
@@ -2297,7 +2564,7 @@
             </a:pPr>
             <a:fld id="{00000000-1234-1234-1234-123412341234}" type="slidenum">
               <a:rPr lang="es"/>
-              <a:t>‹#›</a:t>
+              <a:t>‹Nº›</a:t>
             </a:fld>
             <a:endParaRPr/>
           </a:p>
@@ -2312,11 +2579,11 @@
 </file>
 
 <file path=ppt/slideLayouts/slideLayout11.xml><?xml version="1.0" encoding="utf-8"?>
-<p:sldLayout xmlns:a="http://schemas.openxmlformats.org/drawingml/2006/main" xmlns:r="http://schemas.openxmlformats.org/officeDocument/2006/relationships" xmlns:mc="http://schemas.openxmlformats.org/markup-compatibility/2006" xmlns:mv="urn:schemas-microsoft-com:mac:vml" xmlns:p="http://schemas.openxmlformats.org/presentationml/2006/main" xmlns:c="http://schemas.openxmlformats.org/drawingml/2006/chart" xmlns:dgm="http://schemas.openxmlformats.org/drawingml/2006/diagram" xmlns:o="urn:schemas-microsoft-com:office:office" xmlns:v="urn:schemas-microsoft-com:vml" xmlns:pvml="urn:schemas-microsoft-com:office:powerpoint" xmlns:com="http://schemas.openxmlformats.org/drawingml/2006/compatibility" xmlns:p14="http://schemas.microsoft.com/office/powerpoint/2010/main" xmlns:p15="http://schemas.microsoft.com/office/powerpoint/2012/main" matchingName="Blank" type="blank">
+<p:sldLayout xmlns:a="http://schemas.openxmlformats.org/drawingml/2006/main" xmlns:r="http://schemas.openxmlformats.org/officeDocument/2006/relationships" xmlns:p="http://schemas.openxmlformats.org/presentationml/2006/main" matchingName="Blank" type="blank">
   <p:cSld name="BLANK">
     <p:spTree>
       <p:nvGrpSpPr>
-        <p:cNvPr id="52" name="Shape 52"/>
+        <p:cNvPr id="1" name="Shape 52"/>
         <p:cNvGrpSpPr/>
         <p:nvPr/>
       </p:nvGrpSpPr>
@@ -2331,9 +2598,11 @@
       <p:sp>
         <p:nvSpPr>
           <p:cNvPr id="53" name="Google Shape;53;p12"/>
-          <p:cNvSpPr txBox="1"/>
+          <p:cNvSpPr txBox="1">
+            <a:spLocks noGrp="1"/>
+          </p:cNvSpPr>
           <p:nvPr>
-            <p:ph idx="12" type="sldNum"/>
+            <p:ph type="sldNum" idx="12"/>
           </p:nvPr>
         </p:nvSpPr>
         <p:spPr>
@@ -2346,7 +2615,7 @@
           </a:prstGeom>
         </p:spPr>
         <p:txBody>
-          <a:bodyPr anchorCtr="0" anchor="ctr" bIns="91425" lIns="91425" spcFirstLastPara="1" rIns="91425" wrap="square" tIns="91425">
+          <a:bodyPr spcFirstLastPara="1" wrap="square" lIns="91425" tIns="91425" rIns="91425" bIns="91425" anchor="ctr" anchorCtr="0">
             <a:noAutofit/>
           </a:bodyPr>
           <a:lstStyle>
@@ -2388,7 +2657,7 @@
             </a:lvl9pPr>
           </a:lstStyle>
           <a:p>
-            <a:pPr indent="0" lvl="0" marL="0" rtl="0" algn="r">
+            <a:pPr marL="0" lvl="0" indent="0" algn="r" rtl="0">
               <a:spcBef>
                 <a:spcPts val="0"/>
               </a:spcBef>
@@ -2399,7 +2668,7 @@
             </a:pPr>
             <a:fld id="{00000000-1234-1234-1234-123412341234}" type="slidenum">
               <a:rPr lang="es"/>
-              <a:t>‹#›</a:t>
+              <a:t>‹Nº›</a:t>
             </a:fld>
             <a:endParaRPr/>
           </a:p>
@@ -2414,11 +2683,11 @@
 </file>
 
 <file path=ppt/slideLayouts/slideLayout2.xml><?xml version="1.0" encoding="utf-8"?>
-<p:sldLayout xmlns:a="http://schemas.openxmlformats.org/drawingml/2006/main" xmlns:r="http://schemas.openxmlformats.org/officeDocument/2006/relationships" xmlns:mc="http://schemas.openxmlformats.org/markup-compatibility/2006" xmlns:mv="urn:schemas-microsoft-com:mac:vml" xmlns:p="http://schemas.openxmlformats.org/presentationml/2006/main" xmlns:c="http://schemas.openxmlformats.org/drawingml/2006/chart" xmlns:dgm="http://schemas.openxmlformats.org/drawingml/2006/diagram" xmlns:o="urn:schemas-microsoft-com:office:office" xmlns:v="urn:schemas-microsoft-com:vml" xmlns:pvml="urn:schemas-microsoft-com:office:powerpoint" xmlns:com="http://schemas.openxmlformats.org/drawingml/2006/compatibility" xmlns:p14="http://schemas.microsoft.com/office/powerpoint/2010/main" xmlns:p15="http://schemas.microsoft.com/office/powerpoint/2012/main" matchingName="Section header" type="secHead">
+<p:sldLayout xmlns:a="http://schemas.openxmlformats.org/drawingml/2006/main" xmlns:r="http://schemas.openxmlformats.org/officeDocument/2006/relationships" xmlns:p="http://schemas.openxmlformats.org/presentationml/2006/main" matchingName="Section header" type="secHead">
   <p:cSld name="SECTION_HEADER">
     <p:spTree>
       <p:nvGrpSpPr>
-        <p:cNvPr id="14" name="Shape 14"/>
+        <p:cNvPr id="1" name="Shape 14"/>
         <p:cNvGrpSpPr/>
         <p:nvPr/>
       </p:nvGrpSpPr>
@@ -2452,12 +2721,12 @@
           </a:ln>
         </p:spPr>
         <p:txBody>
-          <a:bodyPr anchorCtr="0" anchor="ctr" bIns="91425" lIns="91425" spcFirstLastPara="1" rIns="91425" wrap="square" tIns="91425">
+          <a:bodyPr spcFirstLastPara="1" wrap="square" lIns="91425" tIns="91425" rIns="91425" bIns="91425" anchor="ctr" anchorCtr="0">
             <a:noAutofit/>
           </a:bodyPr>
           <a:lstStyle/>
           <a:p>
-            <a:pPr indent="0" lvl="0" marL="0" rtl="0" algn="l">
+            <a:pPr marL="0" lvl="0" indent="0" algn="l" rtl="0">
               <a:spcBef>
                 <a:spcPts val="0"/>
               </a:spcBef>
@@ -2466,9 +2735,6 @@
               </a:spcAft>
               <a:buNone/>
             </a:pPr>
-            <a:r>
-              <a:t/>
-            </a:r>
             <a:endParaRPr/>
           </a:p>
         </p:txBody>
@@ -2476,7 +2742,9 @@
       <p:sp>
         <p:nvSpPr>
           <p:cNvPr id="16" name="Google Shape;16;p3"/>
-          <p:cNvSpPr txBox="1"/>
+          <p:cNvSpPr txBox="1">
+            <a:spLocks noGrp="1"/>
+          </p:cNvSpPr>
           <p:nvPr>
             <p:ph type="title"/>
           </p:nvPr>
@@ -2491,7 +2759,7 @@
           </a:prstGeom>
         </p:spPr>
         <p:txBody>
-          <a:bodyPr anchorCtr="0" anchor="b" bIns="91425" lIns="91425" spcFirstLastPara="1" rIns="91425" wrap="square" tIns="91425">
+          <a:bodyPr spcFirstLastPara="1" wrap="square" lIns="91425" tIns="91425" rIns="91425" bIns="91425" anchor="b" anchorCtr="0">
             <a:noAutofit/>
           </a:bodyPr>
           <a:lstStyle>
@@ -2595,15 +2863,19 @@
               <a:defRPr sz="3600"/>
             </a:lvl9pPr>
           </a:lstStyle>
-          <a:p/>
+          <a:p>
+            <a:endParaRPr/>
+          </a:p>
         </p:txBody>
       </p:sp>
       <p:sp>
         <p:nvSpPr>
           <p:cNvPr id="17" name="Google Shape;17;p3"/>
-          <p:cNvSpPr txBox="1"/>
+          <p:cNvSpPr txBox="1">
+            <a:spLocks noGrp="1"/>
+          </p:cNvSpPr>
           <p:nvPr>
-            <p:ph idx="12" type="sldNum"/>
+            <p:ph type="sldNum" idx="12"/>
           </p:nvPr>
         </p:nvSpPr>
         <p:spPr>
@@ -2616,7 +2888,7 @@
           </a:prstGeom>
         </p:spPr>
         <p:txBody>
-          <a:bodyPr anchorCtr="0" anchor="ctr" bIns="91425" lIns="91425" spcFirstLastPara="1" rIns="91425" wrap="square" tIns="91425">
+          <a:bodyPr spcFirstLastPara="1" wrap="square" lIns="91425" tIns="91425" rIns="91425" bIns="91425" anchor="ctr" anchorCtr="0">
             <a:noAutofit/>
           </a:bodyPr>
           <a:lstStyle>
@@ -2694,7 +2966,7 @@
             </a:lvl9pPr>
           </a:lstStyle>
           <a:p>
-            <a:pPr indent="0" lvl="0" marL="0" rtl="0" algn="r">
+            <a:pPr marL="0" lvl="0" indent="0" algn="r" rtl="0">
               <a:spcBef>
                 <a:spcPts val="0"/>
               </a:spcBef>
@@ -2705,7 +2977,7 @@
             </a:pPr>
             <a:fld id="{00000000-1234-1234-1234-123412341234}" type="slidenum">
               <a:rPr lang="es"/>
-              <a:t>‹#›</a:t>
+              <a:t>‹Nº›</a:t>
             </a:fld>
             <a:endParaRPr/>
           </a:p>
@@ -2720,11 +2992,11 @@
 </file>
 
 <file path=ppt/slideLayouts/slideLayout3.xml><?xml version="1.0" encoding="utf-8"?>
-<p:sldLayout xmlns:a="http://schemas.openxmlformats.org/drawingml/2006/main" xmlns:r="http://schemas.openxmlformats.org/officeDocument/2006/relationships" xmlns:mc="http://schemas.openxmlformats.org/markup-compatibility/2006" xmlns:mv="urn:schemas-microsoft-com:mac:vml" xmlns:p="http://schemas.openxmlformats.org/presentationml/2006/main" xmlns:c="http://schemas.openxmlformats.org/drawingml/2006/chart" xmlns:dgm="http://schemas.openxmlformats.org/drawingml/2006/diagram" xmlns:o="urn:schemas-microsoft-com:office:office" xmlns:v="urn:schemas-microsoft-com:vml" xmlns:pvml="urn:schemas-microsoft-com:office:powerpoint" xmlns:com="http://schemas.openxmlformats.org/drawingml/2006/compatibility" xmlns:p14="http://schemas.microsoft.com/office/powerpoint/2010/main" xmlns:p15="http://schemas.microsoft.com/office/powerpoint/2012/main" matchingName="Title and body" type="tx">
+<p:sldLayout xmlns:a="http://schemas.openxmlformats.org/drawingml/2006/main" xmlns:r="http://schemas.openxmlformats.org/officeDocument/2006/relationships" xmlns:p="http://schemas.openxmlformats.org/presentationml/2006/main" matchingName="Title and body" type="tx">
   <p:cSld name="TITLE_AND_BODY">
     <p:spTree>
       <p:nvGrpSpPr>
-        <p:cNvPr id="18" name="Shape 18"/>
+        <p:cNvPr id="1" name="Shape 18"/>
         <p:cNvGrpSpPr/>
         <p:nvPr/>
       </p:nvGrpSpPr>
@@ -2739,7 +3011,9 @@
       <p:sp>
         <p:nvSpPr>
           <p:cNvPr id="19" name="Google Shape;19;p4"/>
-          <p:cNvSpPr txBox="1"/>
+          <p:cNvSpPr txBox="1">
+            <a:spLocks noGrp="1"/>
+          </p:cNvSpPr>
           <p:nvPr>
             <p:ph type="title"/>
           </p:nvPr>
@@ -2754,7 +3028,7 @@
           </a:prstGeom>
         </p:spPr>
         <p:txBody>
-          <a:bodyPr anchorCtr="0" anchor="t" bIns="91425" lIns="91425" spcFirstLastPara="1" rIns="91425" wrap="square" tIns="91425">
+          <a:bodyPr spcFirstLastPara="1" wrap="square" lIns="91425" tIns="91425" rIns="91425" bIns="91425" anchor="t" anchorCtr="0">
             <a:noAutofit/>
           </a:bodyPr>
           <a:lstStyle>
@@ -2858,15 +3132,19 @@
               <a:defRPr/>
             </a:lvl9pPr>
           </a:lstStyle>
-          <a:p/>
+          <a:p>
+            <a:endParaRPr/>
+          </a:p>
         </p:txBody>
       </p:sp>
       <p:sp>
         <p:nvSpPr>
           <p:cNvPr id="20" name="Google Shape;20;p4"/>
-          <p:cNvSpPr txBox="1"/>
+          <p:cNvSpPr txBox="1">
+            <a:spLocks noGrp="1"/>
+          </p:cNvSpPr>
           <p:nvPr>
-            <p:ph idx="1" type="body"/>
+            <p:ph type="body" idx="1"/>
           </p:nvPr>
         </p:nvSpPr>
         <p:spPr>
@@ -2879,11 +3157,11 @@
           </a:prstGeom>
         </p:spPr>
         <p:txBody>
-          <a:bodyPr anchorCtr="0" anchor="t" bIns="91425" lIns="91425" spcFirstLastPara="1" rIns="91425" wrap="square" tIns="91425">
+          <a:bodyPr spcFirstLastPara="1" wrap="square" lIns="91425" tIns="91425" rIns="91425" bIns="91425" anchor="t" anchorCtr="0">
             <a:noAutofit/>
           </a:bodyPr>
           <a:lstStyle>
-            <a:lvl1pPr indent="-342900" lvl="0" marL="457200">
+            <a:lvl1pPr marL="457200" lvl="0" indent="-342900">
               <a:spcBef>
                 <a:spcPts val="0"/>
               </a:spcBef>
@@ -2894,7 +3172,7 @@
               <a:buChar char="●"/>
               <a:defRPr/>
             </a:lvl1pPr>
-            <a:lvl2pPr indent="-317500" lvl="1" marL="914400">
+            <a:lvl2pPr marL="914400" lvl="1" indent="-317500">
               <a:spcBef>
                 <a:spcPts val="1600"/>
               </a:spcBef>
@@ -2905,7 +3183,7 @@
               <a:buChar char="○"/>
               <a:defRPr/>
             </a:lvl2pPr>
-            <a:lvl3pPr indent="-317500" lvl="2" marL="1371600">
+            <a:lvl3pPr marL="1371600" lvl="2" indent="-317500">
               <a:spcBef>
                 <a:spcPts val="1600"/>
               </a:spcBef>
@@ -2916,7 +3194,7 @@
               <a:buChar char="■"/>
               <a:defRPr/>
             </a:lvl3pPr>
-            <a:lvl4pPr indent="-317500" lvl="3" marL="1828800">
+            <a:lvl4pPr marL="1828800" lvl="3" indent="-317500">
               <a:spcBef>
                 <a:spcPts val="1600"/>
               </a:spcBef>
@@ -2927,7 +3205,7 @@
               <a:buChar char="●"/>
               <a:defRPr/>
             </a:lvl4pPr>
-            <a:lvl5pPr indent="-317500" lvl="4" marL="2286000">
+            <a:lvl5pPr marL="2286000" lvl="4" indent="-317500">
               <a:spcBef>
                 <a:spcPts val="1600"/>
               </a:spcBef>
@@ -2938,7 +3216,7 @@
               <a:buChar char="○"/>
               <a:defRPr/>
             </a:lvl5pPr>
-            <a:lvl6pPr indent="-317500" lvl="5" marL="2743200">
+            <a:lvl6pPr marL="2743200" lvl="5" indent="-317500">
               <a:spcBef>
                 <a:spcPts val="1600"/>
               </a:spcBef>
@@ -2949,7 +3227,7 @@
               <a:buChar char="■"/>
               <a:defRPr/>
             </a:lvl6pPr>
-            <a:lvl7pPr indent="-317500" lvl="6" marL="3200400">
+            <a:lvl7pPr marL="3200400" lvl="6" indent="-317500">
               <a:spcBef>
                 <a:spcPts val="1600"/>
               </a:spcBef>
@@ -2960,7 +3238,7 @@
               <a:buChar char="●"/>
               <a:defRPr/>
             </a:lvl7pPr>
-            <a:lvl8pPr indent="-317500" lvl="7" marL="3657600">
+            <a:lvl8pPr marL="3657600" lvl="7" indent="-317500">
               <a:spcBef>
                 <a:spcPts val="1600"/>
               </a:spcBef>
@@ -2971,7 +3249,7 @@
               <a:buChar char="○"/>
               <a:defRPr/>
             </a:lvl8pPr>
-            <a:lvl9pPr indent="-317500" lvl="8" marL="4114800">
+            <a:lvl9pPr marL="4114800" lvl="8" indent="-317500">
               <a:spcBef>
                 <a:spcPts val="1600"/>
               </a:spcBef>
@@ -2983,15 +3261,19 @@
               <a:defRPr/>
             </a:lvl9pPr>
           </a:lstStyle>
-          <a:p/>
+          <a:p>
+            <a:endParaRPr/>
+          </a:p>
         </p:txBody>
       </p:sp>
       <p:sp>
         <p:nvSpPr>
           <p:cNvPr id="21" name="Google Shape;21;p4"/>
-          <p:cNvSpPr txBox="1"/>
+          <p:cNvSpPr txBox="1">
+            <a:spLocks noGrp="1"/>
+          </p:cNvSpPr>
           <p:nvPr>
-            <p:ph idx="12" type="sldNum"/>
+            <p:ph type="sldNum" idx="12"/>
           </p:nvPr>
         </p:nvSpPr>
         <p:spPr>
@@ -3004,7 +3286,7 @@
           </a:prstGeom>
         </p:spPr>
         <p:txBody>
-          <a:bodyPr anchorCtr="0" anchor="ctr" bIns="91425" lIns="91425" spcFirstLastPara="1" rIns="91425" wrap="square" tIns="91425">
+          <a:bodyPr spcFirstLastPara="1" wrap="square" lIns="91425" tIns="91425" rIns="91425" bIns="91425" anchor="ctr" anchorCtr="0">
             <a:noAutofit/>
           </a:bodyPr>
           <a:lstStyle>
@@ -3046,7 +3328,7 @@
             </a:lvl9pPr>
           </a:lstStyle>
           <a:p>
-            <a:pPr indent="0" lvl="0" marL="0" rtl="0" algn="r">
+            <a:pPr marL="0" lvl="0" indent="0" algn="r" rtl="0">
               <a:spcBef>
                 <a:spcPts val="0"/>
               </a:spcBef>
@@ -3057,7 +3339,7 @@
             </a:pPr>
             <a:fld id="{00000000-1234-1234-1234-123412341234}" type="slidenum">
               <a:rPr lang="es"/>
-              <a:t>‹#›</a:t>
+              <a:t>‹Nº›</a:t>
             </a:fld>
             <a:endParaRPr/>
           </a:p>
@@ -3072,11 +3354,11 @@
 </file>
 
 <file path=ppt/slideLayouts/slideLayout4.xml><?xml version="1.0" encoding="utf-8"?>
-<p:sldLayout xmlns:a="http://schemas.openxmlformats.org/drawingml/2006/main" xmlns:r="http://schemas.openxmlformats.org/officeDocument/2006/relationships" xmlns:mc="http://schemas.openxmlformats.org/markup-compatibility/2006" xmlns:mv="urn:schemas-microsoft-com:mac:vml" xmlns:p="http://schemas.openxmlformats.org/presentationml/2006/main" xmlns:c="http://schemas.openxmlformats.org/drawingml/2006/chart" xmlns:dgm="http://schemas.openxmlformats.org/drawingml/2006/diagram" xmlns:o="urn:schemas-microsoft-com:office:office" xmlns:v="urn:schemas-microsoft-com:vml" xmlns:pvml="urn:schemas-microsoft-com:office:powerpoint" xmlns:com="http://schemas.openxmlformats.org/drawingml/2006/compatibility" xmlns:p14="http://schemas.microsoft.com/office/powerpoint/2010/main" xmlns:p15="http://schemas.microsoft.com/office/powerpoint/2012/main" matchingName="Title and two columns" type="twoColTx">
+<p:sldLayout xmlns:a="http://schemas.openxmlformats.org/drawingml/2006/main" xmlns:r="http://schemas.openxmlformats.org/officeDocument/2006/relationships" xmlns:p="http://schemas.openxmlformats.org/presentationml/2006/main" matchingName="Title and two columns" type="twoColTx">
   <p:cSld name="TITLE_AND_TWO_COLUMNS">
     <p:spTree>
       <p:nvGrpSpPr>
-        <p:cNvPr id="22" name="Shape 22"/>
+        <p:cNvPr id="1" name="Shape 22"/>
         <p:cNvGrpSpPr/>
         <p:nvPr/>
       </p:nvGrpSpPr>
@@ -3091,7 +3373,9 @@
       <p:sp>
         <p:nvSpPr>
           <p:cNvPr id="23" name="Google Shape;23;p5"/>
-          <p:cNvSpPr txBox="1"/>
+          <p:cNvSpPr txBox="1">
+            <a:spLocks noGrp="1"/>
+          </p:cNvSpPr>
           <p:nvPr>
             <p:ph type="title"/>
           </p:nvPr>
@@ -3106,7 +3390,7 @@
           </a:prstGeom>
         </p:spPr>
         <p:txBody>
-          <a:bodyPr anchorCtr="0" anchor="t" bIns="91425" lIns="91425" spcFirstLastPara="1" rIns="91425" wrap="square" tIns="91425">
+          <a:bodyPr spcFirstLastPara="1" wrap="square" lIns="91425" tIns="91425" rIns="91425" bIns="91425" anchor="t" anchorCtr="0">
             <a:noAutofit/>
           </a:bodyPr>
           <a:lstStyle>
@@ -3210,15 +3494,19 @@
               <a:defRPr/>
             </a:lvl9pPr>
           </a:lstStyle>
-          <a:p/>
+          <a:p>
+            <a:endParaRPr/>
+          </a:p>
         </p:txBody>
       </p:sp>
       <p:sp>
         <p:nvSpPr>
           <p:cNvPr id="24" name="Google Shape;24;p5"/>
-          <p:cNvSpPr txBox="1"/>
+          <p:cNvSpPr txBox="1">
+            <a:spLocks noGrp="1"/>
+          </p:cNvSpPr>
           <p:nvPr>
-            <p:ph idx="1" type="body"/>
+            <p:ph type="body" idx="1"/>
           </p:nvPr>
         </p:nvSpPr>
         <p:spPr>
@@ -3231,11 +3519,11 @@
           </a:prstGeom>
         </p:spPr>
         <p:txBody>
-          <a:bodyPr anchorCtr="0" anchor="t" bIns="91425" lIns="91425" spcFirstLastPara="1" rIns="91425" wrap="square" tIns="91425">
+          <a:bodyPr spcFirstLastPara="1" wrap="square" lIns="91425" tIns="91425" rIns="91425" bIns="91425" anchor="t" anchorCtr="0">
             <a:noAutofit/>
           </a:bodyPr>
           <a:lstStyle>
-            <a:lvl1pPr indent="-317500" lvl="0" marL="457200">
+            <a:lvl1pPr marL="457200" lvl="0" indent="-317500">
               <a:spcBef>
                 <a:spcPts val="0"/>
               </a:spcBef>
@@ -3246,7 +3534,7 @@
               <a:buChar char="●"/>
               <a:defRPr sz="1400"/>
             </a:lvl1pPr>
-            <a:lvl2pPr indent="-304800" lvl="1" marL="914400">
+            <a:lvl2pPr marL="914400" lvl="1" indent="-304800">
               <a:spcBef>
                 <a:spcPts val="1600"/>
               </a:spcBef>
@@ -3257,7 +3545,7 @@
               <a:buChar char="○"/>
               <a:defRPr sz="1200"/>
             </a:lvl2pPr>
-            <a:lvl3pPr indent="-304800" lvl="2" marL="1371600">
+            <a:lvl3pPr marL="1371600" lvl="2" indent="-304800">
               <a:spcBef>
                 <a:spcPts val="1600"/>
               </a:spcBef>
@@ -3268,7 +3556,7 @@
               <a:buChar char="■"/>
               <a:defRPr sz="1200"/>
             </a:lvl3pPr>
-            <a:lvl4pPr indent="-304800" lvl="3" marL="1828800">
+            <a:lvl4pPr marL="1828800" lvl="3" indent="-304800">
               <a:spcBef>
                 <a:spcPts val="1600"/>
               </a:spcBef>
@@ -3279,7 +3567,7 @@
               <a:buChar char="●"/>
               <a:defRPr sz="1200"/>
             </a:lvl4pPr>
-            <a:lvl5pPr indent="-304800" lvl="4" marL="2286000">
+            <a:lvl5pPr marL="2286000" lvl="4" indent="-304800">
               <a:spcBef>
                 <a:spcPts val="1600"/>
               </a:spcBef>
@@ -3290,7 +3578,7 @@
               <a:buChar char="○"/>
               <a:defRPr sz="1200"/>
             </a:lvl5pPr>
-            <a:lvl6pPr indent="-304800" lvl="5" marL="2743200">
+            <a:lvl6pPr marL="2743200" lvl="5" indent="-304800">
               <a:spcBef>
                 <a:spcPts val="1600"/>
               </a:spcBef>
@@ -3301,7 +3589,7 @@
               <a:buChar char="■"/>
               <a:defRPr sz="1200"/>
             </a:lvl6pPr>
-            <a:lvl7pPr indent="-304800" lvl="6" marL="3200400">
+            <a:lvl7pPr marL="3200400" lvl="6" indent="-304800">
               <a:spcBef>
                 <a:spcPts val="1600"/>
               </a:spcBef>
@@ -3312,7 +3600,7 @@
               <a:buChar char="●"/>
               <a:defRPr sz="1200"/>
             </a:lvl7pPr>
-            <a:lvl8pPr indent="-304800" lvl="7" marL="3657600">
+            <a:lvl8pPr marL="3657600" lvl="7" indent="-304800">
               <a:spcBef>
                 <a:spcPts val="1600"/>
               </a:spcBef>
@@ -3323,7 +3611,7 @@
               <a:buChar char="○"/>
               <a:defRPr sz="1200"/>
             </a:lvl8pPr>
-            <a:lvl9pPr indent="-304800" lvl="8" marL="4114800">
+            <a:lvl9pPr marL="4114800" lvl="8" indent="-304800">
               <a:spcBef>
                 <a:spcPts val="1600"/>
               </a:spcBef>
@@ -3335,15 +3623,19 @@
               <a:defRPr sz="1200"/>
             </a:lvl9pPr>
           </a:lstStyle>
-          <a:p/>
+          <a:p>
+            <a:endParaRPr/>
+          </a:p>
         </p:txBody>
       </p:sp>
       <p:sp>
         <p:nvSpPr>
           <p:cNvPr id="25" name="Google Shape;25;p5"/>
-          <p:cNvSpPr txBox="1"/>
+          <p:cNvSpPr txBox="1">
+            <a:spLocks noGrp="1"/>
+          </p:cNvSpPr>
           <p:nvPr>
-            <p:ph idx="2" type="body"/>
+            <p:ph type="body" idx="2"/>
           </p:nvPr>
         </p:nvSpPr>
         <p:spPr>
@@ -3356,11 +3648,11 @@
           </a:prstGeom>
         </p:spPr>
         <p:txBody>
-          <a:bodyPr anchorCtr="0" anchor="t" bIns="91425" lIns="91425" spcFirstLastPara="1" rIns="91425" wrap="square" tIns="91425">
+          <a:bodyPr spcFirstLastPara="1" wrap="square" lIns="91425" tIns="91425" rIns="91425" bIns="91425" anchor="t" anchorCtr="0">
             <a:noAutofit/>
           </a:bodyPr>
           <a:lstStyle>
-            <a:lvl1pPr indent="-317500" lvl="0" marL="457200">
+            <a:lvl1pPr marL="457200" lvl="0" indent="-317500">
               <a:spcBef>
                 <a:spcPts val="0"/>
               </a:spcBef>
@@ -3371,7 +3663,7 @@
               <a:buChar char="●"/>
               <a:defRPr sz="1400"/>
             </a:lvl1pPr>
-            <a:lvl2pPr indent="-304800" lvl="1" marL="914400">
+            <a:lvl2pPr marL="914400" lvl="1" indent="-304800">
               <a:spcBef>
                 <a:spcPts val="1600"/>
               </a:spcBef>
@@ -3382,7 +3674,7 @@
               <a:buChar char="○"/>
               <a:defRPr sz="1200"/>
             </a:lvl2pPr>
-            <a:lvl3pPr indent="-304800" lvl="2" marL="1371600">
+            <a:lvl3pPr marL="1371600" lvl="2" indent="-304800">
               <a:spcBef>
                 <a:spcPts val="1600"/>
               </a:spcBef>
@@ -3393,7 +3685,7 @@
               <a:buChar char="■"/>
               <a:defRPr sz="1200"/>
             </a:lvl3pPr>
-            <a:lvl4pPr indent="-304800" lvl="3" marL="1828800">
+            <a:lvl4pPr marL="1828800" lvl="3" indent="-304800">
               <a:spcBef>
                 <a:spcPts val="1600"/>
               </a:spcBef>
@@ -3404,7 +3696,7 @@
               <a:buChar char="●"/>
               <a:defRPr sz="1200"/>
             </a:lvl4pPr>
-            <a:lvl5pPr indent="-304800" lvl="4" marL="2286000">
+            <a:lvl5pPr marL="2286000" lvl="4" indent="-304800">
               <a:spcBef>
                 <a:spcPts val="1600"/>
               </a:spcBef>
@@ -3415,7 +3707,7 @@
               <a:buChar char="○"/>
               <a:defRPr sz="1200"/>
             </a:lvl5pPr>
-            <a:lvl6pPr indent="-304800" lvl="5" marL="2743200">
+            <a:lvl6pPr marL="2743200" lvl="5" indent="-304800">
               <a:spcBef>
                 <a:spcPts val="1600"/>
               </a:spcBef>
@@ -3426,7 +3718,7 @@
               <a:buChar char="■"/>
               <a:defRPr sz="1200"/>
             </a:lvl6pPr>
-            <a:lvl7pPr indent="-304800" lvl="6" marL="3200400">
+            <a:lvl7pPr marL="3200400" lvl="6" indent="-304800">
               <a:spcBef>
                 <a:spcPts val="1600"/>
               </a:spcBef>
@@ -3437,7 +3729,7 @@
               <a:buChar char="●"/>
               <a:defRPr sz="1200"/>
             </a:lvl7pPr>
-            <a:lvl8pPr indent="-304800" lvl="7" marL="3657600">
+            <a:lvl8pPr marL="3657600" lvl="7" indent="-304800">
               <a:spcBef>
                 <a:spcPts val="1600"/>
               </a:spcBef>
@@ -3448,7 +3740,7 @@
               <a:buChar char="○"/>
               <a:defRPr sz="1200"/>
             </a:lvl8pPr>
-            <a:lvl9pPr indent="-304800" lvl="8" marL="4114800">
+            <a:lvl9pPr marL="4114800" lvl="8" indent="-304800">
               <a:spcBef>
                 <a:spcPts val="1600"/>
               </a:spcBef>
@@ -3460,15 +3752,19 @@
               <a:defRPr sz="1200"/>
             </a:lvl9pPr>
           </a:lstStyle>
-          <a:p/>
+          <a:p>
+            <a:endParaRPr/>
+          </a:p>
         </p:txBody>
       </p:sp>
       <p:sp>
         <p:nvSpPr>
           <p:cNvPr id="26" name="Google Shape;26;p5"/>
-          <p:cNvSpPr txBox="1"/>
+          <p:cNvSpPr txBox="1">
+            <a:spLocks noGrp="1"/>
+          </p:cNvSpPr>
           <p:nvPr>
-            <p:ph idx="12" type="sldNum"/>
+            <p:ph type="sldNum" idx="12"/>
           </p:nvPr>
         </p:nvSpPr>
         <p:spPr>
@@ -3481,7 +3777,7 @@
           </a:prstGeom>
         </p:spPr>
         <p:txBody>
-          <a:bodyPr anchorCtr="0" anchor="ctr" bIns="91425" lIns="91425" spcFirstLastPara="1" rIns="91425" wrap="square" tIns="91425">
+          <a:bodyPr spcFirstLastPara="1" wrap="square" lIns="91425" tIns="91425" rIns="91425" bIns="91425" anchor="ctr" anchorCtr="0">
             <a:noAutofit/>
           </a:bodyPr>
           <a:lstStyle>
@@ -3523,7 +3819,7 @@
             </a:lvl9pPr>
           </a:lstStyle>
           <a:p>
-            <a:pPr indent="0" lvl="0" marL="0" rtl="0" algn="r">
+            <a:pPr marL="0" lvl="0" indent="0" algn="r" rtl="0">
               <a:spcBef>
                 <a:spcPts val="0"/>
               </a:spcBef>
@@ -3534,7 +3830,7 @@
             </a:pPr>
             <a:fld id="{00000000-1234-1234-1234-123412341234}" type="slidenum">
               <a:rPr lang="es"/>
-              <a:t>‹#›</a:t>
+              <a:t>‹Nº›</a:t>
             </a:fld>
             <a:endParaRPr/>
           </a:p>
@@ -3549,11 +3845,11 @@
 </file>
 
 <file path=ppt/slideLayouts/slideLayout5.xml><?xml version="1.0" encoding="utf-8"?>
-<p:sldLayout xmlns:a="http://schemas.openxmlformats.org/drawingml/2006/main" xmlns:r="http://schemas.openxmlformats.org/officeDocument/2006/relationships" xmlns:mc="http://schemas.openxmlformats.org/markup-compatibility/2006" xmlns:mv="urn:schemas-microsoft-com:mac:vml" xmlns:p="http://schemas.openxmlformats.org/presentationml/2006/main" xmlns:c="http://schemas.openxmlformats.org/drawingml/2006/chart" xmlns:dgm="http://schemas.openxmlformats.org/drawingml/2006/diagram" xmlns:o="urn:schemas-microsoft-com:office:office" xmlns:v="urn:schemas-microsoft-com:vml" xmlns:pvml="urn:schemas-microsoft-com:office:powerpoint" xmlns:com="http://schemas.openxmlformats.org/drawingml/2006/compatibility" xmlns:p14="http://schemas.microsoft.com/office/powerpoint/2010/main" xmlns:p15="http://schemas.microsoft.com/office/powerpoint/2012/main" matchingName="Title only" type="titleOnly">
+<p:sldLayout xmlns:a="http://schemas.openxmlformats.org/drawingml/2006/main" xmlns:r="http://schemas.openxmlformats.org/officeDocument/2006/relationships" xmlns:p="http://schemas.openxmlformats.org/presentationml/2006/main" matchingName="Title only" type="titleOnly">
   <p:cSld name="TITLE_ONLY">
     <p:spTree>
       <p:nvGrpSpPr>
-        <p:cNvPr id="27" name="Shape 27"/>
+        <p:cNvPr id="1" name="Shape 27"/>
         <p:cNvGrpSpPr/>
         <p:nvPr/>
       </p:nvGrpSpPr>
@@ -3568,7 +3864,9 @@
       <p:sp>
         <p:nvSpPr>
           <p:cNvPr id="28" name="Google Shape;28;p6"/>
-          <p:cNvSpPr txBox="1"/>
+          <p:cNvSpPr txBox="1">
+            <a:spLocks noGrp="1"/>
+          </p:cNvSpPr>
           <p:nvPr>
             <p:ph type="title"/>
           </p:nvPr>
@@ -3583,7 +3881,7 @@
           </a:prstGeom>
         </p:spPr>
         <p:txBody>
-          <a:bodyPr anchorCtr="0" anchor="t" bIns="91425" lIns="91425" spcFirstLastPara="1" rIns="91425" wrap="square" tIns="91425">
+          <a:bodyPr spcFirstLastPara="1" wrap="square" lIns="91425" tIns="91425" rIns="91425" bIns="91425" anchor="t" anchorCtr="0">
             <a:noAutofit/>
           </a:bodyPr>
           <a:lstStyle>
@@ -3687,15 +3985,19 @@
               <a:defRPr/>
             </a:lvl9pPr>
           </a:lstStyle>
-          <a:p/>
+          <a:p>
+            <a:endParaRPr/>
+          </a:p>
         </p:txBody>
       </p:sp>
       <p:sp>
         <p:nvSpPr>
           <p:cNvPr id="29" name="Google Shape;29;p6"/>
-          <p:cNvSpPr txBox="1"/>
+          <p:cNvSpPr txBox="1">
+            <a:spLocks noGrp="1"/>
+          </p:cNvSpPr>
           <p:nvPr>
-            <p:ph idx="12" type="sldNum"/>
+            <p:ph type="sldNum" idx="12"/>
           </p:nvPr>
         </p:nvSpPr>
         <p:spPr>
@@ -3708,7 +4010,7 @@
           </a:prstGeom>
         </p:spPr>
         <p:txBody>
-          <a:bodyPr anchorCtr="0" anchor="ctr" bIns="91425" lIns="91425" spcFirstLastPara="1" rIns="91425" wrap="square" tIns="91425">
+          <a:bodyPr spcFirstLastPara="1" wrap="square" lIns="91425" tIns="91425" rIns="91425" bIns="91425" anchor="ctr" anchorCtr="0">
             <a:noAutofit/>
           </a:bodyPr>
           <a:lstStyle>
@@ -3750,7 +4052,7 @@
             </a:lvl9pPr>
           </a:lstStyle>
           <a:p>
-            <a:pPr indent="0" lvl="0" marL="0" rtl="0" algn="r">
+            <a:pPr marL="0" lvl="0" indent="0" algn="r" rtl="0">
               <a:spcBef>
                 <a:spcPts val="0"/>
               </a:spcBef>
@@ -3761,7 +4063,7 @@
             </a:pPr>
             <a:fld id="{00000000-1234-1234-1234-123412341234}" type="slidenum">
               <a:rPr lang="es"/>
-              <a:t>‹#›</a:t>
+              <a:t>‹Nº›</a:t>
             </a:fld>
             <a:endParaRPr/>
           </a:p>
@@ -3776,11 +4078,11 @@
 </file>
 
 <file path=ppt/slideLayouts/slideLayout6.xml><?xml version="1.0" encoding="utf-8"?>
-<p:sldLayout xmlns:a="http://schemas.openxmlformats.org/drawingml/2006/main" xmlns:r="http://schemas.openxmlformats.org/officeDocument/2006/relationships" xmlns:mc="http://schemas.openxmlformats.org/markup-compatibility/2006" xmlns:mv="urn:schemas-microsoft-com:mac:vml" xmlns:p="http://schemas.openxmlformats.org/presentationml/2006/main" xmlns:c="http://schemas.openxmlformats.org/drawingml/2006/chart" xmlns:dgm="http://schemas.openxmlformats.org/drawingml/2006/diagram" xmlns:o="urn:schemas-microsoft-com:office:office" xmlns:v="urn:schemas-microsoft-com:vml" xmlns:pvml="urn:schemas-microsoft-com:office:powerpoint" xmlns:com="http://schemas.openxmlformats.org/drawingml/2006/compatibility" xmlns:p14="http://schemas.microsoft.com/office/powerpoint/2010/main" xmlns:p15="http://schemas.microsoft.com/office/powerpoint/2012/main" matchingName="One column text">
+<p:sldLayout xmlns:a="http://schemas.openxmlformats.org/drawingml/2006/main" xmlns:r="http://schemas.openxmlformats.org/officeDocument/2006/relationships" xmlns:p="http://schemas.openxmlformats.org/presentationml/2006/main" matchingName="One column text">
   <p:cSld name="ONE_COLUMN_TEXT">
     <p:spTree>
       <p:nvGrpSpPr>
-        <p:cNvPr id="30" name="Shape 30"/>
+        <p:cNvPr id="1" name="Shape 30"/>
         <p:cNvGrpSpPr/>
         <p:nvPr/>
       </p:nvGrpSpPr>
@@ -3795,7 +4097,9 @@
       <p:sp>
         <p:nvSpPr>
           <p:cNvPr id="31" name="Google Shape;31;p7"/>
-          <p:cNvSpPr txBox="1"/>
+          <p:cNvSpPr txBox="1">
+            <a:spLocks noGrp="1"/>
+          </p:cNvSpPr>
           <p:nvPr>
             <p:ph type="title"/>
           </p:nvPr>
@@ -3810,7 +4114,7 @@
           </a:prstGeom>
         </p:spPr>
         <p:txBody>
-          <a:bodyPr anchorCtr="0" anchor="b" bIns="91425" lIns="91425" spcFirstLastPara="1" rIns="91425" wrap="square" tIns="91425">
+          <a:bodyPr spcFirstLastPara="1" wrap="square" lIns="91425" tIns="91425" rIns="91425" bIns="91425" anchor="b" anchorCtr="0">
             <a:noAutofit/>
           </a:bodyPr>
           <a:lstStyle>
@@ -3914,15 +4218,19 @@
               <a:defRPr sz="2400"/>
             </a:lvl9pPr>
           </a:lstStyle>
-          <a:p/>
+          <a:p>
+            <a:endParaRPr/>
+          </a:p>
         </p:txBody>
       </p:sp>
       <p:sp>
         <p:nvSpPr>
           <p:cNvPr id="32" name="Google Shape;32;p7"/>
-          <p:cNvSpPr txBox="1"/>
+          <p:cNvSpPr txBox="1">
+            <a:spLocks noGrp="1"/>
+          </p:cNvSpPr>
           <p:nvPr>
-            <p:ph idx="1" type="body"/>
+            <p:ph type="body" idx="1"/>
           </p:nvPr>
         </p:nvSpPr>
         <p:spPr>
@@ -3935,11 +4243,11 @@
           </a:prstGeom>
         </p:spPr>
         <p:txBody>
-          <a:bodyPr anchorCtr="0" anchor="t" bIns="91425" lIns="91425" spcFirstLastPara="1" rIns="91425" wrap="square" tIns="91425">
+          <a:bodyPr spcFirstLastPara="1" wrap="square" lIns="91425" tIns="91425" rIns="91425" bIns="91425" anchor="t" anchorCtr="0">
             <a:noAutofit/>
           </a:bodyPr>
           <a:lstStyle>
-            <a:lvl1pPr indent="-304800" lvl="0" marL="457200">
+            <a:lvl1pPr marL="457200" lvl="0" indent="-304800">
               <a:spcBef>
                 <a:spcPts val="0"/>
               </a:spcBef>
@@ -3950,7 +4258,7 @@
               <a:buChar char="●"/>
               <a:defRPr sz="1200"/>
             </a:lvl1pPr>
-            <a:lvl2pPr indent="-304800" lvl="1" marL="914400">
+            <a:lvl2pPr marL="914400" lvl="1" indent="-304800">
               <a:spcBef>
                 <a:spcPts val="1600"/>
               </a:spcBef>
@@ -3961,7 +4269,7 @@
               <a:buChar char="○"/>
               <a:defRPr sz="1200"/>
             </a:lvl2pPr>
-            <a:lvl3pPr indent="-304800" lvl="2" marL="1371600">
+            <a:lvl3pPr marL="1371600" lvl="2" indent="-304800">
               <a:spcBef>
                 <a:spcPts val="1600"/>
               </a:spcBef>
@@ -3972,7 +4280,7 @@
               <a:buChar char="■"/>
               <a:defRPr sz="1200"/>
             </a:lvl3pPr>
-            <a:lvl4pPr indent="-304800" lvl="3" marL="1828800">
+            <a:lvl4pPr marL="1828800" lvl="3" indent="-304800">
               <a:spcBef>
                 <a:spcPts val="1600"/>
               </a:spcBef>
@@ -3983,7 +4291,7 @@
               <a:buChar char="●"/>
               <a:defRPr sz="1200"/>
             </a:lvl4pPr>
-            <a:lvl5pPr indent="-304800" lvl="4" marL="2286000">
+            <a:lvl5pPr marL="2286000" lvl="4" indent="-304800">
               <a:spcBef>
                 <a:spcPts val="1600"/>
               </a:spcBef>
@@ -3994,7 +4302,7 @@
               <a:buChar char="○"/>
               <a:defRPr sz="1200"/>
             </a:lvl5pPr>
-            <a:lvl6pPr indent="-304800" lvl="5" marL="2743200">
+            <a:lvl6pPr marL="2743200" lvl="5" indent="-304800">
               <a:spcBef>
                 <a:spcPts val="1600"/>
               </a:spcBef>
@@ -4005,7 +4313,7 @@
               <a:buChar char="■"/>
               <a:defRPr sz="1200"/>
             </a:lvl6pPr>
-            <a:lvl7pPr indent="-304800" lvl="6" marL="3200400">
+            <a:lvl7pPr marL="3200400" lvl="6" indent="-304800">
               <a:spcBef>
                 <a:spcPts val="1600"/>
               </a:spcBef>
@@ -4016,7 +4324,7 @@
               <a:buChar char="●"/>
               <a:defRPr sz="1200"/>
             </a:lvl7pPr>
-            <a:lvl8pPr indent="-304800" lvl="7" marL="3657600">
+            <a:lvl8pPr marL="3657600" lvl="7" indent="-304800">
               <a:spcBef>
                 <a:spcPts val="1600"/>
               </a:spcBef>
@@ -4027,7 +4335,7 @@
               <a:buChar char="○"/>
               <a:defRPr sz="1200"/>
             </a:lvl8pPr>
-            <a:lvl9pPr indent="-304800" lvl="8" marL="4114800">
+            <a:lvl9pPr marL="4114800" lvl="8" indent="-304800">
               <a:spcBef>
                 <a:spcPts val="1600"/>
               </a:spcBef>
@@ -4039,15 +4347,19 @@
               <a:defRPr sz="1200"/>
             </a:lvl9pPr>
           </a:lstStyle>
-          <a:p/>
+          <a:p>
+            <a:endParaRPr/>
+          </a:p>
         </p:txBody>
       </p:sp>
       <p:sp>
         <p:nvSpPr>
           <p:cNvPr id="33" name="Google Shape;33;p7"/>
-          <p:cNvSpPr txBox="1"/>
+          <p:cNvSpPr txBox="1">
+            <a:spLocks noGrp="1"/>
+          </p:cNvSpPr>
           <p:nvPr>
-            <p:ph idx="12" type="sldNum"/>
+            <p:ph type="sldNum" idx="12"/>
           </p:nvPr>
         </p:nvSpPr>
         <p:spPr>
@@ -4060,7 +4372,7 @@
           </a:prstGeom>
         </p:spPr>
         <p:txBody>
-          <a:bodyPr anchorCtr="0" anchor="ctr" bIns="91425" lIns="91425" spcFirstLastPara="1" rIns="91425" wrap="square" tIns="91425">
+          <a:bodyPr spcFirstLastPara="1" wrap="square" lIns="91425" tIns="91425" rIns="91425" bIns="91425" anchor="ctr" anchorCtr="0">
             <a:noAutofit/>
           </a:bodyPr>
           <a:lstStyle>
@@ -4102,7 +4414,7 @@
             </a:lvl9pPr>
           </a:lstStyle>
           <a:p>
-            <a:pPr indent="0" lvl="0" marL="0" rtl="0" algn="r">
+            <a:pPr marL="0" lvl="0" indent="0" algn="r" rtl="0">
               <a:spcBef>
                 <a:spcPts val="0"/>
               </a:spcBef>
@@ -4113,7 +4425,7 @@
             </a:pPr>
             <a:fld id="{00000000-1234-1234-1234-123412341234}" type="slidenum">
               <a:rPr lang="es"/>
-              <a:t>‹#›</a:t>
+              <a:t>‹Nº›</a:t>
             </a:fld>
             <a:endParaRPr/>
           </a:p>
@@ -4128,18 +4440,19 @@
 </file>
 
 <file path=ppt/slideLayouts/slideLayout7.xml><?xml version="1.0" encoding="utf-8"?>
-<p:sldLayout xmlns:a="http://schemas.openxmlformats.org/drawingml/2006/main" xmlns:r="http://schemas.openxmlformats.org/officeDocument/2006/relationships" xmlns:mc="http://schemas.openxmlformats.org/markup-compatibility/2006" xmlns:mv="urn:schemas-microsoft-com:mac:vml" xmlns:p="http://schemas.openxmlformats.org/presentationml/2006/main" xmlns:c="http://schemas.openxmlformats.org/drawingml/2006/chart" xmlns:dgm="http://schemas.openxmlformats.org/drawingml/2006/diagram" xmlns:o="urn:schemas-microsoft-com:office:office" xmlns:v="urn:schemas-microsoft-com:vml" xmlns:pvml="urn:schemas-microsoft-com:office:powerpoint" xmlns:com="http://schemas.openxmlformats.org/drawingml/2006/compatibility" xmlns:p14="http://schemas.microsoft.com/office/powerpoint/2010/main" xmlns:p15="http://schemas.microsoft.com/office/powerpoint/2012/main" matchingName="Main point">
+<p:sldLayout xmlns:a="http://schemas.openxmlformats.org/drawingml/2006/main" xmlns:r="http://schemas.openxmlformats.org/officeDocument/2006/relationships" xmlns:p="http://schemas.openxmlformats.org/presentationml/2006/main" matchingName="Main point">
   <p:cSld name="MAIN_POINT">
     <p:bg>
       <p:bgPr>
         <a:solidFill>
           <a:schemeClr val="accent2"/>
         </a:solidFill>
+        <a:effectLst/>
       </p:bgPr>
     </p:bg>
     <p:spTree>
       <p:nvGrpSpPr>
-        <p:cNvPr id="34" name="Shape 34"/>
+        <p:cNvPr id="1" name="Shape 34"/>
         <p:cNvGrpSpPr/>
         <p:nvPr/>
       </p:nvGrpSpPr>
@@ -4154,7 +4467,9 @@
       <p:sp>
         <p:nvSpPr>
           <p:cNvPr id="35" name="Google Shape;35;p8"/>
-          <p:cNvSpPr txBox="1"/>
+          <p:cNvSpPr txBox="1">
+            <a:spLocks noGrp="1"/>
+          </p:cNvSpPr>
           <p:nvPr>
             <p:ph type="title"/>
           </p:nvPr>
@@ -4169,7 +4484,7 @@
           </a:prstGeom>
         </p:spPr>
         <p:txBody>
-          <a:bodyPr anchorCtr="0" anchor="ctr" bIns="91425" lIns="91425" spcFirstLastPara="1" rIns="91425" wrap="square" tIns="91425">
+          <a:bodyPr spcFirstLastPara="1" wrap="square" lIns="91425" tIns="91425" rIns="91425" bIns="91425" anchor="ctr" anchorCtr="0">
             <a:noAutofit/>
           </a:bodyPr>
           <a:lstStyle>
@@ -4336,15 +4651,19 @@
               </a:defRPr>
             </a:lvl9pPr>
           </a:lstStyle>
-          <a:p/>
+          <a:p>
+            <a:endParaRPr/>
+          </a:p>
         </p:txBody>
       </p:sp>
       <p:sp>
         <p:nvSpPr>
           <p:cNvPr id="36" name="Google Shape;36;p8"/>
-          <p:cNvSpPr txBox="1"/>
+          <p:cNvSpPr txBox="1">
+            <a:spLocks noGrp="1"/>
+          </p:cNvSpPr>
           <p:nvPr>
-            <p:ph idx="12" type="sldNum"/>
+            <p:ph type="sldNum" idx="12"/>
           </p:nvPr>
         </p:nvSpPr>
         <p:spPr>
@@ -4357,7 +4676,7 @@
           </a:prstGeom>
         </p:spPr>
         <p:txBody>
-          <a:bodyPr anchorCtr="0" anchor="ctr" bIns="91425" lIns="91425" spcFirstLastPara="1" rIns="91425" wrap="square" tIns="91425">
+          <a:bodyPr spcFirstLastPara="1" wrap="square" lIns="91425" tIns="91425" rIns="91425" bIns="91425" anchor="ctr" anchorCtr="0">
             <a:noAutofit/>
           </a:bodyPr>
           <a:lstStyle>
@@ -4435,7 +4754,7 @@
             </a:lvl9pPr>
           </a:lstStyle>
           <a:p>
-            <a:pPr indent="0" lvl="0" marL="0" rtl="0" algn="r">
+            <a:pPr marL="0" lvl="0" indent="0" algn="r" rtl="0">
               <a:spcBef>
                 <a:spcPts val="0"/>
               </a:spcBef>
@@ -4446,7 +4765,7 @@
             </a:pPr>
             <a:fld id="{00000000-1234-1234-1234-123412341234}" type="slidenum">
               <a:rPr lang="es"/>
-              <a:t>‹#›</a:t>
+              <a:t>‹Nº›</a:t>
             </a:fld>
             <a:endParaRPr/>
           </a:p>
@@ -4461,11 +4780,11 @@
 </file>
 
 <file path=ppt/slideLayouts/slideLayout8.xml><?xml version="1.0" encoding="utf-8"?>
-<p:sldLayout xmlns:a="http://schemas.openxmlformats.org/drawingml/2006/main" xmlns:r="http://schemas.openxmlformats.org/officeDocument/2006/relationships" xmlns:mc="http://schemas.openxmlformats.org/markup-compatibility/2006" xmlns:mv="urn:schemas-microsoft-com:mac:vml" xmlns:p="http://schemas.openxmlformats.org/presentationml/2006/main" xmlns:c="http://schemas.openxmlformats.org/drawingml/2006/chart" xmlns:dgm="http://schemas.openxmlformats.org/drawingml/2006/diagram" xmlns:o="urn:schemas-microsoft-com:office:office" xmlns:v="urn:schemas-microsoft-com:vml" xmlns:pvml="urn:schemas-microsoft-com:office:powerpoint" xmlns:com="http://schemas.openxmlformats.org/drawingml/2006/compatibility" xmlns:p14="http://schemas.microsoft.com/office/powerpoint/2010/main" xmlns:p15="http://schemas.microsoft.com/office/powerpoint/2012/main" matchingName="Section title and description">
+<p:sldLayout xmlns:a="http://schemas.openxmlformats.org/drawingml/2006/main" xmlns:r="http://schemas.openxmlformats.org/officeDocument/2006/relationships" xmlns:p="http://schemas.openxmlformats.org/presentationml/2006/main" matchingName="Section title and description">
   <p:cSld name="SECTION_TITLE_AND_DESCRIPTION">
     <p:spTree>
       <p:nvGrpSpPr>
-        <p:cNvPr id="37" name="Shape 37"/>
+        <p:cNvPr id="1" name="Shape 37"/>
         <p:cNvGrpSpPr/>
         <p:nvPr/>
       </p:nvGrpSpPr>
@@ -4499,12 +4818,12 @@
           </a:ln>
         </p:spPr>
         <p:txBody>
-          <a:bodyPr anchorCtr="0" anchor="ctr" bIns="91425" lIns="91425" spcFirstLastPara="1" rIns="91425" wrap="square" tIns="91425">
+          <a:bodyPr spcFirstLastPara="1" wrap="square" lIns="91425" tIns="91425" rIns="91425" bIns="91425" anchor="ctr" anchorCtr="0">
             <a:noAutofit/>
           </a:bodyPr>
           <a:lstStyle/>
           <a:p>
-            <a:pPr indent="0" lvl="0" marL="0" rtl="0" algn="l">
+            <a:pPr marL="0" lvl="0" indent="0" algn="l" rtl="0">
               <a:spcBef>
                 <a:spcPts val="0"/>
               </a:spcBef>
@@ -4513,9 +4832,6 @@
               </a:spcAft>
               <a:buNone/>
             </a:pPr>
-            <a:r>
-              <a:t/>
-            </a:r>
             <a:endParaRPr/>
           </a:p>
         </p:txBody>
@@ -4535,21 +4851,23 @@
             <a:avLst/>
           </a:prstGeom>
           <a:noFill/>
-          <a:ln cap="flat" cmpd="sng" w="19050">
+          <a:ln w="19050" cap="flat" cmpd="sng">
             <a:solidFill>
               <a:schemeClr val="lt1"/>
             </a:solidFill>
             <a:prstDash val="solid"/>
             <a:round/>
-            <a:headEnd len="sm" w="sm" type="none"/>
-            <a:tailEnd len="sm" w="sm" type="none"/>
+            <a:headEnd type="none" w="sm" len="sm"/>
+            <a:tailEnd type="none" w="sm" len="sm"/>
           </a:ln>
         </p:spPr>
       </p:cxnSp>
       <p:sp>
         <p:nvSpPr>
           <p:cNvPr id="40" name="Google Shape;40;p9"/>
-          <p:cNvSpPr txBox="1"/>
+          <p:cNvSpPr txBox="1">
+            <a:spLocks noGrp="1"/>
+          </p:cNvSpPr>
           <p:nvPr>
             <p:ph type="title"/>
           </p:nvPr>
@@ -4564,7 +4882,7 @@
           </a:prstGeom>
         </p:spPr>
         <p:txBody>
-          <a:bodyPr anchorCtr="0" anchor="b" bIns="91425" lIns="91425" spcFirstLastPara="1" rIns="91425" wrap="square" tIns="91425">
+          <a:bodyPr spcFirstLastPara="1" wrap="square" lIns="91425" tIns="91425" rIns="91425" bIns="91425" anchor="b" anchorCtr="0">
             <a:noAutofit/>
           </a:bodyPr>
           <a:lstStyle>
@@ -4668,15 +4986,19 @@
               <a:defRPr sz="3800"/>
             </a:lvl9pPr>
           </a:lstStyle>
-          <a:p/>
+          <a:p>
+            <a:endParaRPr/>
+          </a:p>
         </p:txBody>
       </p:sp>
       <p:sp>
         <p:nvSpPr>
           <p:cNvPr id="41" name="Google Shape;41;p9"/>
-          <p:cNvSpPr txBox="1"/>
+          <p:cNvSpPr txBox="1">
+            <a:spLocks noGrp="1"/>
+          </p:cNvSpPr>
           <p:nvPr>
-            <p:ph idx="1" type="subTitle"/>
+            <p:ph type="subTitle" idx="1"/>
           </p:nvPr>
         </p:nvSpPr>
         <p:spPr>
@@ -4689,7 +5011,7 @@
           </a:prstGeom>
         </p:spPr>
         <p:txBody>
-          <a:bodyPr anchorCtr="0" anchor="t" bIns="91425" lIns="91425" spcFirstLastPara="1" rIns="91425" wrap="square" tIns="91425">
+          <a:bodyPr spcFirstLastPara="1" wrap="square" lIns="91425" tIns="91425" rIns="91425" bIns="91425" anchor="t" anchorCtr="0">
             <a:noAutofit/>
           </a:bodyPr>
           <a:lstStyle>
@@ -4820,15 +5142,19 @@
               <a:defRPr sz="2100"/>
             </a:lvl9pPr>
           </a:lstStyle>
-          <a:p/>
+          <a:p>
+            <a:endParaRPr/>
+          </a:p>
         </p:txBody>
       </p:sp>
       <p:sp>
         <p:nvSpPr>
           <p:cNvPr id="42" name="Google Shape;42;p9"/>
-          <p:cNvSpPr txBox="1"/>
+          <p:cNvSpPr txBox="1">
+            <a:spLocks noGrp="1"/>
+          </p:cNvSpPr>
           <p:nvPr>
-            <p:ph idx="2" type="body"/>
+            <p:ph type="body" idx="2"/>
           </p:nvPr>
         </p:nvSpPr>
         <p:spPr>
@@ -4841,11 +5167,11 @@
           </a:prstGeom>
         </p:spPr>
         <p:txBody>
-          <a:bodyPr anchorCtr="0" anchor="ctr" bIns="91425" lIns="91425" spcFirstLastPara="1" rIns="91425" wrap="square" tIns="91425">
+          <a:bodyPr spcFirstLastPara="1" wrap="square" lIns="91425" tIns="91425" rIns="91425" bIns="91425" anchor="ctr" anchorCtr="0">
             <a:noAutofit/>
           </a:bodyPr>
           <a:lstStyle>
-            <a:lvl1pPr indent="-342900" lvl="0" marL="457200">
+            <a:lvl1pPr marL="457200" lvl="0" indent="-342900">
               <a:spcBef>
                 <a:spcPts val="0"/>
               </a:spcBef>
@@ -4863,7 +5189,7 @@
                 </a:solidFill>
               </a:defRPr>
             </a:lvl1pPr>
-            <a:lvl2pPr indent="-317500" lvl="1" marL="914400">
+            <a:lvl2pPr marL="914400" lvl="1" indent="-317500">
               <a:spcBef>
                 <a:spcPts val="1600"/>
               </a:spcBef>
@@ -4881,7 +5207,7 @@
                 </a:solidFill>
               </a:defRPr>
             </a:lvl2pPr>
-            <a:lvl3pPr indent="-317500" lvl="2" marL="1371600">
+            <a:lvl3pPr marL="1371600" lvl="2" indent="-317500">
               <a:spcBef>
                 <a:spcPts val="1600"/>
               </a:spcBef>
@@ -4899,7 +5225,7 @@
                 </a:solidFill>
               </a:defRPr>
             </a:lvl3pPr>
-            <a:lvl4pPr indent="-317500" lvl="3" marL="1828800">
+            <a:lvl4pPr marL="1828800" lvl="3" indent="-317500">
               <a:spcBef>
                 <a:spcPts val="1600"/>
               </a:spcBef>
@@ -4917,7 +5243,7 @@
                 </a:solidFill>
               </a:defRPr>
             </a:lvl4pPr>
-            <a:lvl5pPr indent="-317500" lvl="4" marL="2286000">
+            <a:lvl5pPr marL="2286000" lvl="4" indent="-317500">
               <a:spcBef>
                 <a:spcPts val="1600"/>
               </a:spcBef>
@@ -4935,7 +5261,7 @@
                 </a:solidFill>
               </a:defRPr>
             </a:lvl5pPr>
-            <a:lvl6pPr indent="-317500" lvl="5" marL="2743200">
+            <a:lvl6pPr marL="2743200" lvl="5" indent="-317500">
               <a:spcBef>
                 <a:spcPts val="1600"/>
               </a:spcBef>
@@ -4953,7 +5279,7 @@
                 </a:solidFill>
               </a:defRPr>
             </a:lvl6pPr>
-            <a:lvl7pPr indent="-317500" lvl="6" marL="3200400">
+            <a:lvl7pPr marL="3200400" lvl="6" indent="-317500">
               <a:spcBef>
                 <a:spcPts val="1600"/>
               </a:spcBef>
@@ -4971,7 +5297,7 @@
                 </a:solidFill>
               </a:defRPr>
             </a:lvl7pPr>
-            <a:lvl8pPr indent="-317500" lvl="7" marL="3657600">
+            <a:lvl8pPr marL="3657600" lvl="7" indent="-317500">
               <a:spcBef>
                 <a:spcPts val="1600"/>
               </a:spcBef>
@@ -4989,7 +5315,7 @@
                 </a:solidFill>
               </a:defRPr>
             </a:lvl8pPr>
-            <a:lvl9pPr indent="-317500" lvl="8" marL="4114800">
+            <a:lvl9pPr marL="4114800" lvl="8" indent="-317500">
               <a:spcBef>
                 <a:spcPts val="1600"/>
               </a:spcBef>
@@ -5008,15 +5334,19 @@
               </a:defRPr>
             </a:lvl9pPr>
           </a:lstStyle>
-          <a:p/>
+          <a:p>
+            <a:endParaRPr/>
+          </a:p>
         </p:txBody>
       </p:sp>
       <p:sp>
         <p:nvSpPr>
           <p:cNvPr id="43" name="Google Shape;43;p9"/>
-          <p:cNvSpPr txBox="1"/>
+          <p:cNvSpPr txBox="1">
+            <a:spLocks noGrp="1"/>
+          </p:cNvSpPr>
           <p:nvPr>
-            <p:ph idx="12" type="sldNum"/>
+            <p:ph type="sldNum" idx="12"/>
           </p:nvPr>
         </p:nvSpPr>
         <p:spPr>
@@ -5029,7 +5359,7 @@
           </a:prstGeom>
         </p:spPr>
         <p:txBody>
-          <a:bodyPr anchorCtr="0" anchor="ctr" bIns="91425" lIns="91425" spcFirstLastPara="1" rIns="91425" wrap="square" tIns="91425">
+          <a:bodyPr spcFirstLastPara="1" wrap="square" lIns="91425" tIns="91425" rIns="91425" bIns="91425" anchor="ctr" anchorCtr="0">
             <a:noAutofit/>
           </a:bodyPr>
           <a:lstStyle>
@@ -5107,7 +5437,7 @@
             </a:lvl9pPr>
           </a:lstStyle>
           <a:p>
-            <a:pPr indent="0" lvl="0" marL="0" rtl="0" algn="r">
+            <a:pPr marL="0" lvl="0" indent="0" algn="r" rtl="0">
               <a:spcBef>
                 <a:spcPts val="0"/>
               </a:spcBef>
@@ -5118,7 +5448,7 @@
             </a:pPr>
             <a:fld id="{00000000-1234-1234-1234-123412341234}" type="slidenum">
               <a:rPr lang="es"/>
-              <a:t>‹#›</a:t>
+              <a:t>‹Nº›</a:t>
             </a:fld>
             <a:endParaRPr/>
           </a:p>
@@ -5133,11 +5463,11 @@
 </file>
 
 <file path=ppt/slideLayouts/slideLayout9.xml><?xml version="1.0" encoding="utf-8"?>
-<p:sldLayout xmlns:a="http://schemas.openxmlformats.org/drawingml/2006/main" xmlns:r="http://schemas.openxmlformats.org/officeDocument/2006/relationships" xmlns:mc="http://schemas.openxmlformats.org/markup-compatibility/2006" xmlns:mv="urn:schemas-microsoft-com:mac:vml" xmlns:p="http://schemas.openxmlformats.org/presentationml/2006/main" xmlns:c="http://schemas.openxmlformats.org/drawingml/2006/chart" xmlns:dgm="http://schemas.openxmlformats.org/drawingml/2006/diagram" xmlns:o="urn:schemas-microsoft-com:office:office" xmlns:v="urn:schemas-microsoft-com:vml" xmlns:pvml="urn:schemas-microsoft-com:office:powerpoint" xmlns:com="http://schemas.openxmlformats.org/drawingml/2006/compatibility" xmlns:p14="http://schemas.microsoft.com/office/powerpoint/2010/main" xmlns:p15="http://schemas.microsoft.com/office/powerpoint/2012/main" matchingName="Caption">
+<p:sldLayout xmlns:a="http://schemas.openxmlformats.org/drawingml/2006/main" xmlns:r="http://schemas.openxmlformats.org/officeDocument/2006/relationships" xmlns:p="http://schemas.openxmlformats.org/presentationml/2006/main" matchingName="Caption">
   <p:cSld name="CAPTION_ONLY">
     <p:spTree>
       <p:nvGrpSpPr>
-        <p:cNvPr id="44" name="Shape 44"/>
+        <p:cNvPr id="1" name="Shape 44"/>
         <p:cNvGrpSpPr/>
         <p:nvPr/>
       </p:nvGrpSpPr>
@@ -5152,9 +5482,11 @@
       <p:sp>
         <p:nvSpPr>
           <p:cNvPr id="45" name="Google Shape;45;p10"/>
-          <p:cNvSpPr txBox="1"/>
+          <p:cNvSpPr txBox="1">
+            <a:spLocks noGrp="1"/>
+          </p:cNvSpPr>
           <p:nvPr>
-            <p:ph idx="1" type="body"/>
+            <p:ph type="body" idx="1"/>
           </p:nvPr>
         </p:nvSpPr>
         <p:spPr>
@@ -5167,11 +5499,11 @@
           </a:prstGeom>
         </p:spPr>
         <p:txBody>
-          <a:bodyPr anchorCtr="0" anchor="ctr" bIns="91425" lIns="91425" spcFirstLastPara="1" rIns="91425" wrap="square" tIns="91425">
+          <a:bodyPr spcFirstLastPara="1" wrap="square" lIns="91425" tIns="91425" rIns="91425" bIns="91425" anchor="ctr" anchorCtr="0">
             <a:noAutofit/>
           </a:bodyPr>
           <a:lstStyle>
-            <a:lvl1pPr indent="-228600" lvl="0" marL="457200">
+            <a:lvl1pPr marL="457200" lvl="0" indent="-228600">
               <a:lnSpc>
                 <a:spcPct val="100000"/>
               </a:lnSpc>
@@ -5186,15 +5518,19 @@
               <a:defRPr sz="2100"/>
             </a:lvl1pPr>
           </a:lstStyle>
-          <a:p/>
+          <a:p>
+            <a:endParaRPr/>
+          </a:p>
         </p:txBody>
       </p:sp>
       <p:sp>
         <p:nvSpPr>
           <p:cNvPr id="46" name="Google Shape;46;p10"/>
-          <p:cNvSpPr txBox="1"/>
+          <p:cNvSpPr txBox="1">
+            <a:spLocks noGrp="1"/>
+          </p:cNvSpPr>
           <p:nvPr>
-            <p:ph idx="12" type="sldNum"/>
+            <p:ph type="sldNum" idx="12"/>
           </p:nvPr>
         </p:nvSpPr>
         <p:spPr>
@@ -5207,7 +5543,7 @@
           </a:prstGeom>
         </p:spPr>
         <p:txBody>
-          <a:bodyPr anchorCtr="0" anchor="ctr" bIns="91425" lIns="91425" spcFirstLastPara="1" rIns="91425" wrap="square" tIns="91425">
+          <a:bodyPr spcFirstLastPara="1" wrap="square" lIns="91425" tIns="91425" rIns="91425" bIns="91425" anchor="ctr" anchorCtr="0">
             <a:noAutofit/>
           </a:bodyPr>
           <a:lstStyle>
@@ -5249,7 +5585,7 @@
             </a:lvl9pPr>
           </a:lstStyle>
           <a:p>
-            <a:pPr indent="0" lvl="0" marL="0" rtl="0" algn="r">
+            <a:pPr marL="0" lvl="0" indent="0" algn="r" rtl="0">
               <a:spcBef>
                 <a:spcPts val="0"/>
               </a:spcBef>
@@ -5260,7 +5596,7 @@
             </a:pPr>
             <a:fld id="{00000000-1234-1234-1234-123412341234}" type="slidenum">
               <a:rPr lang="es"/>
-              <a:t>‹#›</a:t>
+              <a:t>‹Nº›</a:t>
             </a:fld>
             <a:endParaRPr/>
           </a:p>
@@ -5275,18 +5611,19 @@
 </file>
 
 <file path=ppt/slideMasters/slideMaster1.xml><?xml version="1.0" encoding="utf-8"?>
-<p:sldMaster xmlns:a="http://schemas.openxmlformats.org/drawingml/2006/main" xmlns:r="http://schemas.openxmlformats.org/officeDocument/2006/relationships" xmlns:mc="http://schemas.openxmlformats.org/markup-compatibility/2006" xmlns:mv="urn:schemas-microsoft-com:mac:vml" xmlns:p="http://schemas.openxmlformats.org/presentationml/2006/main" xmlns:c="http://schemas.openxmlformats.org/drawingml/2006/chart" xmlns:dgm="http://schemas.openxmlformats.org/drawingml/2006/diagram" xmlns:o="urn:schemas-microsoft-com:office:office" xmlns:v="urn:schemas-microsoft-com:vml" xmlns:pvml="urn:schemas-microsoft-com:office:powerpoint" xmlns:com="http://schemas.openxmlformats.org/drawingml/2006/compatibility" xmlns:p14="http://schemas.microsoft.com/office/powerpoint/2010/main" xmlns:p15="http://schemas.microsoft.com/office/powerpoint/2012/main">
+<p:sldMaster xmlns:a="http://schemas.openxmlformats.org/drawingml/2006/main" xmlns:r="http://schemas.openxmlformats.org/officeDocument/2006/relationships" xmlns:p="http://schemas.openxmlformats.org/presentationml/2006/main">
   <p:cSld name="plum">
     <p:bg>
       <p:bgPr>
         <a:solidFill>
           <a:schemeClr val="lt1"/>
         </a:solidFill>
+        <a:effectLst/>
       </p:bgPr>
     </p:bg>
     <p:spTree>
       <p:nvGrpSpPr>
-        <p:cNvPr id="5" name="Shape 5"/>
+        <p:cNvPr id="1" name="Shape 5"/>
         <p:cNvGrpSpPr/>
         <p:nvPr/>
       </p:nvGrpSpPr>
@@ -5301,7 +5638,9 @@
       <p:sp>
         <p:nvSpPr>
           <p:cNvPr id="6" name="Google Shape;6;p1"/>
-          <p:cNvSpPr txBox="1"/>
+          <p:cNvSpPr txBox="1">
+            <a:spLocks noGrp="1"/>
+          </p:cNvSpPr>
           <p:nvPr>
             <p:ph type="title"/>
           </p:nvPr>
@@ -5320,7 +5659,7 @@
           </a:ln>
         </p:spPr>
         <p:txBody>
-          <a:bodyPr anchorCtr="0" anchor="t" bIns="91425" lIns="91425" spcFirstLastPara="1" rIns="91425" wrap="square" tIns="91425">
+          <a:bodyPr spcFirstLastPara="1" wrap="square" lIns="91425" tIns="91425" rIns="91425" bIns="91425" anchor="t" anchorCtr="0">
             <a:noAutofit/>
           </a:bodyPr>
           <a:lstStyle>
@@ -5337,7 +5676,7 @@
               <a:buSzPts val="3000"/>
               <a:buFont typeface="Raleway"/>
               <a:buNone/>
-              <a:defRPr b="1" sz="3000">
+              <a:defRPr sz="3000" b="1">
                 <a:solidFill>
                   <a:schemeClr val="dk2"/>
                 </a:solidFill>
@@ -5360,7 +5699,7 @@
               <a:buSzPts val="3000"/>
               <a:buFont typeface="Raleway"/>
               <a:buNone/>
-              <a:defRPr b="1" sz="3000">
+              <a:defRPr sz="3000" b="1">
                 <a:solidFill>
                   <a:schemeClr val="dk2"/>
                 </a:solidFill>
@@ -5383,7 +5722,7 @@
               <a:buSzPts val="3000"/>
               <a:buFont typeface="Raleway"/>
               <a:buNone/>
-              <a:defRPr b="1" sz="3000">
+              <a:defRPr sz="3000" b="1">
                 <a:solidFill>
                   <a:schemeClr val="dk2"/>
                 </a:solidFill>
@@ -5406,7 +5745,7 @@
               <a:buSzPts val="3000"/>
               <a:buFont typeface="Raleway"/>
               <a:buNone/>
-              <a:defRPr b="1" sz="3000">
+              <a:defRPr sz="3000" b="1">
                 <a:solidFill>
                   <a:schemeClr val="dk2"/>
                 </a:solidFill>
@@ -5429,7 +5768,7 @@
               <a:buSzPts val="3000"/>
               <a:buFont typeface="Raleway"/>
               <a:buNone/>
-              <a:defRPr b="1" sz="3000">
+              <a:defRPr sz="3000" b="1">
                 <a:solidFill>
                   <a:schemeClr val="dk2"/>
                 </a:solidFill>
@@ -5452,7 +5791,7 @@
               <a:buSzPts val="3000"/>
               <a:buFont typeface="Raleway"/>
               <a:buNone/>
-              <a:defRPr b="1" sz="3000">
+              <a:defRPr sz="3000" b="1">
                 <a:solidFill>
                   <a:schemeClr val="dk2"/>
                 </a:solidFill>
@@ -5475,7 +5814,7 @@
               <a:buSzPts val="3000"/>
               <a:buFont typeface="Raleway"/>
               <a:buNone/>
-              <a:defRPr b="1" sz="3000">
+              <a:defRPr sz="3000" b="1">
                 <a:solidFill>
                   <a:schemeClr val="dk2"/>
                 </a:solidFill>
@@ -5498,7 +5837,7 @@
               <a:buSzPts val="3000"/>
               <a:buFont typeface="Raleway"/>
               <a:buNone/>
-              <a:defRPr b="1" sz="3000">
+              <a:defRPr sz="3000" b="1">
                 <a:solidFill>
                   <a:schemeClr val="dk2"/>
                 </a:solidFill>
@@ -5521,7 +5860,7 @@
               <a:buSzPts val="3000"/>
               <a:buFont typeface="Raleway"/>
               <a:buNone/>
-              <a:defRPr b="1" sz="3000">
+              <a:defRPr sz="3000" b="1">
                 <a:solidFill>
                   <a:schemeClr val="dk2"/>
                 </a:solidFill>
@@ -5532,15 +5871,19 @@
               </a:defRPr>
             </a:lvl9pPr>
           </a:lstStyle>
-          <a:p/>
+          <a:p>
+            <a:endParaRPr/>
+          </a:p>
         </p:txBody>
       </p:sp>
       <p:sp>
         <p:nvSpPr>
           <p:cNvPr id="7" name="Google Shape;7;p1"/>
-          <p:cNvSpPr txBox="1"/>
+          <p:cNvSpPr txBox="1">
+            <a:spLocks noGrp="1"/>
+          </p:cNvSpPr>
           <p:nvPr>
-            <p:ph idx="1" type="body"/>
+            <p:ph type="body" idx="1"/>
           </p:nvPr>
         </p:nvSpPr>
         <p:spPr>
@@ -5557,11 +5900,11 @@
           </a:ln>
         </p:spPr>
         <p:txBody>
-          <a:bodyPr anchorCtr="0" anchor="t" bIns="91425" lIns="91425" spcFirstLastPara="1" rIns="91425" wrap="square" tIns="91425">
+          <a:bodyPr spcFirstLastPara="1" wrap="square" lIns="91425" tIns="91425" rIns="91425" bIns="91425" anchor="t" anchorCtr="0">
             <a:noAutofit/>
           </a:bodyPr>
           <a:lstStyle>
-            <a:lvl1pPr indent="-342900" lvl="0" marL="457200">
+            <a:lvl1pPr marL="457200" lvl="0" indent="-342900">
               <a:lnSpc>
                 <a:spcPct val="115000"/>
               </a:lnSpc>
@@ -5587,7 +5930,7 @@
                 <a:sym typeface="Source Sans Pro"/>
               </a:defRPr>
             </a:lvl1pPr>
-            <a:lvl2pPr indent="-317500" lvl="1" marL="914400">
+            <a:lvl2pPr marL="914400" lvl="1" indent="-317500">
               <a:lnSpc>
                 <a:spcPct val="115000"/>
               </a:lnSpc>
@@ -5613,7 +5956,7 @@
                 <a:sym typeface="Source Sans Pro"/>
               </a:defRPr>
             </a:lvl2pPr>
-            <a:lvl3pPr indent="-317500" lvl="2" marL="1371600">
+            <a:lvl3pPr marL="1371600" lvl="2" indent="-317500">
               <a:lnSpc>
                 <a:spcPct val="115000"/>
               </a:lnSpc>
@@ -5639,7 +5982,7 @@
                 <a:sym typeface="Source Sans Pro"/>
               </a:defRPr>
             </a:lvl3pPr>
-            <a:lvl4pPr indent="-317500" lvl="3" marL="1828800">
+            <a:lvl4pPr marL="1828800" lvl="3" indent="-317500">
               <a:lnSpc>
                 <a:spcPct val="115000"/>
               </a:lnSpc>
@@ -5665,7 +6008,7 @@
                 <a:sym typeface="Source Sans Pro"/>
               </a:defRPr>
             </a:lvl4pPr>
-            <a:lvl5pPr indent="-317500" lvl="4" marL="2286000">
+            <a:lvl5pPr marL="2286000" lvl="4" indent="-317500">
               <a:lnSpc>
                 <a:spcPct val="115000"/>
               </a:lnSpc>
@@ -5691,7 +6034,7 @@
                 <a:sym typeface="Source Sans Pro"/>
               </a:defRPr>
             </a:lvl5pPr>
-            <a:lvl6pPr indent="-317500" lvl="5" marL="2743200">
+            <a:lvl6pPr marL="2743200" lvl="5" indent="-317500">
               <a:lnSpc>
                 <a:spcPct val="115000"/>
               </a:lnSpc>
@@ -5717,7 +6060,7 @@
                 <a:sym typeface="Source Sans Pro"/>
               </a:defRPr>
             </a:lvl6pPr>
-            <a:lvl7pPr indent="-317500" lvl="6" marL="3200400">
+            <a:lvl7pPr marL="3200400" lvl="6" indent="-317500">
               <a:lnSpc>
                 <a:spcPct val="115000"/>
               </a:lnSpc>
@@ -5743,7 +6086,7 @@
                 <a:sym typeface="Source Sans Pro"/>
               </a:defRPr>
             </a:lvl7pPr>
-            <a:lvl8pPr indent="-317500" lvl="7" marL="3657600">
+            <a:lvl8pPr marL="3657600" lvl="7" indent="-317500">
               <a:lnSpc>
                 <a:spcPct val="115000"/>
               </a:lnSpc>
@@ -5769,7 +6112,7 @@
                 <a:sym typeface="Source Sans Pro"/>
               </a:defRPr>
             </a:lvl8pPr>
-            <a:lvl9pPr indent="-317500" lvl="8" marL="4114800">
+            <a:lvl9pPr marL="4114800" lvl="8" indent="-317500">
               <a:lnSpc>
                 <a:spcPct val="115000"/>
               </a:lnSpc>
@@ -5796,15 +6139,19 @@
               </a:defRPr>
             </a:lvl9pPr>
           </a:lstStyle>
-          <a:p/>
+          <a:p>
+            <a:endParaRPr/>
+          </a:p>
         </p:txBody>
       </p:sp>
       <p:sp>
         <p:nvSpPr>
           <p:cNvPr id="8" name="Google Shape;8;p1"/>
-          <p:cNvSpPr txBox="1"/>
+          <p:cNvSpPr txBox="1">
+            <a:spLocks noGrp="1"/>
+          </p:cNvSpPr>
           <p:nvPr>
-            <p:ph idx="12" type="sldNum"/>
+            <p:ph type="sldNum" idx="12"/>
           </p:nvPr>
         </p:nvSpPr>
         <p:spPr>
@@ -5821,7 +6168,7 @@
           </a:ln>
         </p:spPr>
         <p:txBody>
-          <a:bodyPr anchorCtr="0" anchor="ctr" bIns="91425" lIns="91425" spcFirstLastPara="1" rIns="91425" wrap="square" tIns="91425">
+          <a:bodyPr spcFirstLastPara="1" wrap="square" lIns="91425" tIns="91425" rIns="91425" bIns="91425" anchor="ctr" anchorCtr="0">
             <a:noAutofit/>
           </a:bodyPr>
           <a:lstStyle>
@@ -5935,7 +6282,7 @@
             </a:lvl9pPr>
           </a:lstStyle>
           <a:p>
-            <a:pPr indent="0" lvl="0" marL="0" rtl="0" algn="r">
+            <a:pPr marL="0" lvl="0" indent="0" algn="r" rtl="0">
               <a:spcBef>
                 <a:spcPts val="0"/>
               </a:spcBef>
@@ -5946,7 +6293,7 @@
             </a:pPr>
             <a:fld id="{00000000-1234-1234-1234-123412341234}" type="slidenum">
               <a:rPr lang="es"/>
-              <a:t>‹#›</a:t>
+              <a:t>‹Nº›</a:t>
             </a:fld>
             <a:endParaRPr/>
           </a:p>
@@ -5954,7 +6301,7 @@
       </p:sp>
     </p:spTree>
   </p:cSld>
-  <p:clrMap accent1="accent1" accent2="accent2" accent3="accent3" accent4="accent4" accent5="accent5" accent6="accent6" bg1="lt1" bg2="dk2" tx1="dk1" tx2="lt2" folHlink="folHlink" hlink="hlink"/>
+  <p:clrMap bg1="lt1" tx1="dk1" bg2="dk2" tx2="lt2" accent1="accent1" accent2="accent2" accent3="accent3" accent4="accent4" accent5="accent5" accent6="accent6" hlink="hlink" folHlink="folHlink"/>
   <p:sldLayoutIdLst>
     <p:sldLayoutId id="2147483648" r:id="rId1"/>
     <p:sldLayoutId id="2147483649" r:id="rId2"/>
@@ -5968,10 +6315,10 @@
     <p:sldLayoutId id="2147483657" r:id="rId10"/>
     <p:sldLayoutId id="2147483658" r:id="rId11"/>
   </p:sldLayoutIdLst>
-  <p:hf dt="0" ftr="0" hdr="0" sldNum="0"/>
+  <p:hf sldNum="0" hdr="0" ftr="0" dt="0"/>
   <p:txStyles>
     <p:titleStyle>
-      <a:defPPr lvl="0" marR="0" rtl="0" algn="l">
+      <a:defPPr marR="0" lvl="0" algn="l" rtl="0">
         <a:lnSpc>
           <a:spcPct val="100000"/>
         </a:lnSpc>
@@ -5982,7 +6329,7 @@
           <a:spcPts val="0"/>
         </a:spcAft>
       </a:defPPr>
-      <a:lvl1pPr lvl="0" marR="0" rtl="0" algn="l">
+      <a:lvl1pPr marR="0" lvl="0" algn="l" rtl="0">
         <a:lnSpc>
           <a:spcPct val="100000"/>
         </a:lnSpc>
@@ -5996,7 +6343,7 @@
           <a:srgbClr val="000000"/>
         </a:buClr>
         <a:buFont typeface="Arial"/>
-        <a:defRPr b="0" i="0" sz="1400" u="none" cap="none" strike="noStrike">
+        <a:defRPr sz="1400" b="0" i="0" u="none" strike="noStrike" cap="none">
           <a:solidFill>
             <a:srgbClr val="000000"/>
           </a:solidFill>
@@ -6006,7 +6353,7 @@
           <a:sym typeface="Arial"/>
         </a:defRPr>
       </a:lvl1pPr>
-      <a:lvl2pPr lvl="1" marR="0" rtl="0" algn="l">
+      <a:lvl2pPr marR="0" lvl="1" algn="l" rtl="0">
         <a:lnSpc>
           <a:spcPct val="100000"/>
         </a:lnSpc>
@@ -6020,7 +6367,7 @@
           <a:srgbClr val="000000"/>
         </a:buClr>
         <a:buFont typeface="Arial"/>
-        <a:defRPr b="0" i="0" sz="1400" u="none" cap="none" strike="noStrike">
+        <a:defRPr sz="1400" b="0" i="0" u="none" strike="noStrike" cap="none">
           <a:solidFill>
             <a:srgbClr val="000000"/>
           </a:solidFill>
@@ -6030,7 +6377,7 @@
           <a:sym typeface="Arial"/>
         </a:defRPr>
       </a:lvl2pPr>
-      <a:lvl3pPr lvl="2" marR="0" rtl="0" algn="l">
+      <a:lvl3pPr marR="0" lvl="2" algn="l" rtl="0">
         <a:lnSpc>
           <a:spcPct val="100000"/>
         </a:lnSpc>
@@ -6044,7 +6391,7 @@
           <a:srgbClr val="000000"/>
         </a:buClr>
         <a:buFont typeface="Arial"/>
-        <a:defRPr b="0" i="0" sz="1400" u="none" cap="none" strike="noStrike">
+        <a:defRPr sz="1400" b="0" i="0" u="none" strike="noStrike" cap="none">
           <a:solidFill>
             <a:srgbClr val="000000"/>
           </a:solidFill>
@@ -6054,7 +6401,7 @@
           <a:sym typeface="Arial"/>
         </a:defRPr>
       </a:lvl3pPr>
-      <a:lvl4pPr lvl="3" marR="0" rtl="0" algn="l">
+      <a:lvl4pPr marR="0" lvl="3" algn="l" rtl="0">
         <a:lnSpc>
           <a:spcPct val="100000"/>
         </a:lnSpc>
@@ -6068,7 +6415,7 @@
           <a:srgbClr val="000000"/>
         </a:buClr>
         <a:buFont typeface="Arial"/>
-        <a:defRPr b="0" i="0" sz="1400" u="none" cap="none" strike="noStrike">
+        <a:defRPr sz="1400" b="0" i="0" u="none" strike="noStrike" cap="none">
           <a:solidFill>
             <a:srgbClr val="000000"/>
           </a:solidFill>
@@ -6078,7 +6425,7 @@
           <a:sym typeface="Arial"/>
         </a:defRPr>
       </a:lvl4pPr>
-      <a:lvl5pPr lvl="4" marR="0" rtl="0" algn="l">
+      <a:lvl5pPr marR="0" lvl="4" algn="l" rtl="0">
         <a:lnSpc>
           <a:spcPct val="100000"/>
         </a:lnSpc>
@@ -6092,7 +6439,7 @@
           <a:srgbClr val="000000"/>
         </a:buClr>
         <a:buFont typeface="Arial"/>
-        <a:defRPr b="0" i="0" sz="1400" u="none" cap="none" strike="noStrike">
+        <a:defRPr sz="1400" b="0" i="0" u="none" strike="noStrike" cap="none">
           <a:solidFill>
             <a:srgbClr val="000000"/>
           </a:solidFill>
@@ -6102,7 +6449,7 @@
           <a:sym typeface="Arial"/>
         </a:defRPr>
       </a:lvl5pPr>
-      <a:lvl6pPr lvl="5" marR="0" rtl="0" algn="l">
+      <a:lvl6pPr marR="0" lvl="5" algn="l" rtl="0">
         <a:lnSpc>
           <a:spcPct val="100000"/>
         </a:lnSpc>
@@ -6116,7 +6463,7 @@
           <a:srgbClr val="000000"/>
         </a:buClr>
         <a:buFont typeface="Arial"/>
-        <a:defRPr b="0" i="0" sz="1400" u="none" cap="none" strike="noStrike">
+        <a:defRPr sz="1400" b="0" i="0" u="none" strike="noStrike" cap="none">
           <a:solidFill>
             <a:srgbClr val="000000"/>
           </a:solidFill>
@@ -6126,7 +6473,7 @@
           <a:sym typeface="Arial"/>
         </a:defRPr>
       </a:lvl6pPr>
-      <a:lvl7pPr lvl="6" marR="0" rtl="0" algn="l">
+      <a:lvl7pPr marR="0" lvl="6" algn="l" rtl="0">
         <a:lnSpc>
           <a:spcPct val="100000"/>
         </a:lnSpc>
@@ -6140,7 +6487,7 @@
           <a:srgbClr val="000000"/>
         </a:buClr>
         <a:buFont typeface="Arial"/>
-        <a:defRPr b="0" i="0" sz="1400" u="none" cap="none" strike="noStrike">
+        <a:defRPr sz="1400" b="0" i="0" u="none" strike="noStrike" cap="none">
           <a:solidFill>
             <a:srgbClr val="000000"/>
           </a:solidFill>
@@ -6150,7 +6497,7 @@
           <a:sym typeface="Arial"/>
         </a:defRPr>
       </a:lvl7pPr>
-      <a:lvl8pPr lvl="7" marR="0" rtl="0" algn="l">
+      <a:lvl8pPr marR="0" lvl="7" algn="l" rtl="0">
         <a:lnSpc>
           <a:spcPct val="100000"/>
         </a:lnSpc>
@@ -6164,7 +6511,7 @@
           <a:srgbClr val="000000"/>
         </a:buClr>
         <a:buFont typeface="Arial"/>
-        <a:defRPr b="0" i="0" sz="1400" u="none" cap="none" strike="noStrike">
+        <a:defRPr sz="1400" b="0" i="0" u="none" strike="noStrike" cap="none">
           <a:solidFill>
             <a:srgbClr val="000000"/>
           </a:solidFill>
@@ -6174,7 +6521,7 @@
           <a:sym typeface="Arial"/>
         </a:defRPr>
       </a:lvl8pPr>
-      <a:lvl9pPr lvl="8" marR="0" rtl="0" algn="l">
+      <a:lvl9pPr marR="0" lvl="8" algn="l" rtl="0">
         <a:lnSpc>
           <a:spcPct val="100000"/>
         </a:lnSpc>
@@ -6188,7 +6535,7 @@
           <a:srgbClr val="000000"/>
         </a:buClr>
         <a:buFont typeface="Arial"/>
-        <a:defRPr b="0" i="0" sz="1400" u="none" cap="none" strike="noStrike">
+        <a:defRPr sz="1400" b="0" i="0" u="none" strike="noStrike" cap="none">
           <a:solidFill>
             <a:srgbClr val="000000"/>
           </a:solidFill>
@@ -6200,7 +6547,7 @@
       </a:lvl9pPr>
     </p:titleStyle>
     <p:bodyStyle>
-      <a:defPPr lvl="0" marR="0" rtl="0" algn="l">
+      <a:defPPr marR="0" lvl="0" algn="l" rtl="0">
         <a:lnSpc>
           <a:spcPct val="100000"/>
         </a:lnSpc>
@@ -6211,7 +6558,7 @@
           <a:spcPts val="0"/>
         </a:spcAft>
       </a:defPPr>
-      <a:lvl1pPr lvl="0" marR="0" rtl="0" algn="l">
+      <a:lvl1pPr marR="0" lvl="0" algn="l" rtl="0">
         <a:lnSpc>
           <a:spcPct val="100000"/>
         </a:lnSpc>
@@ -6225,7 +6572,7 @@
           <a:srgbClr val="000000"/>
         </a:buClr>
         <a:buFont typeface="Arial"/>
-        <a:defRPr b="0" i="0" sz="1400" u="none" cap="none" strike="noStrike">
+        <a:defRPr sz="1400" b="0" i="0" u="none" strike="noStrike" cap="none">
           <a:solidFill>
             <a:srgbClr val="000000"/>
           </a:solidFill>
@@ -6235,7 +6582,7 @@
           <a:sym typeface="Arial"/>
         </a:defRPr>
       </a:lvl1pPr>
-      <a:lvl2pPr lvl="1" marR="0" rtl="0" algn="l">
+      <a:lvl2pPr marR="0" lvl="1" algn="l" rtl="0">
         <a:lnSpc>
           <a:spcPct val="100000"/>
         </a:lnSpc>
@@ -6249,7 +6596,7 @@
           <a:srgbClr val="000000"/>
         </a:buClr>
         <a:buFont typeface="Arial"/>
-        <a:defRPr b="0" i="0" sz="1400" u="none" cap="none" strike="noStrike">
+        <a:defRPr sz="1400" b="0" i="0" u="none" strike="noStrike" cap="none">
           <a:solidFill>
             <a:srgbClr val="000000"/>
           </a:solidFill>
@@ -6259,7 +6606,7 @@
           <a:sym typeface="Arial"/>
         </a:defRPr>
       </a:lvl2pPr>
-      <a:lvl3pPr lvl="2" marR="0" rtl="0" algn="l">
+      <a:lvl3pPr marR="0" lvl="2" algn="l" rtl="0">
         <a:lnSpc>
           <a:spcPct val="100000"/>
         </a:lnSpc>
@@ -6273,7 +6620,7 @@
           <a:srgbClr val="000000"/>
         </a:buClr>
         <a:buFont typeface="Arial"/>
-        <a:defRPr b="0" i="0" sz="1400" u="none" cap="none" strike="noStrike">
+        <a:defRPr sz="1400" b="0" i="0" u="none" strike="noStrike" cap="none">
           <a:solidFill>
             <a:srgbClr val="000000"/>
           </a:solidFill>
@@ -6283,7 +6630,7 @@
           <a:sym typeface="Arial"/>
         </a:defRPr>
       </a:lvl3pPr>
-      <a:lvl4pPr lvl="3" marR="0" rtl="0" algn="l">
+      <a:lvl4pPr marR="0" lvl="3" algn="l" rtl="0">
         <a:lnSpc>
           <a:spcPct val="100000"/>
         </a:lnSpc>
@@ -6297,7 +6644,7 @@
           <a:srgbClr val="000000"/>
         </a:buClr>
         <a:buFont typeface="Arial"/>
-        <a:defRPr b="0" i="0" sz="1400" u="none" cap="none" strike="noStrike">
+        <a:defRPr sz="1400" b="0" i="0" u="none" strike="noStrike" cap="none">
           <a:solidFill>
             <a:srgbClr val="000000"/>
           </a:solidFill>
@@ -6307,7 +6654,7 @@
           <a:sym typeface="Arial"/>
         </a:defRPr>
       </a:lvl4pPr>
-      <a:lvl5pPr lvl="4" marR="0" rtl="0" algn="l">
+      <a:lvl5pPr marR="0" lvl="4" algn="l" rtl="0">
         <a:lnSpc>
           <a:spcPct val="100000"/>
         </a:lnSpc>
@@ -6321,7 +6668,7 @@
           <a:srgbClr val="000000"/>
         </a:buClr>
         <a:buFont typeface="Arial"/>
-        <a:defRPr b="0" i="0" sz="1400" u="none" cap="none" strike="noStrike">
+        <a:defRPr sz="1400" b="0" i="0" u="none" strike="noStrike" cap="none">
           <a:solidFill>
             <a:srgbClr val="000000"/>
           </a:solidFill>
@@ -6331,7 +6678,7 @@
           <a:sym typeface="Arial"/>
         </a:defRPr>
       </a:lvl5pPr>
-      <a:lvl6pPr lvl="5" marR="0" rtl="0" algn="l">
+      <a:lvl6pPr marR="0" lvl="5" algn="l" rtl="0">
         <a:lnSpc>
           <a:spcPct val="100000"/>
         </a:lnSpc>
@@ -6345,7 +6692,7 @@
           <a:srgbClr val="000000"/>
         </a:buClr>
         <a:buFont typeface="Arial"/>
-        <a:defRPr b="0" i="0" sz="1400" u="none" cap="none" strike="noStrike">
+        <a:defRPr sz="1400" b="0" i="0" u="none" strike="noStrike" cap="none">
           <a:solidFill>
             <a:srgbClr val="000000"/>
           </a:solidFill>
@@ -6355,7 +6702,7 @@
           <a:sym typeface="Arial"/>
         </a:defRPr>
       </a:lvl6pPr>
-      <a:lvl7pPr lvl="6" marR="0" rtl="0" algn="l">
+      <a:lvl7pPr marR="0" lvl="6" algn="l" rtl="0">
         <a:lnSpc>
           <a:spcPct val="100000"/>
         </a:lnSpc>
@@ -6369,7 +6716,7 @@
           <a:srgbClr val="000000"/>
         </a:buClr>
         <a:buFont typeface="Arial"/>
-        <a:defRPr b="0" i="0" sz="1400" u="none" cap="none" strike="noStrike">
+        <a:defRPr sz="1400" b="0" i="0" u="none" strike="noStrike" cap="none">
           <a:solidFill>
             <a:srgbClr val="000000"/>
           </a:solidFill>
@@ -6379,7 +6726,7 @@
           <a:sym typeface="Arial"/>
         </a:defRPr>
       </a:lvl7pPr>
-      <a:lvl8pPr lvl="7" marR="0" rtl="0" algn="l">
+      <a:lvl8pPr marR="0" lvl="7" algn="l" rtl="0">
         <a:lnSpc>
           <a:spcPct val="100000"/>
         </a:lnSpc>
@@ -6393,7 +6740,7 @@
           <a:srgbClr val="000000"/>
         </a:buClr>
         <a:buFont typeface="Arial"/>
-        <a:defRPr b="0" i="0" sz="1400" u="none" cap="none" strike="noStrike">
+        <a:defRPr sz="1400" b="0" i="0" u="none" strike="noStrike" cap="none">
           <a:solidFill>
             <a:srgbClr val="000000"/>
           </a:solidFill>
@@ -6403,7 +6750,7 @@
           <a:sym typeface="Arial"/>
         </a:defRPr>
       </a:lvl8pPr>
-      <a:lvl9pPr lvl="8" marR="0" rtl="0" algn="l">
+      <a:lvl9pPr marR="0" lvl="8" algn="l" rtl="0">
         <a:lnSpc>
           <a:spcPct val="100000"/>
         </a:lnSpc>
@@ -6417,7 +6764,7 @@
           <a:srgbClr val="000000"/>
         </a:buClr>
         <a:buFont typeface="Arial"/>
-        <a:defRPr b="0" i="0" sz="1400" u="none" cap="none" strike="noStrike">
+        <a:defRPr sz="1400" b="0" i="0" u="none" strike="noStrike" cap="none">
           <a:solidFill>
             <a:srgbClr val="000000"/>
           </a:solidFill>
@@ -6429,7 +6776,7 @@
       </a:lvl9pPr>
     </p:bodyStyle>
     <p:otherStyle>
-      <a:defPPr lvl="0" marR="0" rtl="0" algn="l">
+      <a:defPPr marR="0" lvl="0" algn="l" rtl="0">
         <a:lnSpc>
           <a:spcPct val="100000"/>
         </a:lnSpc>
@@ -6440,7 +6787,7 @@
           <a:spcPts val="0"/>
         </a:spcAft>
       </a:defPPr>
-      <a:lvl1pPr lvl="0" marR="0" rtl="0" algn="l">
+      <a:lvl1pPr marR="0" lvl="0" algn="l" rtl="0">
         <a:lnSpc>
           <a:spcPct val="100000"/>
         </a:lnSpc>
@@ -6454,7 +6801,7 @@
           <a:srgbClr val="000000"/>
         </a:buClr>
         <a:buFont typeface="Arial"/>
-        <a:defRPr b="0" i="0" sz="1400" u="none" cap="none" strike="noStrike">
+        <a:defRPr sz="1400" b="0" i="0" u="none" strike="noStrike" cap="none">
           <a:solidFill>
             <a:srgbClr val="000000"/>
           </a:solidFill>
@@ -6464,7 +6811,7 @@
           <a:sym typeface="Arial"/>
         </a:defRPr>
       </a:lvl1pPr>
-      <a:lvl2pPr lvl="1" marR="0" rtl="0" algn="l">
+      <a:lvl2pPr marR="0" lvl="1" algn="l" rtl="0">
         <a:lnSpc>
           <a:spcPct val="100000"/>
         </a:lnSpc>
@@ -6478,7 +6825,7 @@
           <a:srgbClr val="000000"/>
         </a:buClr>
         <a:buFont typeface="Arial"/>
-        <a:defRPr b="0" i="0" sz="1400" u="none" cap="none" strike="noStrike">
+        <a:defRPr sz="1400" b="0" i="0" u="none" strike="noStrike" cap="none">
           <a:solidFill>
             <a:srgbClr val="000000"/>
           </a:solidFill>
@@ -6488,7 +6835,7 @@
           <a:sym typeface="Arial"/>
         </a:defRPr>
       </a:lvl2pPr>
-      <a:lvl3pPr lvl="2" marR="0" rtl="0" algn="l">
+      <a:lvl3pPr marR="0" lvl="2" algn="l" rtl="0">
         <a:lnSpc>
           <a:spcPct val="100000"/>
         </a:lnSpc>
@@ -6502,7 +6849,7 @@
           <a:srgbClr val="000000"/>
         </a:buClr>
         <a:buFont typeface="Arial"/>
-        <a:defRPr b="0" i="0" sz="1400" u="none" cap="none" strike="noStrike">
+        <a:defRPr sz="1400" b="0" i="0" u="none" strike="noStrike" cap="none">
           <a:solidFill>
             <a:srgbClr val="000000"/>
           </a:solidFill>
@@ -6512,7 +6859,7 @@
           <a:sym typeface="Arial"/>
         </a:defRPr>
       </a:lvl3pPr>
-      <a:lvl4pPr lvl="3" marR="0" rtl="0" algn="l">
+      <a:lvl4pPr marR="0" lvl="3" algn="l" rtl="0">
         <a:lnSpc>
           <a:spcPct val="100000"/>
         </a:lnSpc>
@@ -6526,7 +6873,7 @@
           <a:srgbClr val="000000"/>
         </a:buClr>
         <a:buFont typeface="Arial"/>
-        <a:defRPr b="0" i="0" sz="1400" u="none" cap="none" strike="noStrike">
+        <a:defRPr sz="1400" b="0" i="0" u="none" strike="noStrike" cap="none">
           <a:solidFill>
             <a:srgbClr val="000000"/>
           </a:solidFill>
@@ -6536,7 +6883,7 @@
           <a:sym typeface="Arial"/>
         </a:defRPr>
       </a:lvl4pPr>
-      <a:lvl5pPr lvl="4" marR="0" rtl="0" algn="l">
+      <a:lvl5pPr marR="0" lvl="4" algn="l" rtl="0">
         <a:lnSpc>
           <a:spcPct val="100000"/>
         </a:lnSpc>
@@ -6550,7 +6897,7 @@
           <a:srgbClr val="000000"/>
         </a:buClr>
         <a:buFont typeface="Arial"/>
-        <a:defRPr b="0" i="0" sz="1400" u="none" cap="none" strike="noStrike">
+        <a:defRPr sz="1400" b="0" i="0" u="none" strike="noStrike" cap="none">
           <a:solidFill>
             <a:srgbClr val="000000"/>
           </a:solidFill>
@@ -6560,7 +6907,7 @@
           <a:sym typeface="Arial"/>
         </a:defRPr>
       </a:lvl5pPr>
-      <a:lvl6pPr lvl="5" marR="0" rtl="0" algn="l">
+      <a:lvl6pPr marR="0" lvl="5" algn="l" rtl="0">
         <a:lnSpc>
           <a:spcPct val="100000"/>
         </a:lnSpc>
@@ -6574,7 +6921,7 @@
           <a:srgbClr val="000000"/>
         </a:buClr>
         <a:buFont typeface="Arial"/>
-        <a:defRPr b="0" i="0" sz="1400" u="none" cap="none" strike="noStrike">
+        <a:defRPr sz="1400" b="0" i="0" u="none" strike="noStrike" cap="none">
           <a:solidFill>
             <a:srgbClr val="000000"/>
           </a:solidFill>
@@ -6584,7 +6931,7 @@
           <a:sym typeface="Arial"/>
         </a:defRPr>
       </a:lvl6pPr>
-      <a:lvl7pPr lvl="6" marR="0" rtl="0" algn="l">
+      <a:lvl7pPr marR="0" lvl="6" algn="l" rtl="0">
         <a:lnSpc>
           <a:spcPct val="100000"/>
         </a:lnSpc>
@@ -6598,7 +6945,7 @@
           <a:srgbClr val="000000"/>
         </a:buClr>
         <a:buFont typeface="Arial"/>
-        <a:defRPr b="0" i="0" sz="1400" u="none" cap="none" strike="noStrike">
+        <a:defRPr sz="1400" b="0" i="0" u="none" strike="noStrike" cap="none">
           <a:solidFill>
             <a:srgbClr val="000000"/>
           </a:solidFill>
@@ -6608,7 +6955,7 @@
           <a:sym typeface="Arial"/>
         </a:defRPr>
       </a:lvl7pPr>
-      <a:lvl8pPr lvl="7" marR="0" rtl="0" algn="l">
+      <a:lvl8pPr marR="0" lvl="7" algn="l" rtl="0">
         <a:lnSpc>
           <a:spcPct val="100000"/>
         </a:lnSpc>
@@ -6622,7 +6969,7 @@
           <a:srgbClr val="000000"/>
         </a:buClr>
         <a:buFont typeface="Arial"/>
-        <a:defRPr b="0" i="0" sz="1400" u="none" cap="none" strike="noStrike">
+        <a:defRPr sz="1400" b="0" i="0" u="none" strike="noStrike" cap="none">
           <a:solidFill>
             <a:srgbClr val="000000"/>
           </a:solidFill>
@@ -6632,7 +6979,7 @@
           <a:sym typeface="Arial"/>
         </a:defRPr>
       </a:lvl8pPr>
-      <a:lvl9pPr lvl="8" marR="0" rtl="0" algn="l">
+      <a:lvl9pPr marR="0" lvl="8" algn="l" rtl="0">
         <a:lnSpc>
           <a:spcPct val="100000"/>
         </a:lnSpc>
@@ -6646,7 +6993,7 @@
           <a:srgbClr val="000000"/>
         </a:buClr>
         <a:buFont typeface="Arial"/>
-        <a:defRPr b="0" i="0" sz="1400" u="none" cap="none" strike="noStrike">
+        <a:defRPr sz="1400" b="0" i="0" u="none" strike="noStrike" cap="none">
           <a:solidFill>
             <a:srgbClr val="000000"/>
           </a:solidFill>
@@ -6662,11 +7009,11 @@
 </file>
 
 <file path=ppt/slides/slide1.xml><?xml version="1.0" encoding="utf-8"?>
-<p:sld xmlns:a="http://schemas.openxmlformats.org/drawingml/2006/main" xmlns:r="http://schemas.openxmlformats.org/officeDocument/2006/relationships" xmlns:mc="http://schemas.openxmlformats.org/markup-compatibility/2006" xmlns:mv="urn:schemas-microsoft-com:mac:vml" xmlns:p="http://schemas.openxmlformats.org/presentationml/2006/main" xmlns:c="http://schemas.openxmlformats.org/drawingml/2006/chart" xmlns:dgm="http://schemas.openxmlformats.org/drawingml/2006/diagram" xmlns:o="urn:schemas-microsoft-com:office:office" xmlns:v="urn:schemas-microsoft-com:vml" xmlns:pvml="urn:schemas-microsoft-com:office:powerpoint" xmlns:com="http://schemas.openxmlformats.org/drawingml/2006/compatibility" xmlns:p14="http://schemas.microsoft.com/office/powerpoint/2010/main" xmlns:p15="http://schemas.microsoft.com/office/powerpoint/2012/main">
+<p:sld xmlns:a="http://schemas.openxmlformats.org/drawingml/2006/main" xmlns:r="http://schemas.openxmlformats.org/officeDocument/2006/relationships" xmlns:p="http://schemas.openxmlformats.org/presentationml/2006/main">
   <p:cSld>
     <p:spTree>
       <p:nvGrpSpPr>
-        <p:cNvPr id="57" name="Shape 57"/>
+        <p:cNvPr id="1" name="Shape 57"/>
         <p:cNvGrpSpPr/>
         <p:nvPr/>
       </p:nvGrpSpPr>
@@ -6681,7 +7028,9 @@
       <p:sp>
         <p:nvSpPr>
           <p:cNvPr id="58" name="Google Shape;58;p13"/>
-          <p:cNvSpPr txBox="1"/>
+          <p:cNvSpPr txBox="1">
+            <a:spLocks noGrp="1"/>
+          </p:cNvSpPr>
           <p:nvPr>
             <p:ph type="ctrTitle"/>
           </p:nvPr>
@@ -6696,12 +7045,12 @@
           </a:prstGeom>
         </p:spPr>
         <p:txBody>
-          <a:bodyPr anchorCtr="0" anchor="b" bIns="91425" lIns="91425" spcFirstLastPara="1" rIns="91425" wrap="square" tIns="91425">
+          <a:bodyPr spcFirstLastPara="1" wrap="square" lIns="91425" tIns="91425" rIns="91425" bIns="91425" anchor="b" anchorCtr="0">
             <a:noAutofit/>
           </a:bodyPr>
           <a:lstStyle/>
           <a:p>
-            <a:pPr indent="0" lvl="0" marL="0" rtl="0" algn="l">
+            <a:pPr marL="0" lvl="0" indent="0" algn="l" rtl="0">
               <a:spcBef>
                 <a:spcPts val="0"/>
               </a:spcBef>
@@ -6717,7 +7066,7 @@
             <a:endParaRPr sz="3600"/>
           </a:p>
           <a:p>
-            <a:pPr indent="0" lvl="0" marL="3200400" rtl="0" algn="l">
+            <a:pPr marL="3200400" lvl="0" indent="0" algn="l" rtl="0">
               <a:spcBef>
                 <a:spcPts val="0"/>
               </a:spcBef>
@@ -6727,19 +7076,21 @@
               <a:buNone/>
             </a:pPr>
             <a:r>
-              <a:rPr b="0" lang="es" sz="2400"/>
+              <a:rPr lang="es" sz="2400" b="0"/>
               <a:t>GRUPO 3</a:t>
             </a:r>
-            <a:endParaRPr b="0" sz="2400"/>
+            <a:endParaRPr sz="2400" b="0"/>
           </a:p>
         </p:txBody>
       </p:sp>
       <p:sp>
         <p:nvSpPr>
           <p:cNvPr id="59" name="Google Shape;59;p13"/>
-          <p:cNvSpPr txBox="1"/>
+          <p:cNvSpPr txBox="1">
+            <a:spLocks noGrp="1"/>
+          </p:cNvSpPr>
           <p:nvPr>
-            <p:ph idx="1" type="subTitle"/>
+            <p:ph type="subTitle" idx="1"/>
           </p:nvPr>
         </p:nvSpPr>
         <p:spPr>
@@ -6752,12 +7103,12 @@
           </a:prstGeom>
         </p:spPr>
         <p:txBody>
-          <a:bodyPr anchorCtr="0" anchor="t" bIns="91425" lIns="91425" spcFirstLastPara="1" rIns="91425" wrap="square" tIns="91425">
+          <a:bodyPr spcFirstLastPara="1" wrap="square" lIns="91425" tIns="91425" rIns="91425" bIns="91425" anchor="t" anchorCtr="0">
             <a:noAutofit/>
           </a:bodyPr>
           <a:lstStyle/>
           <a:p>
-            <a:pPr indent="0" lvl="0" marL="0" rtl="0" algn="l">
+            <a:pPr marL="0" lvl="0" indent="0" algn="l" rtl="0">
               <a:spcBef>
                 <a:spcPts val="0"/>
               </a:spcBef>
@@ -6789,7 +7140,7 @@
             </a:endParaRPr>
           </a:p>
           <a:p>
-            <a:pPr indent="0" lvl="0" marL="0" rtl="0" algn="l">
+            <a:pPr marL="0" lvl="0" indent="0" algn="l" rtl="0">
               <a:spcBef>
                 <a:spcPts val="0"/>
               </a:spcBef>
@@ -6821,7 +7172,7 @@
             </a:endParaRPr>
           </a:p>
           <a:p>
-            <a:pPr indent="0" lvl="0" marL="0" rtl="0" algn="l">
+            <a:pPr marL="0" lvl="0" indent="0" algn="l" rtl="0">
               <a:spcBef>
                 <a:spcPts val="0"/>
               </a:spcBef>
@@ -6853,7 +7204,7 @@
             </a:endParaRPr>
           </a:p>
           <a:p>
-            <a:pPr indent="0" lvl="0" marL="0" rtl="0" algn="l">
+            <a:pPr marL="0" lvl="0" indent="0" algn="l" rtl="0">
               <a:spcBef>
                 <a:spcPts val="0"/>
               </a:spcBef>
@@ -6885,7 +7236,7 @@
             </a:endParaRPr>
           </a:p>
           <a:p>
-            <a:pPr indent="0" lvl="0" marL="0" rtl="0" algn="l">
+            <a:pPr marL="0" lvl="0" indent="0" algn="l" rtl="0">
               <a:spcBef>
                 <a:spcPts val="0"/>
               </a:spcBef>
@@ -6894,9 +7245,6 @@
               </a:spcAft>
               <a:buNone/>
             </a:pPr>
-            <a:r>
-              <a:t/>
-            </a:r>
             <a:endParaRPr>
               <a:latin typeface="Times New Roman"/>
               <a:ea typeface="Times New Roman"/>
@@ -6943,11 +7291,11 @@
 </file>
 
 <file path=ppt/slides/slide2.xml><?xml version="1.0" encoding="utf-8"?>
-<p:sld xmlns:a="http://schemas.openxmlformats.org/drawingml/2006/main" xmlns:r="http://schemas.openxmlformats.org/officeDocument/2006/relationships" xmlns:mc="http://schemas.openxmlformats.org/markup-compatibility/2006" xmlns:mv="urn:schemas-microsoft-com:mac:vml" xmlns:p="http://schemas.openxmlformats.org/presentationml/2006/main" xmlns:c="http://schemas.openxmlformats.org/drawingml/2006/chart" xmlns:dgm="http://schemas.openxmlformats.org/drawingml/2006/diagram" xmlns:o="urn:schemas-microsoft-com:office:office" xmlns:v="urn:schemas-microsoft-com:vml" xmlns:pvml="urn:schemas-microsoft-com:office:powerpoint" xmlns:com="http://schemas.openxmlformats.org/drawingml/2006/compatibility" xmlns:p14="http://schemas.microsoft.com/office/powerpoint/2010/main" xmlns:p15="http://schemas.microsoft.com/office/powerpoint/2012/main">
+<p:sld xmlns:a="http://schemas.openxmlformats.org/drawingml/2006/main" xmlns:r="http://schemas.openxmlformats.org/officeDocument/2006/relationships" xmlns:p="http://schemas.openxmlformats.org/presentationml/2006/main">
   <p:cSld>
     <p:spTree>
       <p:nvGrpSpPr>
-        <p:cNvPr id="64" name="Shape 64"/>
+        <p:cNvPr id="1" name="Shape 64"/>
         <p:cNvGrpSpPr/>
         <p:nvPr/>
       </p:nvGrpSpPr>
@@ -6962,7 +7310,9 @@
       <p:sp>
         <p:nvSpPr>
           <p:cNvPr id="65" name="Google Shape;65;p14"/>
-          <p:cNvSpPr txBox="1"/>
+          <p:cNvSpPr txBox="1">
+            <a:spLocks noGrp="1"/>
+          </p:cNvSpPr>
           <p:nvPr>
             <p:ph type="title"/>
           </p:nvPr>
@@ -6977,12 +7327,12 @@
           </a:prstGeom>
         </p:spPr>
         <p:txBody>
-          <a:bodyPr anchorCtr="0" anchor="b" bIns="91425" lIns="91425" spcFirstLastPara="1" rIns="91425" wrap="square" tIns="91425">
+          <a:bodyPr spcFirstLastPara="1" wrap="square" lIns="91425" tIns="91425" rIns="91425" bIns="91425" anchor="b" anchorCtr="0">
             <a:noAutofit/>
           </a:bodyPr>
           <a:lstStyle/>
           <a:p>
-            <a:pPr indent="457200" lvl="0" marL="1828800" rtl="0" algn="l">
+            <a:pPr marL="1828800" lvl="0" indent="457200" algn="l" rtl="0">
               <a:spcBef>
                 <a:spcPts val="0"/>
               </a:spcBef>
@@ -7002,9 +7352,11 @@
       <p:sp>
         <p:nvSpPr>
           <p:cNvPr id="66" name="Google Shape;66;p14"/>
-          <p:cNvSpPr txBox="1"/>
+          <p:cNvSpPr txBox="1">
+            <a:spLocks noGrp="1"/>
+          </p:cNvSpPr>
           <p:nvPr>
-            <p:ph idx="4294967295" type="subTitle"/>
+            <p:ph type="subTitle" idx="4294967295"/>
           </p:nvPr>
         </p:nvSpPr>
         <p:spPr>
@@ -7017,12 +7369,12 @@
           </a:prstGeom>
         </p:spPr>
         <p:txBody>
-          <a:bodyPr anchorCtr="0" anchor="t" bIns="91425" lIns="91425" spcFirstLastPara="1" rIns="91425" wrap="square" tIns="91425">
+          <a:bodyPr spcFirstLastPara="1" wrap="square" lIns="91425" tIns="91425" rIns="91425" bIns="91425" anchor="t" anchorCtr="0">
             <a:noAutofit/>
           </a:bodyPr>
           <a:lstStyle/>
           <a:p>
-            <a:pPr indent="0" lvl="0" marL="0" rtl="0" algn="l">
+            <a:pPr marL="0" lvl="0" indent="0" algn="l" rtl="0">
               <a:spcBef>
                 <a:spcPts val="0"/>
               </a:spcBef>
@@ -7031,9 +7383,6 @@
               </a:spcAft>
               <a:buNone/>
             </a:pPr>
-            <a:r>
-              <a:t/>
-            </a:r>
             <a:endParaRPr>
               <a:solidFill>
                 <a:srgbClr val="000000"/>
@@ -7041,7 +7390,7 @@
             </a:endParaRPr>
           </a:p>
           <a:p>
-            <a:pPr indent="-342900" lvl="0" marL="457200" rtl="0" algn="l">
+            <a:pPr marL="457200" lvl="0" indent="-342900" algn="l" rtl="0">
               <a:spcBef>
                 <a:spcPts val="1600"/>
               </a:spcBef>
@@ -7060,23 +7409,7 @@
                   <a:srgbClr val="FFFFFF"/>
                 </a:solidFill>
               </a:rPr>
-              <a:t>Dataset sobre las fuentes </a:t>
-            </a:r>
-            <a:r>
-              <a:rPr lang="es" sz="1800">
-                <a:solidFill>
-                  <a:srgbClr val="FFFFFF"/>
-                </a:solidFill>
-              </a:rPr>
-              <a:t>públicas</a:t>
-            </a:r>
-            <a:r>
-              <a:rPr lang="es" sz="1800">
-                <a:solidFill>
-                  <a:srgbClr val="FFFFFF"/>
-                </a:solidFill>
-              </a:rPr>
-              <a:t> de la Comunidad de Madrid</a:t>
+              <a:t>Dataset sobre las fuentes públicas de la Comunidad de Madrid</a:t>
             </a:r>
             <a:endParaRPr>
               <a:solidFill>
@@ -7085,7 +7418,7 @@
             </a:endParaRPr>
           </a:p>
           <a:p>
-            <a:pPr indent="-342900" lvl="0" marL="457200" rtl="0" algn="l">
+            <a:pPr marL="457200" lvl="0" indent="-342900" algn="l" rtl="0">
               <a:spcBef>
                 <a:spcPts val="0"/>
               </a:spcBef>
@@ -7113,7 +7446,7 @@
             </a:endParaRPr>
           </a:p>
           <a:p>
-            <a:pPr indent="0" lvl="0" marL="0" rtl="0" algn="l">
+            <a:pPr marL="0" lvl="0" indent="0" algn="l" rtl="0">
               <a:spcBef>
                 <a:spcPts val="1600"/>
               </a:spcBef>
@@ -7122,9 +7455,6 @@
               </a:spcAft>
               <a:buNone/>
             </a:pPr>
-            <a:r>
-              <a:t/>
-            </a:r>
             <a:endParaRPr/>
           </a:p>
         </p:txBody>
@@ -7138,11 +7468,11 @@
 </file>
 
 <file path=ppt/slides/slide3.xml><?xml version="1.0" encoding="utf-8"?>
-<p:sld xmlns:a="http://schemas.openxmlformats.org/drawingml/2006/main" xmlns:r="http://schemas.openxmlformats.org/officeDocument/2006/relationships" xmlns:mc="http://schemas.openxmlformats.org/markup-compatibility/2006" xmlns:mv="urn:schemas-microsoft-com:mac:vml" xmlns:p="http://schemas.openxmlformats.org/presentationml/2006/main" xmlns:c="http://schemas.openxmlformats.org/drawingml/2006/chart" xmlns:dgm="http://schemas.openxmlformats.org/drawingml/2006/diagram" xmlns:o="urn:schemas-microsoft-com:office:office" xmlns:v="urn:schemas-microsoft-com:vml" xmlns:pvml="urn:schemas-microsoft-com:office:powerpoint" xmlns:com="http://schemas.openxmlformats.org/drawingml/2006/compatibility" xmlns:p14="http://schemas.microsoft.com/office/powerpoint/2010/main" xmlns:p15="http://schemas.microsoft.com/office/powerpoint/2012/main">
+<p:sld xmlns:a="http://schemas.openxmlformats.org/drawingml/2006/main" xmlns:r="http://schemas.openxmlformats.org/officeDocument/2006/relationships" xmlns:p="http://schemas.openxmlformats.org/presentationml/2006/main">
   <p:cSld>
     <p:spTree>
       <p:nvGrpSpPr>
-        <p:cNvPr id="70" name="Shape 70"/>
+        <p:cNvPr id="1" name="Shape 70"/>
         <p:cNvGrpSpPr/>
         <p:nvPr/>
       </p:nvGrpSpPr>
@@ -7157,7 +7487,9 @@
       <p:sp>
         <p:nvSpPr>
           <p:cNvPr id="71" name="Google Shape;71;p15"/>
-          <p:cNvSpPr txBox="1"/>
+          <p:cNvSpPr txBox="1">
+            <a:spLocks noGrp="1"/>
+          </p:cNvSpPr>
           <p:nvPr>
             <p:ph type="title"/>
           </p:nvPr>
@@ -7172,12 +7504,12 @@
           </a:prstGeom>
         </p:spPr>
         <p:txBody>
-          <a:bodyPr anchorCtr="0" anchor="b" bIns="91425" lIns="91425" spcFirstLastPara="1" rIns="91425" wrap="square" tIns="91425">
+          <a:bodyPr spcFirstLastPara="1" wrap="square" lIns="91425" tIns="91425" rIns="91425" bIns="91425" anchor="b" anchorCtr="0">
             <a:noAutofit/>
           </a:bodyPr>
           <a:lstStyle/>
           <a:p>
-            <a:pPr indent="0" lvl="0" marL="0" rtl="0" algn="ctr">
+            <a:pPr marL="0" lvl="0" indent="0" algn="ctr" rtl="0">
               <a:spcBef>
                 <a:spcPts val="0"/>
               </a:spcBef>
@@ -7197,9 +7529,11 @@
       <p:sp>
         <p:nvSpPr>
           <p:cNvPr id="72" name="Google Shape;72;p15"/>
-          <p:cNvSpPr txBox="1"/>
+          <p:cNvSpPr txBox="1">
+            <a:spLocks noGrp="1"/>
+          </p:cNvSpPr>
           <p:nvPr>
-            <p:ph idx="1" type="subTitle"/>
+            <p:ph type="subTitle" idx="1"/>
           </p:nvPr>
         </p:nvSpPr>
         <p:spPr>
@@ -7212,12 +7546,12 @@
           </a:prstGeom>
         </p:spPr>
         <p:txBody>
-          <a:bodyPr anchorCtr="0" anchor="t" bIns="91425" lIns="91425" spcFirstLastPara="1" rIns="91425" wrap="square" tIns="91425">
+          <a:bodyPr spcFirstLastPara="1" wrap="square" lIns="91425" tIns="91425" rIns="91425" bIns="91425" anchor="t" anchorCtr="0">
             <a:noAutofit/>
           </a:bodyPr>
           <a:lstStyle/>
           <a:p>
-            <a:pPr indent="-361950" lvl="0" marL="457200" rtl="0" algn="ctr">
+            <a:pPr marL="457200" lvl="0" indent="-361950" algn="ctr" rtl="0">
               <a:spcBef>
                 <a:spcPts val="0"/>
               </a:spcBef>
@@ -7229,15 +7563,7 @@
             </a:pPr>
             <a:r>
               <a:rPr lang="es"/>
-              <a:t>La </a:t>
-            </a:r>
-            <a:r>
-              <a:rPr lang="es"/>
-              <a:t>página</a:t>
-            </a:r>
-            <a:r>
-              <a:rPr lang="es"/>
-              <a:t> donde obtuvimos los datos sobre nuestro CSV es </a:t>
+              <a:t>La página donde obtuvimos los datos sobre nuestro CSV es </a:t>
             </a:r>
             <a:r>
               <a:rPr lang="es" sz="1400" u="sng">
@@ -7258,7 +7584,7 @@
             <a:endParaRPr sz="1400"/>
           </a:p>
           <a:p>
-            <a:pPr indent="0" lvl="0" marL="457200" rtl="0" algn="ctr">
+            <a:pPr marL="457200" lvl="0" indent="0" algn="ctr" rtl="0">
               <a:spcBef>
                 <a:spcPts val="0"/>
               </a:spcBef>
@@ -7267,13 +7593,10 @@
               </a:spcAft>
               <a:buNone/>
             </a:pPr>
-            <a:r>
-              <a:t/>
-            </a:r>
             <a:endParaRPr sz="1400"/>
           </a:p>
           <a:p>
-            <a:pPr indent="-361950" lvl="0" marL="457200" rtl="0" algn="ctr">
+            <a:pPr marL="457200" lvl="0" indent="-361950" algn="ctr" rtl="0">
               <a:spcBef>
                 <a:spcPts val="0"/>
               </a:spcBef>
@@ -7290,7 +7613,7 @@
             <a:endParaRPr/>
           </a:p>
           <a:p>
-            <a:pPr indent="0" lvl="0" marL="457200" rtl="0" algn="ctr">
+            <a:pPr marL="457200" lvl="0" indent="0" algn="ctr" rtl="0">
               <a:spcBef>
                 <a:spcPts val="0"/>
               </a:spcBef>
@@ -7322,9 +7645,11 @@
       <p:sp>
         <p:nvSpPr>
           <p:cNvPr id="73" name="Google Shape;73;p15"/>
-          <p:cNvSpPr txBox="1"/>
+          <p:cNvSpPr txBox="1">
+            <a:spLocks noGrp="1"/>
+          </p:cNvSpPr>
           <p:nvPr>
-            <p:ph idx="2" type="body"/>
+            <p:ph type="body" idx="2"/>
           </p:nvPr>
         </p:nvSpPr>
         <p:spPr>
@@ -7337,12 +7662,12 @@
           </a:prstGeom>
         </p:spPr>
         <p:txBody>
-          <a:bodyPr anchorCtr="0" anchor="ctr" bIns="91425" lIns="91425" spcFirstLastPara="1" rIns="91425" wrap="square" tIns="91425">
+          <a:bodyPr spcFirstLastPara="1" wrap="square" lIns="91425" tIns="91425" rIns="91425" bIns="91425" anchor="ctr" anchorCtr="0">
             <a:noAutofit/>
           </a:bodyPr>
           <a:lstStyle/>
           <a:p>
-            <a:pPr indent="0" lvl="0" marL="0" rtl="0" algn="l">
+            <a:pPr marL="0" lvl="0" indent="0" algn="l" rtl="0">
               <a:spcBef>
                 <a:spcPts val="0"/>
               </a:spcBef>
@@ -7351,9 +7676,6 @@
               </a:spcAft>
               <a:buNone/>
             </a:pPr>
-            <a:r>
-              <a:t/>
-            </a:r>
             <a:endParaRPr/>
           </a:p>
         </p:txBody>
@@ -7395,11 +7717,11 @@
 </file>
 
 <file path=ppt/slides/slide4.xml><?xml version="1.0" encoding="utf-8"?>
-<p:sld xmlns:a="http://schemas.openxmlformats.org/drawingml/2006/main" xmlns:r="http://schemas.openxmlformats.org/officeDocument/2006/relationships" xmlns:mc="http://schemas.openxmlformats.org/markup-compatibility/2006" xmlns:mv="urn:schemas-microsoft-com:mac:vml" xmlns:p="http://schemas.openxmlformats.org/presentationml/2006/main" xmlns:c="http://schemas.openxmlformats.org/drawingml/2006/chart" xmlns:dgm="http://schemas.openxmlformats.org/drawingml/2006/diagram" xmlns:o="urn:schemas-microsoft-com:office:office" xmlns:v="urn:schemas-microsoft-com:vml" xmlns:pvml="urn:schemas-microsoft-com:office:powerpoint" xmlns:com="http://schemas.openxmlformats.org/drawingml/2006/compatibility" xmlns:p14="http://schemas.microsoft.com/office/powerpoint/2010/main" xmlns:p15="http://schemas.microsoft.com/office/powerpoint/2012/main">
+<p:sld xmlns:a="http://schemas.openxmlformats.org/drawingml/2006/main" xmlns:r="http://schemas.openxmlformats.org/officeDocument/2006/relationships" xmlns:p="http://schemas.openxmlformats.org/presentationml/2006/main">
   <p:cSld>
     <p:spTree>
       <p:nvGrpSpPr>
-        <p:cNvPr id="78" name="Shape 78"/>
+        <p:cNvPr id="1" name="Shape 78"/>
         <p:cNvGrpSpPr/>
         <p:nvPr/>
       </p:nvGrpSpPr>
@@ -7414,7 +7736,9 @@
       <p:sp>
         <p:nvSpPr>
           <p:cNvPr id="79" name="Google Shape;79;p16"/>
-          <p:cNvSpPr txBox="1"/>
+          <p:cNvSpPr txBox="1">
+            <a:spLocks noGrp="1"/>
+          </p:cNvSpPr>
           <p:nvPr>
             <p:ph type="title"/>
           </p:nvPr>
@@ -7429,12 +7753,12 @@
           </a:prstGeom>
         </p:spPr>
         <p:txBody>
-          <a:bodyPr anchorCtr="0" anchor="b" bIns="91425" lIns="91425" spcFirstLastPara="1" rIns="91425" wrap="square" tIns="91425">
+          <a:bodyPr spcFirstLastPara="1" wrap="square" lIns="91425" tIns="91425" rIns="91425" bIns="91425" anchor="b" anchorCtr="0">
             <a:noAutofit/>
           </a:bodyPr>
           <a:lstStyle/>
           <a:p>
-            <a:pPr indent="457200" lvl="0" marL="2286000" rtl="0" algn="l">
+            <a:pPr marL="2286000" lvl="0" indent="457200" algn="l" rtl="0">
               <a:spcBef>
                 <a:spcPts val="0"/>
               </a:spcBef>
@@ -7488,11 +7812,11 @@
 </file>
 
 <file path=ppt/slides/slide5.xml><?xml version="1.0" encoding="utf-8"?>
-<p:sld xmlns:a="http://schemas.openxmlformats.org/drawingml/2006/main" xmlns:r="http://schemas.openxmlformats.org/officeDocument/2006/relationships" xmlns:mc="http://schemas.openxmlformats.org/markup-compatibility/2006" xmlns:mv="urn:schemas-microsoft-com:mac:vml" xmlns:p="http://schemas.openxmlformats.org/presentationml/2006/main" xmlns:c="http://schemas.openxmlformats.org/drawingml/2006/chart" xmlns:dgm="http://schemas.openxmlformats.org/drawingml/2006/diagram" xmlns:o="urn:schemas-microsoft-com:office:office" xmlns:v="urn:schemas-microsoft-com:vml" xmlns:pvml="urn:schemas-microsoft-com:office:powerpoint" xmlns:com="http://schemas.openxmlformats.org/drawingml/2006/compatibility" xmlns:p14="http://schemas.microsoft.com/office/powerpoint/2010/main" xmlns:p15="http://schemas.microsoft.com/office/powerpoint/2012/main">
+<p:sld xmlns:a="http://schemas.openxmlformats.org/drawingml/2006/main" xmlns:r="http://schemas.openxmlformats.org/officeDocument/2006/relationships" xmlns:p="http://schemas.openxmlformats.org/presentationml/2006/main">
   <p:cSld>
     <p:spTree>
       <p:nvGrpSpPr>
-        <p:cNvPr id="84" name="Shape 84"/>
+        <p:cNvPr id="1" name="Shape 84"/>
         <p:cNvGrpSpPr/>
         <p:nvPr/>
       </p:nvGrpSpPr>
@@ -7507,7 +7831,9 @@
       <p:sp>
         <p:nvSpPr>
           <p:cNvPr id="85" name="Google Shape;85;p17"/>
-          <p:cNvSpPr txBox="1"/>
+          <p:cNvSpPr txBox="1">
+            <a:spLocks noGrp="1"/>
+          </p:cNvSpPr>
           <p:nvPr>
             <p:ph type="title"/>
           </p:nvPr>
@@ -7522,12 +7848,12 @@
           </a:prstGeom>
         </p:spPr>
         <p:txBody>
-          <a:bodyPr anchorCtr="0" anchor="b" bIns="91425" lIns="91425" spcFirstLastPara="1" rIns="91425" wrap="square" tIns="91425">
+          <a:bodyPr spcFirstLastPara="1" wrap="square" lIns="91425" tIns="91425" rIns="91425" bIns="91425" anchor="b" anchorCtr="0">
             <a:noAutofit/>
           </a:bodyPr>
           <a:lstStyle/>
           <a:p>
-            <a:pPr indent="457200" lvl="0" marL="1828800" rtl="0" algn="l">
+            <a:pPr marL="1828800" lvl="0" indent="457200" algn="l" rtl="0">
               <a:spcBef>
                 <a:spcPts val="0"/>
               </a:spcBef>
@@ -7581,11 +7907,11 @@
 </file>
 
 <file path=ppt/slides/slide6.xml><?xml version="1.0" encoding="utf-8"?>
-<p:sld xmlns:a="http://schemas.openxmlformats.org/drawingml/2006/main" xmlns:r="http://schemas.openxmlformats.org/officeDocument/2006/relationships" xmlns:mc="http://schemas.openxmlformats.org/markup-compatibility/2006" xmlns:mv="urn:schemas-microsoft-com:mac:vml" xmlns:p="http://schemas.openxmlformats.org/presentationml/2006/main" xmlns:c="http://schemas.openxmlformats.org/drawingml/2006/chart" xmlns:dgm="http://schemas.openxmlformats.org/drawingml/2006/diagram" xmlns:o="urn:schemas-microsoft-com:office:office" xmlns:v="urn:schemas-microsoft-com:vml" xmlns:pvml="urn:schemas-microsoft-com:office:powerpoint" xmlns:com="http://schemas.openxmlformats.org/drawingml/2006/compatibility" xmlns:p14="http://schemas.microsoft.com/office/powerpoint/2010/main" xmlns:p15="http://schemas.microsoft.com/office/powerpoint/2012/main">
+<p:sld xmlns:a="http://schemas.openxmlformats.org/drawingml/2006/main" xmlns:r="http://schemas.openxmlformats.org/officeDocument/2006/relationships" xmlns:p="http://schemas.openxmlformats.org/presentationml/2006/main">
   <p:cSld>
     <p:spTree>
       <p:nvGrpSpPr>
-        <p:cNvPr id="90" name="Shape 90"/>
+        <p:cNvPr id="1" name="Shape 90"/>
         <p:cNvGrpSpPr/>
         <p:nvPr/>
       </p:nvGrpSpPr>
@@ -7600,7 +7926,9 @@
       <p:sp>
         <p:nvSpPr>
           <p:cNvPr id="91" name="Google Shape;91;p18"/>
-          <p:cNvSpPr txBox="1"/>
+          <p:cNvSpPr txBox="1">
+            <a:spLocks noGrp="1"/>
+          </p:cNvSpPr>
           <p:nvPr>
             <p:ph type="title"/>
           </p:nvPr>
@@ -7615,12 +7943,12 @@
           </a:prstGeom>
         </p:spPr>
         <p:txBody>
-          <a:bodyPr anchorCtr="0" anchor="b" bIns="91425" lIns="91425" spcFirstLastPara="1" rIns="91425" wrap="square" tIns="91425">
+          <a:bodyPr spcFirstLastPara="1" wrap="square" lIns="91425" tIns="91425" rIns="91425" bIns="91425" anchor="b" anchorCtr="0">
             <a:noAutofit/>
           </a:bodyPr>
           <a:lstStyle/>
           <a:p>
-            <a:pPr indent="457200" lvl="0" marL="1371600" rtl="0" algn="l">
+            <a:pPr marL="1371600" lvl="0" indent="457200" algn="l" rtl="0">
               <a:spcBef>
                 <a:spcPts val="0"/>
               </a:spcBef>
@@ -7657,12 +7985,12 @@
           </a:ln>
         </p:spPr>
         <p:txBody>
-          <a:bodyPr anchorCtr="0" anchor="t" bIns="91425" lIns="91425" spcFirstLastPara="1" rIns="91425" wrap="square" tIns="91425">
+          <a:bodyPr spcFirstLastPara="1" wrap="square" lIns="91425" tIns="91425" rIns="91425" bIns="91425" anchor="t" anchorCtr="0">
             <a:noAutofit/>
           </a:bodyPr>
           <a:lstStyle/>
           <a:p>
-            <a:pPr indent="-317500" lvl="0" marL="457200" rtl="0" algn="l">
+            <a:pPr marL="457200" lvl="0" indent="-317500" algn="l" rtl="0">
               <a:spcBef>
                 <a:spcPts val="0"/>
               </a:spcBef>
@@ -7696,7 +8024,7 @@
             </a:endParaRPr>
           </a:p>
           <a:p>
-            <a:pPr indent="-317500" lvl="0" marL="457200" rtl="0" algn="l">
+            <a:pPr marL="457200" lvl="0" indent="-317500" algn="l" rtl="0">
               <a:spcBef>
                 <a:spcPts val="0"/>
               </a:spcBef>
@@ -7739,8 +8067,393 @@
 </p:sld>
 </file>
 
+<file path=ppt/slides/slide7.xml><?xml version="1.0" encoding="utf-8"?>
+<p:sld xmlns:a="http://schemas.openxmlformats.org/drawingml/2006/main" xmlns:r="http://schemas.openxmlformats.org/officeDocument/2006/relationships" xmlns:p="http://schemas.openxmlformats.org/presentationml/2006/main">
+  <p:cSld>
+    <p:spTree>
+      <p:nvGrpSpPr>
+        <p:cNvPr id="1" name="Shape 96"/>
+        <p:cNvGrpSpPr/>
+        <p:nvPr/>
+      </p:nvGrpSpPr>
+      <p:grpSpPr>
+        <a:xfrm>
+          <a:off x="0" y="0"/>
+          <a:ext cx="0" cy="0"/>
+          <a:chOff x="0" y="0"/>
+          <a:chExt cx="0" cy="0"/>
+        </a:xfrm>
+      </p:grpSpPr>
+      <p:sp>
+        <p:nvSpPr>
+          <p:cNvPr id="97" name="Google Shape;97;p19"/>
+          <p:cNvSpPr txBox="1">
+            <a:spLocks noGrp="1"/>
+          </p:cNvSpPr>
+          <p:nvPr>
+            <p:ph type="title"/>
+          </p:nvPr>
+        </p:nvSpPr>
+        <p:spPr>
+          <a:xfrm>
+            <a:off x="485875" y="1714500"/>
+            <a:ext cx="8183700" cy="785700"/>
+          </a:xfrm>
+          <a:prstGeom prst="rect">
+            <a:avLst/>
+          </a:prstGeom>
+        </p:spPr>
+        <p:txBody>
+          <a:bodyPr spcFirstLastPara="1" wrap="square" lIns="91425" tIns="91425" rIns="91425" bIns="91425" anchor="b" anchorCtr="0">
+            <a:noAutofit/>
+          </a:bodyPr>
+          <a:lstStyle/>
+          <a:p>
+            <a:pPr marL="0" lvl="0" indent="0" algn="l" rtl="0">
+              <a:spcBef>
+                <a:spcPts val="0"/>
+              </a:spcBef>
+              <a:spcAft>
+                <a:spcPts val="0"/>
+              </a:spcAft>
+              <a:buNone/>
+            </a:pPr>
+            <a:endParaRPr/>
+          </a:p>
+        </p:txBody>
+      </p:sp>
+      <p:pic>
+        <p:nvPicPr>
+          <p:cNvPr id="98" name="Google Shape;98;p19" title="Demo.mp4">
+            <a:hlinkClick r:id="rId5"/>
+          </p:cNvPr>
+          <p:cNvPicPr preferRelativeResize="0"/>
+          <p:nvPr/>
+        </p:nvPicPr>
+        <p:blipFill>
+          <a:blip r:embed="rId6">
+            <a:alphaModFix/>
+          </a:blip>
+          <a:stretch>
+            <a:fillRect/>
+          </a:stretch>
+        </p:blipFill>
+        <p:spPr>
+          <a:xfrm>
+            <a:off x="0" y="0"/>
+            <a:ext cx="9144000" cy="5143500"/>
+          </a:xfrm>
+          <a:prstGeom prst="rect">
+            <a:avLst/>
+          </a:prstGeom>
+          <a:noFill/>
+          <a:ln>
+            <a:noFill/>
+          </a:ln>
+        </p:spPr>
+      </p:pic>
+      <p:pic>
+        <p:nvPicPr>
+          <p:cNvPr id="2" name="Demo">
+            <a:hlinkClick r:id="" action="ppaction://media"/>
+            <a:extLst>
+              <a:ext uri="{FF2B5EF4-FFF2-40B4-BE49-F238E27FC236}">
+                <a16:creationId xmlns:a16="http://schemas.microsoft.com/office/drawing/2014/main" id="{1D32DCFE-9F46-4870-A3F4-9CCD993B32BC}"/>
+              </a:ext>
+            </a:extLst>
+          </p:cNvPr>
+          <p:cNvPicPr>
+            <a:picLocks noChangeAspect="1"/>
+          </p:cNvPicPr>
+          <p:nvPr>
+            <a:videoFile r:link="rId2"/>
+            <p:extLst>
+              <p:ext uri="{DAA4B4D4-6D71-4841-9C94-3DE7FCFB9230}">
+                <p14:media xmlns:p14="http://schemas.microsoft.com/office/powerpoint/2010/main" r:embed="rId1"/>
+              </p:ext>
+            </p:extLst>
+          </p:nvPr>
+        </p:nvPicPr>
+        <p:blipFill>
+          <a:blip r:embed="rId7"/>
+          <a:stretch>
+            <a:fillRect/>
+          </a:stretch>
+        </p:blipFill>
+        <p:spPr>
+          <a:xfrm>
+            <a:off x="0" y="1588"/>
+            <a:ext cx="9144000" cy="5140325"/>
+          </a:xfrm>
+          <a:prstGeom prst="rect">
+            <a:avLst/>
+          </a:prstGeom>
+        </p:spPr>
+      </p:pic>
+    </p:spTree>
+  </p:cSld>
+  <p:clrMapOvr>
+    <a:masterClrMapping/>
+  </p:clrMapOvr>
+  <p:timing>
+    <p:tnLst>
+      <p:par>
+        <p:cTn id="1" dur="indefinite" restart="never" nodeType="tmRoot">
+          <p:childTnLst>
+            <p:seq concurrent="1" nextAc="seek">
+              <p:cTn id="2" dur="indefinite" nodeType="mainSeq">
+                <p:childTnLst>
+                  <p:par>
+                    <p:cTn id="3" fill="hold">
+                      <p:stCondLst>
+                        <p:cond delay="indefinite"/>
+                      </p:stCondLst>
+                      <p:childTnLst>
+                        <p:par>
+                          <p:cTn id="4" fill="hold">
+                            <p:stCondLst>
+                              <p:cond delay="0"/>
+                            </p:stCondLst>
+                            <p:childTnLst>
+                              <p:par>
+                                <p:cTn id="5" presetID="1" presetClass="mediacall" presetSubtype="0" fill="hold" nodeType="clickEffect">
+                                  <p:stCondLst>
+                                    <p:cond delay="0"/>
+                                  </p:stCondLst>
+                                  <p:childTnLst>
+                                    <p:cmd type="call" cmd="playFrom(0.0)">
+                                      <p:cBhvr>
+                                        <p:cTn id="6" dur="28889" fill="hold"/>
+                                        <p:tgtEl>
+                                          <p:spTgt spid="2"/>
+                                        </p:tgtEl>
+                                      </p:cBhvr>
+                                    </p:cmd>
+                                  </p:childTnLst>
+                                </p:cTn>
+                              </p:par>
+                            </p:childTnLst>
+                          </p:cTn>
+                        </p:par>
+                      </p:childTnLst>
+                    </p:cTn>
+                  </p:par>
+                </p:childTnLst>
+              </p:cTn>
+              <p:prevCondLst>
+                <p:cond evt="onPrev" delay="0">
+                  <p:tgtEl>
+                    <p:sldTgt/>
+                  </p:tgtEl>
+                </p:cond>
+              </p:prevCondLst>
+              <p:nextCondLst>
+                <p:cond evt="onNext" delay="0">
+                  <p:tgtEl>
+                    <p:sldTgt/>
+                  </p:tgtEl>
+                </p:cond>
+              </p:nextCondLst>
+            </p:seq>
+            <p:video>
+              <p:cMediaNode vol="80000">
+                <p:cTn id="7" fill="hold" display="0">
+                  <p:stCondLst>
+                    <p:cond delay="indefinite"/>
+                  </p:stCondLst>
+                </p:cTn>
+                <p:tgtEl>
+                  <p:spTgt spid="2"/>
+                </p:tgtEl>
+              </p:cMediaNode>
+            </p:video>
+            <p:seq concurrent="1" nextAc="seek">
+              <p:cTn id="8" restart="whenNotActive" fill="hold" evtFilter="cancelBubble" nodeType="interactiveSeq">
+                <p:stCondLst>
+                  <p:cond evt="onClick" delay="0">
+                    <p:tgtEl>
+                      <p:spTgt spid="2"/>
+                    </p:tgtEl>
+                  </p:cond>
+                </p:stCondLst>
+                <p:endSync evt="end" delay="0">
+                  <p:rtn val="all"/>
+                </p:endSync>
+                <p:childTnLst>
+                  <p:par>
+                    <p:cTn id="9" fill="hold">
+                      <p:stCondLst>
+                        <p:cond delay="0"/>
+                      </p:stCondLst>
+                      <p:childTnLst>
+                        <p:par>
+                          <p:cTn id="10" fill="hold">
+                            <p:stCondLst>
+                              <p:cond delay="0"/>
+                            </p:stCondLst>
+                            <p:childTnLst>
+                              <p:par>
+                                <p:cTn id="11" presetID="2" presetClass="mediacall" presetSubtype="0" fill="hold" nodeType="clickEffect">
+                                  <p:stCondLst>
+                                    <p:cond delay="0"/>
+                                  </p:stCondLst>
+                                  <p:childTnLst>
+                                    <p:cmd type="call" cmd="togglePause">
+                                      <p:cBhvr>
+                                        <p:cTn id="12" dur="1" fill="hold"/>
+                                        <p:tgtEl>
+                                          <p:spTgt spid="2"/>
+                                        </p:tgtEl>
+                                      </p:cBhvr>
+                                    </p:cmd>
+                                  </p:childTnLst>
+                                </p:cTn>
+                              </p:par>
+                            </p:childTnLst>
+                          </p:cTn>
+                        </p:par>
+                      </p:childTnLst>
+                    </p:cTn>
+                  </p:par>
+                </p:childTnLst>
+              </p:cTn>
+              <p:nextCondLst>
+                <p:cond evt="onClick" delay="0">
+                  <p:tgtEl>
+                    <p:spTgt spid="2"/>
+                  </p:tgtEl>
+                </p:cond>
+              </p:nextCondLst>
+            </p:seq>
+          </p:childTnLst>
+        </p:cTn>
+      </p:par>
+    </p:tnLst>
+  </p:timing>
+</p:sld>
+</file>
+
+<file path=ppt/slides/slide8.xml><?xml version="1.0" encoding="utf-8"?>
+<p:sld xmlns:a="http://schemas.openxmlformats.org/drawingml/2006/main" xmlns:r="http://schemas.openxmlformats.org/officeDocument/2006/relationships" xmlns:p="http://schemas.openxmlformats.org/presentationml/2006/main">
+  <p:cSld>
+    <p:spTree>
+      <p:nvGrpSpPr>
+        <p:cNvPr id="1" name="Shape 102"/>
+        <p:cNvGrpSpPr/>
+        <p:nvPr/>
+      </p:nvGrpSpPr>
+      <p:grpSpPr>
+        <a:xfrm>
+          <a:off x="0" y="0"/>
+          <a:ext cx="0" cy="0"/>
+          <a:chOff x="0" y="0"/>
+          <a:chExt cx="0" cy="0"/>
+        </a:xfrm>
+      </p:grpSpPr>
+      <p:sp>
+        <p:nvSpPr>
+          <p:cNvPr id="103" name="Google Shape;103;p20"/>
+          <p:cNvSpPr txBox="1">
+            <a:spLocks noGrp="1"/>
+          </p:cNvSpPr>
+          <p:nvPr>
+            <p:ph type="title"/>
+          </p:nvPr>
+        </p:nvSpPr>
+        <p:spPr>
+          <a:xfrm>
+            <a:off x="485875" y="1714500"/>
+            <a:ext cx="8183700" cy="785700"/>
+          </a:xfrm>
+          <a:prstGeom prst="rect">
+            <a:avLst/>
+          </a:prstGeom>
+        </p:spPr>
+        <p:txBody>
+          <a:bodyPr spcFirstLastPara="1" wrap="square" lIns="91425" tIns="91425" rIns="91425" bIns="91425" anchor="b" anchorCtr="0">
+            <a:noAutofit/>
+          </a:bodyPr>
+          <a:lstStyle/>
+          <a:p>
+            <a:pPr marL="3200400" lvl="0" indent="0" algn="l" rtl="0">
+              <a:spcBef>
+                <a:spcPts val="0"/>
+              </a:spcBef>
+              <a:spcAft>
+                <a:spcPts val="0"/>
+              </a:spcAft>
+              <a:buNone/>
+            </a:pPr>
+            <a:r>
+              <a:rPr lang="es" sz="6000"/>
+              <a:t>FIN</a:t>
+            </a:r>
+            <a:endParaRPr sz="6000"/>
+          </a:p>
+        </p:txBody>
+      </p:sp>
+      <p:sp>
+        <p:nvSpPr>
+          <p:cNvPr id="104" name="Google Shape;104;p20"/>
+          <p:cNvSpPr txBox="1"/>
+          <p:nvPr/>
+        </p:nvSpPr>
+        <p:spPr>
+          <a:xfrm>
+            <a:off x="2679625" y="3690150"/>
+            <a:ext cx="6540000" cy="762900"/>
+          </a:xfrm>
+          <a:prstGeom prst="rect">
+            <a:avLst/>
+          </a:prstGeom>
+          <a:noFill/>
+          <a:ln>
+            <a:noFill/>
+          </a:ln>
+        </p:spPr>
+        <p:txBody>
+          <a:bodyPr spcFirstLastPara="1" wrap="square" lIns="91425" tIns="91425" rIns="91425" bIns="91425" anchor="t" anchorCtr="0">
+            <a:noAutofit/>
+          </a:bodyPr>
+          <a:lstStyle/>
+          <a:p>
+            <a:pPr marL="0" lvl="0" indent="457200" algn="l" rtl="0">
+              <a:spcBef>
+                <a:spcPts val="0"/>
+              </a:spcBef>
+              <a:spcAft>
+                <a:spcPts val="0"/>
+              </a:spcAft>
+              <a:buNone/>
+            </a:pPr>
+            <a:r>
+              <a:rPr lang="es" sz="2400" b="1" dirty="0">
+                <a:latin typeface="Source Sans Pro"/>
+                <a:ea typeface="Source Sans Pro"/>
+                <a:cs typeface="Source Sans Pro"/>
+                <a:sym typeface="Source Sans Pro"/>
+              </a:rPr>
+              <a:t>MUCHAS GRACIAS</a:t>
+            </a:r>
+            <a:endParaRPr sz="2400" b="1" dirty="0">
+              <a:latin typeface="Source Sans Pro"/>
+              <a:ea typeface="Source Sans Pro"/>
+              <a:cs typeface="Source Sans Pro"/>
+              <a:sym typeface="Source Sans Pro"/>
+            </a:endParaRPr>
+          </a:p>
+        </p:txBody>
+      </p:sp>
+    </p:spTree>
+  </p:cSld>
+  <p:clrMapOvr>
+    <a:masterClrMapping/>
+  </p:clrMapOvr>
+</p:sld>
+</file>
+
 <file path=ppt/theme/theme1.xml><?xml version="1.0" encoding="utf-8"?>
-<a:theme xmlns:a="http://schemas.openxmlformats.org/drawingml/2006/main" xmlns:r="http://schemas.openxmlformats.org/officeDocument/2006/relationships" name="Plum">
+<a:theme xmlns:a="http://schemas.openxmlformats.org/drawingml/2006/main" name="Plum">
   <a:themeElements>
     <a:clrScheme name="Plum">
       <a:dk1>
@@ -8015,11 +8728,13 @@
       </a:bgFillStyleLst>
     </a:fmtScheme>
   </a:themeElements>
+  <a:objectDefaults/>
+  <a:extraClrSchemeLst/>
 </a:theme>
 </file>
 
 <file path=ppt/theme/theme2.xml><?xml version="1.0" encoding="utf-8"?>
-<a:theme xmlns:a="http://schemas.openxmlformats.org/drawingml/2006/main" xmlns:r="http://schemas.openxmlformats.org/officeDocument/2006/relationships">
+<a:theme xmlns:a="http://schemas.openxmlformats.org/drawingml/2006/main">
   <a:themeElements>
     <a:clrScheme name="Default">
       <a:dk1>
@@ -8294,5 +9009,7 @@
       </a:bgFillStyleLst>
     </a:fmtScheme>
   </a:themeElements>
+  <a:objectDefaults/>
+  <a:extraClrSchemeLst/>
 </a:theme>
 </file>